--- a/Lesson slides/Unit 2 - Sorting algorithms.pptx
+++ b/Lesson slides/Unit 2 - Sorting algorithms.pptx
@@ -5,7 +5,7 @@
     <p:sldMasterId id="2147483729" r:id="rId1"/>
   </p:sldMasterIdLst>
   <p:notesMasterIdLst>
-    <p:notesMasterId r:id="rId47"/>
+    <p:notesMasterId r:id="rId48"/>
   </p:notesMasterIdLst>
   <p:sldIdLst>
     <p:sldId id="256" r:id="rId2"/>
@@ -32,27 +32,28 @@
     <p:sldId id="325" r:id="rId23"/>
     <p:sldId id="329" r:id="rId24"/>
     <p:sldId id="340" r:id="rId25"/>
-    <p:sldId id="312" r:id="rId26"/>
-    <p:sldId id="313" r:id="rId27"/>
-    <p:sldId id="351" r:id="rId28"/>
-    <p:sldId id="315" r:id="rId29"/>
-    <p:sldId id="332" r:id="rId30"/>
-    <p:sldId id="333" r:id="rId31"/>
-    <p:sldId id="331" r:id="rId32"/>
-    <p:sldId id="352" r:id="rId33"/>
-    <p:sldId id="330" r:id="rId34"/>
-    <p:sldId id="335" r:id="rId35"/>
-    <p:sldId id="334" r:id="rId36"/>
-    <p:sldId id="336" r:id="rId37"/>
-    <p:sldId id="337" r:id="rId38"/>
-    <p:sldId id="341" r:id="rId39"/>
-    <p:sldId id="338" r:id="rId40"/>
-    <p:sldId id="339" r:id="rId41"/>
-    <p:sldId id="342" r:id="rId42"/>
-    <p:sldId id="343" r:id="rId43"/>
-    <p:sldId id="344" r:id="rId44"/>
-    <p:sldId id="345" r:id="rId45"/>
-    <p:sldId id="346" r:id="rId46"/>
+    <p:sldId id="353" r:id="rId26"/>
+    <p:sldId id="312" r:id="rId27"/>
+    <p:sldId id="313" r:id="rId28"/>
+    <p:sldId id="351" r:id="rId29"/>
+    <p:sldId id="315" r:id="rId30"/>
+    <p:sldId id="332" r:id="rId31"/>
+    <p:sldId id="333" r:id="rId32"/>
+    <p:sldId id="331" r:id="rId33"/>
+    <p:sldId id="352" r:id="rId34"/>
+    <p:sldId id="330" r:id="rId35"/>
+    <p:sldId id="335" r:id="rId36"/>
+    <p:sldId id="334" r:id="rId37"/>
+    <p:sldId id="336" r:id="rId38"/>
+    <p:sldId id="337" r:id="rId39"/>
+    <p:sldId id="341" r:id="rId40"/>
+    <p:sldId id="338" r:id="rId41"/>
+    <p:sldId id="339" r:id="rId42"/>
+    <p:sldId id="342" r:id="rId43"/>
+    <p:sldId id="343" r:id="rId44"/>
+    <p:sldId id="344" r:id="rId45"/>
+    <p:sldId id="345" r:id="rId46"/>
+    <p:sldId id="346" r:id="rId47"/>
   </p:sldIdLst>
   <p:sldSz cx="12192000" cy="6858000"/>
   <p:notesSz cx="6858000" cy="9144000"/>
@@ -159,6 +160,10 @@
 </p:presentation>
 </file>
 
+<file path=ppt/revisionInfo.xml><?xml version="1.0" encoding="utf-8"?>
+<p1510:revInfo xmlns:a="http://schemas.openxmlformats.org/drawingml/2006/main" xmlns:r="http://schemas.openxmlformats.org/officeDocument/2006/relationships" xmlns:p1510="http://schemas.microsoft.com/office/powerpoint/2015/10/main"/>
+</file>
+
 <file path=ppt/notesMasters/notesMaster1.xml><?xml version="1.0" encoding="utf-8"?>
 <p:notesMaster xmlns:a="http://schemas.openxmlformats.org/drawingml/2006/main" xmlns:r="http://schemas.openxmlformats.org/officeDocument/2006/relationships" xmlns:p="http://schemas.openxmlformats.org/presentationml/2006/main">
   <p:cSld>
@@ -241,7 +246,7 @@
           <a:p>
             <a:fld id="{F314420D-16BA-4EDC-9A71-800590EAD5A3}" type="datetimeFigureOut">
               <a:rPr lang="en-GB" smtClean="0"/>
-              <a:t>14/11/2016</a:t>
+              <a:t>20/11/2017</a:t>
             </a:fld>
             <a:endParaRPr lang="en-GB"/>
           </a:p>
@@ -400,7 +405,7 @@
           <a:p>
             <a:fld id="{29573B9A-66FB-4A63-BCD5-E140B9429FD2}" type="slidenum">
               <a:rPr lang="en-GB" smtClean="0"/>
-              <a:t>‹#›</a:t>
+              <a:t>‹nr.›</a:t>
             </a:fld>
             <a:endParaRPr lang="en-GB"/>
           </a:p>
@@ -1544,9 +1549,9 @@
           <a:bodyPr/>
           <a:lstStyle/>
           <a:p>
-            <a:fld id="{C83B997C-83EB-4307-B88D-E1867D0CE06B}" type="datetime1">
+            <a:fld id="{F684358F-5A8D-46F5-A4F4-9916ECB46847}" type="datetime1">
               <a:rPr lang="en-GB" smtClean="0"/>
-              <a:t>14/11/2016</a:t>
+              <a:t>20/11/2017</a:t>
             </a:fld>
             <a:endParaRPr lang="en-GB"/>
           </a:p>
@@ -1569,7 +1574,7 @@
           <a:p>
             <a:r>
               <a:rPr lang="it-IT"/>
-              <a:t>INFDEV026A - G. Costantini, F. Di Giacomo, G. Maggiore</a:t>
+              <a:t>INFDEV036A - G. Costantini, F. Di Giacomo</a:t>
             </a:r>
             <a:endParaRPr lang="en-GB"/>
           </a:p>
@@ -1592,7 +1597,7 @@
           <a:p>
             <a:fld id="{A3AAA307-BC5C-435E-9F75-3D6007B651A5}" type="slidenum">
               <a:rPr lang="en-GB" smtClean="0"/>
-              <a:t>‹#›</a:t>
+              <a:t>‹nr.›</a:t>
             </a:fld>
             <a:endParaRPr lang="en-GB"/>
           </a:p>
@@ -1799,9 +1804,9 @@
           <a:bodyPr/>
           <a:lstStyle/>
           <a:p>
-            <a:fld id="{2AC9D419-6E34-4F08-B3FA-05280B6C3BD8}" type="datetime1">
+            <a:fld id="{194D2BD8-08C5-43F0-A6EA-07187D749947}" type="datetime1">
               <a:rPr lang="en-GB" smtClean="0"/>
-              <a:t>14/11/2016</a:t>
+              <a:t>20/11/2017</a:t>
             </a:fld>
             <a:endParaRPr lang="en-GB"/>
           </a:p>
@@ -1824,7 +1829,7 @@
           <a:p>
             <a:r>
               <a:rPr lang="it-IT"/>
-              <a:t>INFDEV026A - G. Costantini, F. Di Giacomo, G. Maggiore</a:t>
+              <a:t>INFDEV036A - G. Costantini, F. Di Giacomo</a:t>
             </a:r>
             <a:endParaRPr lang="en-GB"/>
           </a:p>
@@ -1847,7 +1852,7 @@
           <a:p>
             <a:fld id="{A3AAA307-BC5C-435E-9F75-3D6007B651A5}" type="slidenum">
               <a:rPr lang="en-GB" smtClean="0"/>
-              <a:t>‹#›</a:t>
+              <a:t>‹nr.›</a:t>
             </a:fld>
             <a:endParaRPr lang="en-GB"/>
           </a:p>
@@ -2117,9 +2122,9 @@
           <a:bodyPr/>
           <a:lstStyle/>
           <a:p>
-            <a:fld id="{F05DEFE9-66C2-4D75-8C55-E9DA801A4F99}" type="datetime1">
+            <a:fld id="{2D8D4E04-40DC-4187-B310-DB612C5CED42}" type="datetime1">
               <a:rPr lang="en-GB" smtClean="0"/>
-              <a:t>14/11/2016</a:t>
+              <a:t>20/11/2017</a:t>
             </a:fld>
             <a:endParaRPr lang="en-GB"/>
           </a:p>
@@ -2142,7 +2147,7 @@
           <a:p>
             <a:r>
               <a:rPr lang="it-IT"/>
-              <a:t>INFDEV026A - G. Costantini, F. Di Giacomo, G. Maggiore</a:t>
+              <a:t>INFDEV036A - G. Costantini, F. Di Giacomo</a:t>
             </a:r>
             <a:endParaRPr lang="en-GB"/>
           </a:p>
@@ -2165,7 +2170,7 @@
           <a:p>
             <a:fld id="{A3AAA307-BC5C-435E-9F75-3D6007B651A5}" type="slidenum">
               <a:rPr lang="en-GB" smtClean="0"/>
-              <a:t>‹#›</a:t>
+              <a:t>‹nr.›</a:t>
             </a:fld>
             <a:endParaRPr lang="en-GB"/>
           </a:p>
@@ -2448,9 +2453,9 @@
           <a:bodyPr/>
           <a:lstStyle/>
           <a:p>
-            <a:fld id="{4ECB34AB-DE2A-4E2B-8C83-BFB32BE1F43B}" type="datetime1">
+            <a:fld id="{C23C8B5D-CF85-4985-A133-6C1E3B3ED983}" type="datetime1">
               <a:rPr lang="en-GB" smtClean="0"/>
-              <a:t>14/11/2016</a:t>
+              <a:t>20/11/2017</a:t>
             </a:fld>
             <a:endParaRPr lang="en-GB"/>
           </a:p>
@@ -2473,7 +2478,7 @@
           <a:p>
             <a:r>
               <a:rPr lang="it-IT"/>
-              <a:t>INFDEV026A - G. Costantini, F. Di Giacomo, G. Maggiore</a:t>
+              <a:t>INFDEV036A - G. Costantini, F. Di Giacomo</a:t>
             </a:r>
             <a:endParaRPr lang="en-GB"/>
           </a:p>
@@ -2496,7 +2501,7 @@
           <a:p>
             <a:fld id="{A3AAA307-BC5C-435E-9F75-3D6007B651A5}" type="slidenum">
               <a:rPr lang="en-GB" smtClean="0"/>
-              <a:t>‹#›</a:t>
+              <a:t>‹nr.›</a:t>
             </a:fld>
             <a:endParaRPr lang="en-GB"/>
           </a:p>
@@ -2766,9 +2771,9 @@
           <a:bodyPr/>
           <a:lstStyle/>
           <a:p>
-            <a:fld id="{D7225191-8E9A-4839-A375-3F23EFCC492D}" type="datetime1">
+            <a:fld id="{625FC69D-FC2F-49BC-8FD1-A9BA7A58F6ED}" type="datetime1">
               <a:rPr lang="en-GB" smtClean="0"/>
-              <a:t>14/11/2016</a:t>
+              <a:t>20/11/2017</a:t>
             </a:fld>
             <a:endParaRPr lang="en-GB"/>
           </a:p>
@@ -2791,7 +2796,7 @@
           <a:p>
             <a:r>
               <a:rPr lang="it-IT"/>
-              <a:t>INFDEV026A - G. Costantini, F. Di Giacomo, G. Maggiore</a:t>
+              <a:t>INFDEV036A - G. Costantini, F. Di Giacomo</a:t>
             </a:r>
             <a:endParaRPr lang="en-GB"/>
           </a:p>
@@ -2814,7 +2819,7 @@
           <a:p>
             <a:fld id="{A3AAA307-BC5C-435E-9F75-3D6007B651A5}" type="slidenum">
               <a:rPr lang="en-GB" smtClean="0"/>
-              <a:t>‹#›</a:t>
+              <a:t>‹nr.›</a:t>
             </a:fld>
             <a:endParaRPr lang="en-GB"/>
           </a:p>
@@ -3157,9 +3162,9 @@
           <a:bodyPr/>
           <a:lstStyle/>
           <a:p>
-            <a:fld id="{10F3C867-85CB-467C-AB66-75C0DB704D40}" type="datetime1">
+            <a:fld id="{153EB4E7-85E4-4754-9E9F-C3E17A76F11D}" type="datetime1">
               <a:rPr lang="en-GB" smtClean="0"/>
-              <a:t>14/11/2016</a:t>
+              <a:t>20/11/2017</a:t>
             </a:fld>
             <a:endParaRPr lang="en-GB"/>
           </a:p>
@@ -3182,7 +3187,7 @@
           <a:p>
             <a:r>
               <a:rPr lang="it-IT"/>
-              <a:t>INFDEV026A - G. Costantini, F. Di Giacomo, G. Maggiore</a:t>
+              <a:t>INFDEV036A - G. Costantini, F. Di Giacomo</a:t>
             </a:r>
             <a:endParaRPr lang="en-GB"/>
           </a:p>
@@ -3205,7 +3210,7 @@
           <a:p>
             <a:fld id="{A3AAA307-BC5C-435E-9F75-3D6007B651A5}" type="slidenum">
               <a:rPr lang="en-GB" smtClean="0"/>
-              <a:t>‹#›</a:t>
+              <a:t>‹nr.›</a:t>
             </a:fld>
             <a:endParaRPr lang="en-GB"/>
           </a:p>
@@ -3331,9 +3336,9 @@
           <a:bodyPr/>
           <a:lstStyle/>
           <a:p>
-            <a:fld id="{945B6EEF-7428-4E68-A4A6-BCBA0362AADB}" type="datetime1">
+            <a:fld id="{E1F1E81A-ED72-4708-ADB5-2F0283D39A1C}" type="datetime1">
               <a:rPr lang="en-GB" smtClean="0"/>
-              <a:t>14/11/2016</a:t>
+              <a:t>20/11/2017</a:t>
             </a:fld>
             <a:endParaRPr lang="en-GB"/>
           </a:p>
@@ -3356,7 +3361,7 @@
           <a:p>
             <a:r>
               <a:rPr lang="it-IT"/>
-              <a:t>INFDEV026A - G. Costantini, F. Di Giacomo, G. Maggiore</a:t>
+              <a:t>INFDEV036A - G. Costantini, F. Di Giacomo</a:t>
             </a:r>
             <a:endParaRPr lang="en-GB"/>
           </a:p>
@@ -3379,7 +3384,7 @@
           <a:p>
             <a:fld id="{A3AAA307-BC5C-435E-9F75-3D6007B651A5}" type="slidenum">
               <a:rPr lang="en-GB" smtClean="0"/>
-              <a:t>‹#›</a:t>
+              <a:t>‹nr.›</a:t>
             </a:fld>
             <a:endParaRPr lang="en-GB"/>
           </a:p>
@@ -3515,9 +3520,9 @@
           <a:bodyPr/>
           <a:lstStyle/>
           <a:p>
-            <a:fld id="{5B6E9E5E-D823-44D9-A358-5A5FF1348D35}" type="datetime1">
+            <a:fld id="{8B9B4761-69B0-4809-9570-AFF8CB97D952}" type="datetime1">
               <a:rPr lang="en-GB" smtClean="0"/>
-              <a:t>14/11/2016</a:t>
+              <a:t>20/11/2017</a:t>
             </a:fld>
             <a:endParaRPr lang="en-GB"/>
           </a:p>
@@ -3540,7 +3545,7 @@
           <a:p>
             <a:r>
               <a:rPr lang="it-IT"/>
-              <a:t>INFDEV026A - G. Costantini, F. Di Giacomo, G. Maggiore</a:t>
+              <a:t>INFDEV036A - G. Costantini, F. Di Giacomo</a:t>
             </a:r>
             <a:endParaRPr lang="en-GB"/>
           </a:p>
@@ -3563,7 +3568,7 @@
           <a:p>
             <a:fld id="{A3AAA307-BC5C-435E-9F75-3D6007B651A5}" type="slidenum">
               <a:rPr lang="en-GB" smtClean="0"/>
-              <a:t>‹#›</a:t>
+              <a:t>‹nr.›</a:t>
             </a:fld>
             <a:endParaRPr lang="en-GB"/>
           </a:p>
@@ -3689,9 +3694,9 @@
           <a:bodyPr/>
           <a:lstStyle/>
           <a:p>
-            <a:fld id="{3EFA8F81-F468-4226-AAFE-6E29C959C4C9}" type="datetime1">
+            <a:fld id="{956E0577-493C-43D8-A6FA-5BE2C58220B1}" type="datetime1">
               <a:rPr lang="en-GB" smtClean="0"/>
-              <a:t>14/11/2016</a:t>
+              <a:t>20/11/2017</a:t>
             </a:fld>
             <a:endParaRPr lang="en-GB"/>
           </a:p>
@@ -3714,7 +3719,7 @@
           <a:p>
             <a:r>
               <a:rPr lang="it-IT"/>
-              <a:t>INFDEV026A - G. Costantini, F. Di Giacomo, G. Maggiore</a:t>
+              <a:t>INFDEV036A - G. Costantini, F. Di Giacomo</a:t>
             </a:r>
             <a:endParaRPr lang="en-GB"/>
           </a:p>
@@ -3737,7 +3742,7 @@
           <a:p>
             <a:fld id="{A3AAA307-BC5C-435E-9F75-3D6007B651A5}" type="slidenum">
               <a:rPr lang="en-GB" smtClean="0"/>
-              <a:t>‹#›</a:t>
+              <a:t>‹nr.›</a:t>
             </a:fld>
             <a:endParaRPr lang="en-GB"/>
           </a:p>
@@ -3940,9 +3945,9 @@
           <a:bodyPr/>
           <a:lstStyle/>
           <a:p>
-            <a:fld id="{81583685-26D4-41EE-95DA-5F1B4004EF45}" type="datetime1">
+            <a:fld id="{304D6F30-9825-4794-9545-D073367068F8}" type="datetime1">
               <a:rPr lang="en-GB" smtClean="0"/>
-              <a:t>14/11/2016</a:t>
+              <a:t>20/11/2017</a:t>
             </a:fld>
             <a:endParaRPr lang="en-GB"/>
           </a:p>
@@ -3965,7 +3970,7 @@
           <a:p>
             <a:r>
               <a:rPr lang="it-IT"/>
-              <a:t>INFDEV026A - G. Costantini, F. Di Giacomo, G. Maggiore</a:t>
+              <a:t>INFDEV036A - G. Costantini, F. Di Giacomo</a:t>
             </a:r>
             <a:endParaRPr lang="en-GB"/>
           </a:p>
@@ -3988,7 +3993,7 @@
           <a:p>
             <a:fld id="{A3AAA307-BC5C-435E-9F75-3D6007B651A5}" type="slidenum">
               <a:rPr lang="en-GB" smtClean="0"/>
-              <a:t>‹#›</a:t>
+              <a:t>‹nr.›</a:t>
             </a:fld>
             <a:endParaRPr lang="en-GB"/>
           </a:p>
@@ -4176,9 +4181,9 @@
           <a:bodyPr/>
           <a:lstStyle/>
           <a:p>
-            <a:fld id="{14619668-95C2-4F10-B0DF-E16BFC0E99E1}" type="datetime1">
+            <a:fld id="{DBE2C86E-604C-4D60-828D-D12199E8B306}" type="datetime1">
               <a:rPr lang="en-GB" smtClean="0"/>
-              <a:t>14/11/2016</a:t>
+              <a:t>20/11/2017</a:t>
             </a:fld>
             <a:endParaRPr lang="en-GB"/>
           </a:p>
@@ -4201,7 +4206,7 @@
           <a:p>
             <a:r>
               <a:rPr lang="it-IT"/>
-              <a:t>INFDEV026A - G. Costantini, F. Di Giacomo, G. Maggiore</a:t>
+              <a:t>INFDEV036A - G. Costantini, F. Di Giacomo</a:t>
             </a:r>
             <a:endParaRPr lang="en-GB"/>
           </a:p>
@@ -4224,7 +4229,7 @@
           <a:p>
             <a:fld id="{A3AAA307-BC5C-435E-9F75-3D6007B651A5}" type="slidenum">
               <a:rPr lang="en-GB" smtClean="0"/>
-              <a:t>‹#›</a:t>
+              <a:t>‹nr.›</a:t>
             </a:fld>
             <a:endParaRPr lang="en-GB"/>
           </a:p>
@@ -4554,9 +4559,9 @@
           <a:bodyPr/>
           <a:lstStyle/>
           <a:p>
-            <a:fld id="{C489407D-0B3D-46F1-884E-9467C2ACDF1F}" type="datetime1">
+            <a:fld id="{13EC04E0-B8AF-408E-9C33-E58446FD7352}" type="datetime1">
               <a:rPr lang="en-GB" smtClean="0"/>
-              <a:t>14/11/2016</a:t>
+              <a:t>20/11/2017</a:t>
             </a:fld>
             <a:endParaRPr lang="en-GB"/>
           </a:p>
@@ -4579,7 +4584,7 @@
           <a:p>
             <a:r>
               <a:rPr lang="it-IT"/>
-              <a:t>INFDEV026A - G. Costantini, F. Di Giacomo, G. Maggiore</a:t>
+              <a:t>INFDEV036A - G. Costantini, F. Di Giacomo</a:t>
             </a:r>
             <a:endParaRPr lang="en-GB"/>
           </a:p>
@@ -4602,7 +4607,7 @@
           <a:p>
             <a:fld id="{A3AAA307-BC5C-435E-9F75-3D6007B651A5}" type="slidenum">
               <a:rPr lang="en-GB" smtClean="0"/>
-              <a:t>‹#›</a:t>
+              <a:t>‹nr.›</a:t>
             </a:fld>
             <a:endParaRPr lang="en-GB"/>
           </a:p>
@@ -4681,9 +4686,9 @@
           <a:bodyPr/>
           <a:lstStyle/>
           <a:p>
-            <a:fld id="{D0B943BC-486D-4A6E-83ED-223213C0F8A1}" type="datetime1">
+            <a:fld id="{9243573A-0A91-4FB4-8885-1EB4FE5B1E54}" type="datetime1">
               <a:rPr lang="en-GB" smtClean="0"/>
-              <a:t>14/11/2016</a:t>
+              <a:t>20/11/2017</a:t>
             </a:fld>
             <a:endParaRPr lang="en-GB"/>
           </a:p>
@@ -4706,7 +4711,7 @@
           <a:p>
             <a:r>
               <a:rPr lang="it-IT"/>
-              <a:t>INFDEV026A - G. Costantini, F. Di Giacomo, G. Maggiore</a:t>
+              <a:t>INFDEV036A - G. Costantini, F. Di Giacomo</a:t>
             </a:r>
             <a:endParaRPr lang="en-GB"/>
           </a:p>
@@ -4729,7 +4734,7 @@
           <a:p>
             <a:fld id="{A3AAA307-BC5C-435E-9F75-3D6007B651A5}" type="slidenum">
               <a:rPr lang="en-GB" smtClean="0"/>
-              <a:t>‹#›</a:t>
+              <a:t>‹nr.›</a:t>
             </a:fld>
             <a:endParaRPr lang="en-GB"/>
           </a:p>
@@ -4780,9 +4785,9 @@
           <a:bodyPr/>
           <a:lstStyle/>
           <a:p>
-            <a:fld id="{CBDE102C-3722-41D7-A988-B92FC06A442C}" type="datetime1">
+            <a:fld id="{B4710004-43A1-4DBA-A644-554D1059FD1C}" type="datetime1">
               <a:rPr lang="en-GB" smtClean="0"/>
-              <a:t>14/11/2016</a:t>
+              <a:t>20/11/2017</a:t>
             </a:fld>
             <a:endParaRPr lang="en-GB"/>
           </a:p>
@@ -4805,7 +4810,7 @@
           <a:p>
             <a:r>
               <a:rPr lang="it-IT"/>
-              <a:t>INFDEV026A - G. Costantini, F. Di Giacomo, G. Maggiore</a:t>
+              <a:t>INFDEV036A - G. Costantini, F. Di Giacomo</a:t>
             </a:r>
             <a:endParaRPr lang="en-GB"/>
           </a:p>
@@ -4828,7 +4833,7 @@
           <a:p>
             <a:fld id="{A3AAA307-BC5C-435E-9F75-3D6007B651A5}" type="slidenum">
               <a:rPr lang="en-GB" smtClean="0"/>
-              <a:t>‹#›</a:t>
+              <a:t>‹nr.›</a:t>
             </a:fld>
             <a:endParaRPr lang="en-GB"/>
           </a:p>
@@ -5039,9 +5044,9 @@
           <a:bodyPr/>
           <a:lstStyle/>
           <a:p>
-            <a:fld id="{C897DC7D-9172-4C5E-996E-39854D795446}" type="datetime1">
+            <a:fld id="{FC9720D1-9F76-4FA1-8657-AC1E8E0981A6}" type="datetime1">
               <a:rPr lang="en-GB" smtClean="0"/>
-              <a:t>14/11/2016</a:t>
+              <a:t>20/11/2017</a:t>
             </a:fld>
             <a:endParaRPr lang="en-GB"/>
           </a:p>
@@ -5064,7 +5069,7 @@
           <a:p>
             <a:r>
               <a:rPr lang="it-IT"/>
-              <a:t>INFDEV026A - G. Costantini, F. Di Giacomo, G. Maggiore</a:t>
+              <a:t>INFDEV036A - G. Costantini, F. Di Giacomo</a:t>
             </a:r>
             <a:endParaRPr lang="en-GB"/>
           </a:p>
@@ -5087,7 +5092,7 @@
           <a:p>
             <a:fld id="{A3AAA307-BC5C-435E-9F75-3D6007B651A5}" type="slidenum">
               <a:rPr lang="en-GB" smtClean="0"/>
-              <a:t>‹#›</a:t>
+              <a:t>‹nr.›</a:t>
             </a:fld>
             <a:endParaRPr lang="en-GB"/>
           </a:p>
@@ -5306,9 +5311,9 @@
           <a:bodyPr/>
           <a:lstStyle/>
           <a:p>
-            <a:fld id="{F030B67D-46D0-4EBF-AF83-D7EBE16F8309}" type="datetime1">
+            <a:fld id="{C8E20631-DE8B-4701-976E-E03410B1997C}" type="datetime1">
               <a:rPr lang="en-GB" smtClean="0"/>
-              <a:t>14/11/2016</a:t>
+              <a:t>20/11/2017</a:t>
             </a:fld>
             <a:endParaRPr lang="en-GB"/>
           </a:p>
@@ -5331,7 +5336,7 @@
           <a:p>
             <a:r>
               <a:rPr lang="it-IT"/>
-              <a:t>INFDEV026A - G. Costantini, F. Di Giacomo, G. Maggiore</a:t>
+              <a:t>INFDEV036A - G. Costantini, F. Di Giacomo</a:t>
             </a:r>
             <a:endParaRPr lang="en-GB"/>
           </a:p>
@@ -5354,7 +5359,7 @@
           <a:p>
             <a:fld id="{A3AAA307-BC5C-435E-9F75-3D6007B651A5}" type="slidenum">
               <a:rPr lang="en-GB" smtClean="0"/>
-              <a:t>‹#›</a:t>
+              <a:t>‹nr.›</a:t>
             </a:fld>
             <a:endParaRPr lang="en-GB"/>
           </a:p>
@@ -6055,9 +6060,9 @@
             </a:lvl1pPr>
           </a:lstStyle>
           <a:p>
-            <a:fld id="{B3E83D58-AB76-4EE3-8F60-4ED37AFE935A}" type="datetime1">
+            <a:fld id="{B9424B04-571C-4D6B-BA35-700508E94D99}" type="datetime1">
               <a:rPr lang="en-GB" smtClean="0"/>
-              <a:t>14/11/2016</a:t>
+              <a:t>20/11/2017</a:t>
             </a:fld>
             <a:endParaRPr lang="en-GB"/>
           </a:p>
@@ -6098,7 +6103,7 @@
           <a:p>
             <a:r>
               <a:rPr lang="it-IT"/>
-              <a:t>INFDEV026A - G. Costantini, F. Di Giacomo, G. Maggiore</a:t>
+              <a:t>INFDEV036A - G. Costantini, F. Di Giacomo</a:t>
             </a:r>
             <a:endParaRPr lang="en-GB"/>
           </a:p>
@@ -6139,7 +6144,7 @@
           <a:p>
             <a:fld id="{A3AAA307-BC5C-435E-9F75-3D6007B651A5}" type="slidenum">
               <a:rPr lang="en-GB" smtClean="0"/>
-              <a:t>‹#›</a:t>
+              <a:t>‹nr.›</a:t>
             </a:fld>
             <a:endParaRPr lang="en-GB"/>
           </a:p>
@@ -6630,26 +6635,14 @@
           <a:p>
             <a:r>
               <a:rPr lang="en-GB" dirty="0"/>
-              <a:t>INFDEV026A - </a:t>
-            </a:r>
-            <a:r>
-              <a:rPr lang="en-GB" dirty="0" err="1"/>
-              <a:t>Algoritmiek</a:t>
-            </a:r>
-            <a:r>
+              <a:t>INFDEV036A - Algorithms</a:t>
+            </a:r>
+            <a:br>
               <a:rPr lang="en-GB" dirty="0"/>
-              <a:t> </a:t>
-            </a:r>
-            <a:br>
-              <a:rPr lang="en-GB"/>
             </a:br>
             <a:r>
-              <a:rPr lang="en-GB"/>
-              <a:t>Unit </a:t>
-            </a:r>
-            <a:r>
               <a:rPr lang="en-GB" dirty="0"/>
-              <a:t>2</a:t>
+              <a:t>Lesson Unit 2</a:t>
             </a:r>
           </a:p>
         </p:txBody>
@@ -6673,7 +6666,7 @@
           <a:p>
             <a:r>
               <a:rPr lang="en-GB" sz="2000" dirty="0"/>
-              <a:t>G. Costantini, F. Di Giacomo, G. Maggiore</a:t>
+              <a:t>G. Costantini, F. Di Giacomo</a:t>
             </a:r>
           </a:p>
           <a:p>
@@ -6695,17 +6688,7 @@
             </a:r>
             <a:r>
               <a:rPr lang="en-GB" sz="2000" dirty="0"/>
-              <a:t>, </a:t>
-            </a:r>
-            <a:r>
-              <a:rPr lang="en-GB" sz="2000" dirty="0">
-                <a:hlinkClick r:id="rId4"/>
-              </a:rPr>
-              <a:t>maggg@hr.nl</a:t>
-            </a:r>
-            <a:r>
-              <a:rPr lang="en-GB" sz="2000" dirty="0"/>
-              <a:t> – Office H4.204</a:t>
+              <a:t> – Office H4.206</a:t>
             </a:r>
           </a:p>
         </p:txBody>
@@ -6836,12 +6819,59 @@
           <a:p>
             <a:r>
               <a:rPr lang="it-IT"/>
-              <a:t>INFDEV026A - G. Costantini, F. Di Giacomo, G. Maggiore</a:t>
+              <a:t>INFDEV036A - G. Costantini, F. Di Giacomo</a:t>
             </a:r>
             <a:endParaRPr lang="en-GB"/>
           </a:p>
         </p:txBody>
       </p:sp>
+      <p:pic>
+        <p:nvPicPr>
+          <p:cNvPr id="1026" name="Picture 2" descr="Related image">
+            <a:extLst>
+              <a:ext uri="{FF2B5EF4-FFF2-40B4-BE49-F238E27FC236}">
+                <a16:creationId xmlns:a16="http://schemas.microsoft.com/office/drawing/2014/main" id="{0B4DDCA4-D296-4D13-8734-010C1E069AEC}"/>
+              </a:ext>
+            </a:extLst>
+          </p:cNvPr>
+          <p:cNvPicPr>
+            <a:picLocks noChangeAspect="1" noChangeArrowheads="1"/>
+          </p:cNvPicPr>
+          <p:nvPr/>
+        </p:nvPicPr>
+        <p:blipFill>
+          <a:blip r:embed="rId2">
+            <a:extLst>
+              <a:ext uri="{28A0092B-C50C-407E-A947-70E740481C1C}">
+                <a14:useLocalDpi xmlns:a14="http://schemas.microsoft.com/office/drawing/2010/main" val="0"/>
+              </a:ext>
+            </a:extLst>
+          </a:blip>
+          <a:srcRect/>
+          <a:stretch>
+            <a:fillRect/>
+          </a:stretch>
+        </p:blipFill>
+        <p:spPr bwMode="auto">
+          <a:xfrm>
+            <a:off x="3355862" y="3883631"/>
+            <a:ext cx="3458928" cy="2974369"/>
+          </a:xfrm>
+          <a:prstGeom prst="rect">
+            <a:avLst/>
+          </a:prstGeom>
+          <a:noFill/>
+          <a:extLst>
+            <a:ext uri="{909E8E84-426E-40DD-AFC4-6F175D3DCCD1}">
+              <a14:hiddenFill xmlns:a14="http://schemas.microsoft.com/office/drawing/2010/main">
+                <a:solidFill>
+                  <a:srgbClr val="FFFFFF"/>
+                </a:solidFill>
+              </a14:hiddenFill>
+            </a:ext>
+          </a:extLst>
+        </p:spPr>
+      </p:pic>
     </p:spTree>
     <p:extLst>
       <p:ext uri="{BB962C8B-B14F-4D97-AF65-F5344CB8AC3E}">
@@ -6894,8 +6924,8 @@
           </a:p>
         </p:txBody>
       </p:sp>
-      <mc:AlternateContent xmlns:mc="http://schemas.openxmlformats.org/markup-compatibility/2006" xmlns:a14="http://schemas.microsoft.com/office/drawing/2010/main">
-        <mc:Choice Requires="a14">
+      <mc:AlternateContent xmlns:mc="http://schemas.openxmlformats.org/markup-compatibility/2006">
+        <mc:Choice xmlns:a14="http://schemas.microsoft.com/office/drawing/2010/main" Requires="a14">
           <p:sp>
             <p:nvSpPr>
               <p:cNvPr id="3" name="Content Placeholder 2"/>
@@ -6914,39 +6944,9 @@
             </p:spPr>
             <p:txBody>
               <a:bodyPr>
-                <a:normAutofit fontScale="92500" lnSpcReduction="20000"/>
+                <a:normAutofit/>
               </a:bodyPr>
               <a:lstStyle/>
-              <a:p>
-                <a:r>
-                  <a:rPr lang="en-US" dirty="0"/>
-                  <a:t>Basic idea</a:t>
-                </a:r>
-              </a:p>
-              <a:p>
-                <a:pPr lvl="1"/>
-                <a:r>
-                  <a:rPr lang="en-US" dirty="0"/>
-                  <a:t>When people manually sort something (for example, a deck of playing cards), most use a method that is similar to insertion sort </a:t>
-                </a:r>
-              </a:p>
-              <a:p>
-                <a:pPr lvl="1"/>
-                <a:r>
-                  <a:rPr lang="en-US" dirty="0"/>
-                  <a:t>Put one element at a time in its right position in the sorted sub-array</a:t>
-                </a:r>
-              </a:p>
-              <a:p>
-                <a:pPr lvl="1"/>
-                <a:r>
-                  <a:rPr lang="en-US" dirty="0"/>
-                  <a:t>The final sorted array (or list) is built one item at a time</a:t>
-                </a:r>
-              </a:p>
-              <a:p>
-                <a:endParaRPr lang="en-GB" dirty="0"/>
-              </a:p>
               <a:p>
                 <a:r>
                   <a:rPr lang="en-GB" dirty="0"/>
@@ -7089,7 +7089,7 @@
             </p:txBody>
           </p:sp>
         </mc:Choice>
-        <mc:Fallback xmlns="">
+        <mc:Fallback>
           <p:sp>
             <p:nvSpPr>
               <p:cNvPr id="3" name="Content Placeholder 2"/>
@@ -7105,10 +7105,10 @@
                 <a:off x="677333" y="1930401"/>
                 <a:ext cx="8815987" cy="4276436"/>
               </a:xfrm>
-              <a:blipFill rotWithShape="0">
+              <a:blipFill>
                 <a:blip r:embed="rId2"/>
                 <a:stretch>
-                  <a:fillRect l="-69" t="-1712"/>
+                  <a:fillRect l="-138" t="-999"/>
                 </a:stretch>
               </a:blipFill>
             </p:spPr>
@@ -7144,7 +7144,7 @@
           <a:p>
             <a:r>
               <a:rPr lang="it-IT"/>
-              <a:t>INFDEV026A - G. Costantini, F. Di Giacomo, G. Maggiore</a:t>
+              <a:t>INFDEV036A - G. Costantini, F. Di Giacomo</a:t>
             </a:r>
             <a:endParaRPr lang="en-GB"/>
           </a:p>
@@ -7242,7 +7242,7 @@
           <a:p>
             <a:r>
               <a:rPr lang="it-IT"/>
-              <a:t>INFDEV026A - G. Costantini, F. Di Giacomo, G. Maggiore</a:t>
+              <a:t>INFDEV036A - G. Costantini, F. Di Giacomo</a:t>
             </a:r>
             <a:endParaRPr lang="en-GB"/>
           </a:p>
@@ -7438,7 +7438,7 @@
           <a:p>
             <a:r>
               <a:rPr lang="it-IT"/>
-              <a:t>INFDEV026A - G. Costantini, F. Di Giacomo, G. Maggiore</a:t>
+              <a:t>INFDEV036A - G. Costantini, F. Di Giacomo</a:t>
             </a:r>
             <a:endParaRPr lang="en-GB"/>
           </a:p>
@@ -7608,7 +7608,7 @@
           <a:p>
             <a:r>
               <a:rPr lang="it-IT"/>
-              <a:t>INFDEV026A - G. Costantini, F. Di Giacomo, G. Maggiore</a:t>
+              <a:t>INFDEV036A - G. Costantini, F. Di Giacomo</a:t>
             </a:r>
             <a:endParaRPr lang="en-GB"/>
           </a:p>
@@ -7951,7 +7951,7 @@
           <a:p>
             <a:r>
               <a:rPr lang="it-IT"/>
-              <a:t>INFDEV026A - G. Costantini, F. Di Giacomo, G. Maggiore</a:t>
+              <a:t>INFDEV036A - G. Costantini, F. Di Giacomo</a:t>
             </a:r>
             <a:endParaRPr lang="en-GB"/>
           </a:p>
@@ -8258,7 +8258,7 @@
           <a:p>
             <a:r>
               <a:rPr lang="it-IT"/>
-              <a:t>INFDEV026A - G. Costantini, F. Di Giacomo, G. Maggiore</a:t>
+              <a:t>INFDEV036A - G. Costantini, F. Di Giacomo</a:t>
             </a:r>
             <a:endParaRPr lang="en-GB"/>
           </a:p>
@@ -8751,7 +8751,7 @@
           <a:p>
             <a:r>
               <a:rPr lang="it-IT"/>
-              <a:t>INFDEV026A - G. Costantini, F. Di Giacomo, G. Maggiore</a:t>
+              <a:t>INFDEV036A - G. Costantini, F. Di Giacomo</a:t>
             </a:r>
             <a:endParaRPr lang="en-GB"/>
           </a:p>
@@ -9208,7 +9208,7 @@
           <a:p>
             <a:r>
               <a:rPr lang="it-IT"/>
-              <a:t>INFDEV026A - G. Costantini, F. Di Giacomo, G. Maggiore</a:t>
+              <a:t>INFDEV036A - G. Costantini, F. Di Giacomo</a:t>
             </a:r>
             <a:endParaRPr lang="en-GB"/>
           </a:p>
@@ -9555,7 +9555,7 @@
           <a:p>
             <a:r>
               <a:rPr lang="it-IT"/>
-              <a:t>INFDEV026A - G. Costantini, F. Di Giacomo, G. Maggiore</a:t>
+              <a:t>INFDEV036A - G. Costantini, F. Di Giacomo</a:t>
             </a:r>
             <a:endParaRPr lang="en-GB"/>
           </a:p>
@@ -9844,10 +9844,10 @@
           <a:lstStyle/>
           <a:p>
             <a:r>
-              <a:rPr lang="it-IT"/>
-              <a:t>INFDEV026A - G. Costantini, F. Di Giacomo, G. Maggiore</a:t>
-            </a:r>
-            <a:endParaRPr lang="en-GB"/>
+              <a:rPr lang="it-IT" dirty="0"/>
+              <a:t>INFDEV036A - G. Costantini, F. Di Giacomo</a:t>
+            </a:r>
+            <a:endParaRPr lang="en-GB" dirty="0"/>
           </a:p>
         </p:txBody>
       </p:sp>
@@ -10204,7 +10204,7 @@
           <a:p>
             <a:r>
               <a:rPr lang="it-IT"/>
-              <a:t>INFDEV026A - G. Costantini, F. Di Giacomo, G. Maggiore</a:t>
+              <a:t>INFDEV036A - G. Costantini, F. Di Giacomo</a:t>
             </a:r>
             <a:endParaRPr lang="en-GB"/>
           </a:p>
@@ -10433,7 +10433,7 @@
           <a:p>
             <a:r>
               <a:rPr lang="it-IT"/>
-              <a:t>INFDEV026A - G. Costantini, F. Di Giacomo, G. Maggiore</a:t>
+              <a:t>INFDEV036A - G. Costantini, F. Di Giacomo</a:t>
             </a:r>
             <a:endParaRPr lang="en-GB"/>
           </a:p>
@@ -10654,7 +10654,7 @@
           <a:p>
             <a:r>
               <a:rPr lang="it-IT"/>
-              <a:t>INFDEV026A - G. Costantini, F. Di Giacomo, G. Maggiore</a:t>
+              <a:t>INFDEV036A - G. Costantini, F. Di Giacomo</a:t>
             </a:r>
             <a:endParaRPr lang="en-GB" dirty="0"/>
           </a:p>
@@ -11267,7 +11267,7 @@
           <a:p>
             <a:r>
               <a:rPr lang="it-IT"/>
-              <a:t>INFDEV026A - G. Costantini, F. Di Giacomo, G. Maggiore</a:t>
+              <a:t>INFDEV036A - G. Costantini, F. Di Giacomo</a:t>
             </a:r>
             <a:endParaRPr lang="en-GB" dirty="0"/>
           </a:p>
@@ -11926,7 +11926,7 @@
           <a:p>
             <a:r>
               <a:rPr lang="it-IT"/>
-              <a:t>INFDEV026A - G. Costantini, F. Di Giacomo, G. Maggiore</a:t>
+              <a:t>INFDEV036A - G. Costantini, F. Di Giacomo</a:t>
             </a:r>
             <a:endParaRPr lang="en-GB"/>
           </a:p>
@@ -12278,6 +12278,377 @@
       </p:grpSpPr>
       <p:sp>
         <p:nvSpPr>
+          <p:cNvPr id="2" name="Titel 1">
+            <a:extLst>
+              <a:ext uri="{FF2B5EF4-FFF2-40B4-BE49-F238E27FC236}">
+                <a16:creationId xmlns:a16="http://schemas.microsoft.com/office/drawing/2014/main" id="{8EA2BD3E-1F51-4050-B64B-0A24FD9EEF93}"/>
+              </a:ext>
+            </a:extLst>
+          </p:cNvPr>
+          <p:cNvSpPr>
+            <a:spLocks noGrp="1"/>
+          </p:cNvSpPr>
+          <p:nvPr>
+            <p:ph type="title"/>
+          </p:nvPr>
+        </p:nvSpPr>
+        <p:spPr/>
+        <p:txBody>
+          <a:bodyPr/>
+          <a:lstStyle/>
+          <a:p>
+            <a:r>
+              <a:rPr lang="nl-NL" dirty="0" err="1"/>
+              <a:t>Bubble</a:t>
+            </a:r>
+            <a:r>
+              <a:rPr lang="nl-NL" dirty="0"/>
+              <a:t> </a:t>
+            </a:r>
+            <a:r>
+              <a:rPr lang="nl-NL" dirty="0" err="1"/>
+              <a:t>sort</a:t>
+            </a:r>
+            <a:endParaRPr lang="nl-NL" dirty="0"/>
+          </a:p>
+        </p:txBody>
+      </p:sp>
+      <p:sp>
+        <p:nvSpPr>
+          <p:cNvPr id="3" name="Tijdelijke aanduiding voor inhoud 2">
+            <a:extLst>
+              <a:ext uri="{FF2B5EF4-FFF2-40B4-BE49-F238E27FC236}">
+                <a16:creationId xmlns:a16="http://schemas.microsoft.com/office/drawing/2014/main" id="{7450E5CF-DF8F-47CE-9843-ACEE493EEB98}"/>
+              </a:ext>
+            </a:extLst>
+          </p:cNvPr>
+          <p:cNvSpPr>
+            <a:spLocks noGrp="1"/>
+          </p:cNvSpPr>
+          <p:nvPr>
+            <p:ph idx="1"/>
+          </p:nvPr>
+        </p:nvSpPr>
+        <p:spPr>
+          <a:xfrm>
+            <a:off x="677334" y="2160589"/>
+            <a:ext cx="8596668" cy="4014180"/>
+          </a:xfrm>
+        </p:spPr>
+        <p:txBody>
+          <a:bodyPr>
+            <a:normAutofit/>
+          </a:bodyPr>
+          <a:lstStyle/>
+          <a:p>
+            <a:r>
+              <a:rPr lang="nl-NL" dirty="0"/>
+              <a:t>A “</a:t>
+            </a:r>
+            <a:r>
+              <a:rPr lang="nl-NL" dirty="0" err="1"/>
+              <a:t>similar</a:t>
+            </a:r>
+            <a:r>
+              <a:rPr lang="nl-NL" dirty="0"/>
+              <a:t>” </a:t>
+            </a:r>
+            <a:r>
+              <a:rPr lang="nl-NL" dirty="0" err="1"/>
+              <a:t>simple</a:t>
+            </a:r>
+            <a:r>
+              <a:rPr lang="nl-NL" dirty="0"/>
+              <a:t> </a:t>
+            </a:r>
+            <a:r>
+              <a:rPr lang="nl-NL" dirty="0" err="1"/>
+              <a:t>sorting</a:t>
+            </a:r>
+            <a:r>
+              <a:rPr lang="nl-NL" dirty="0"/>
+              <a:t> </a:t>
+            </a:r>
+            <a:r>
+              <a:rPr lang="nl-NL" dirty="0" err="1"/>
+              <a:t>algorithm</a:t>
+            </a:r>
+            <a:r>
+              <a:rPr lang="nl-NL" dirty="0"/>
+              <a:t> is </a:t>
+            </a:r>
+            <a:r>
+              <a:rPr lang="nl-NL" dirty="0" err="1"/>
+              <a:t>called</a:t>
+            </a:r>
+            <a:r>
+              <a:rPr lang="nl-NL" dirty="0"/>
+              <a:t> </a:t>
+            </a:r>
+            <a:r>
+              <a:rPr lang="nl-NL" dirty="0" err="1"/>
+              <a:t>Bubble</a:t>
+            </a:r>
+            <a:r>
+              <a:rPr lang="nl-NL" dirty="0"/>
+              <a:t> </a:t>
+            </a:r>
+            <a:r>
+              <a:rPr lang="nl-NL" dirty="0" err="1"/>
+              <a:t>Sort</a:t>
+            </a:r>
+            <a:endParaRPr lang="nl-NL" dirty="0"/>
+          </a:p>
+          <a:p>
+            <a:r>
+              <a:rPr lang="nl-NL" dirty="0"/>
+              <a:t>It </a:t>
+            </a:r>
+            <a:r>
+              <a:rPr lang="nl-NL" dirty="0" err="1"/>
+              <a:t>works</a:t>
+            </a:r>
+            <a:r>
+              <a:rPr lang="nl-NL" dirty="0"/>
+              <a:t> </a:t>
+            </a:r>
+            <a:r>
+              <a:rPr lang="nl-NL" dirty="0" err="1"/>
+              <a:t>by</a:t>
+            </a:r>
+            <a:r>
+              <a:rPr lang="nl-NL" dirty="0"/>
+              <a:t> </a:t>
+            </a:r>
+            <a:r>
+              <a:rPr lang="nl-NL" dirty="0" err="1"/>
+              <a:t>repeatedly</a:t>
+            </a:r>
+            <a:r>
+              <a:rPr lang="nl-NL" dirty="0"/>
+              <a:t> swapping </a:t>
+            </a:r>
+            <a:r>
+              <a:rPr lang="nl-NL" dirty="0" err="1"/>
+              <a:t>adjacent</a:t>
+            </a:r>
+            <a:r>
+              <a:rPr lang="nl-NL" dirty="0"/>
+              <a:t> </a:t>
+            </a:r>
+            <a:r>
+              <a:rPr lang="nl-NL" dirty="0" err="1"/>
+              <a:t>elements</a:t>
+            </a:r>
+            <a:r>
+              <a:rPr lang="nl-NL" dirty="0"/>
+              <a:t> </a:t>
+            </a:r>
+            <a:r>
+              <a:rPr lang="nl-NL" dirty="0" err="1"/>
+              <a:t>that</a:t>
+            </a:r>
+            <a:r>
+              <a:rPr lang="nl-NL" dirty="0"/>
+              <a:t> are out of order</a:t>
+            </a:r>
+          </a:p>
+          <a:p>
+            <a:endParaRPr lang="nl-NL" dirty="0"/>
+          </a:p>
+          <a:p>
+            <a:r>
+              <a:rPr lang="nl-NL" dirty="0"/>
+              <a:t>Pseudocode:</a:t>
+            </a:r>
+          </a:p>
+          <a:p>
+            <a:pPr marL="0" indent="0">
+              <a:buNone/>
+            </a:pPr>
+            <a:r>
+              <a:rPr lang="en-US" dirty="0">
+                <a:latin typeface="Consolas" panose="020B0609020204030204" pitchFamily="49" charset="0"/>
+                <a:cs typeface="Consolas" panose="020B0609020204030204" pitchFamily="49" charset="0"/>
+              </a:rPr>
+              <a:t>FOR </a:t>
+            </a:r>
+            <a:r>
+              <a:rPr lang="en-US" dirty="0" err="1">
+                <a:latin typeface="Consolas" panose="020B0609020204030204" pitchFamily="49" charset="0"/>
+                <a:cs typeface="Consolas" panose="020B0609020204030204" pitchFamily="49" charset="0"/>
+              </a:rPr>
+              <a:t>i</a:t>
+            </a:r>
+            <a:r>
+              <a:rPr lang="en-US" dirty="0">
+                <a:latin typeface="Consolas" panose="020B0609020204030204" pitchFamily="49" charset="0"/>
+                <a:cs typeface="Consolas" panose="020B0609020204030204" pitchFamily="49" charset="0"/>
+              </a:rPr>
+              <a:t> = 1 to length(A)</a:t>
+            </a:r>
+          </a:p>
+          <a:p>
+            <a:pPr marL="0" indent="0">
+              <a:buNone/>
+            </a:pPr>
+            <a:r>
+              <a:rPr lang="en-US" dirty="0">
+                <a:latin typeface="Consolas" panose="020B0609020204030204" pitchFamily="49" charset="0"/>
+                <a:cs typeface="Consolas" panose="020B0609020204030204" pitchFamily="49" charset="0"/>
+              </a:rPr>
+              <a:t>	FOR j = length(A) </a:t>
+            </a:r>
+            <a:r>
+              <a:rPr lang="en-US" dirty="0" err="1">
+                <a:latin typeface="Consolas" panose="020B0609020204030204" pitchFamily="49" charset="0"/>
+                <a:cs typeface="Consolas" panose="020B0609020204030204" pitchFamily="49" charset="0"/>
+              </a:rPr>
+              <a:t>downto</a:t>
+            </a:r>
+            <a:r>
+              <a:rPr lang="en-US" dirty="0">
+                <a:latin typeface="Consolas" panose="020B0609020204030204" pitchFamily="49" charset="0"/>
+                <a:cs typeface="Consolas" panose="020B0609020204030204" pitchFamily="49" charset="0"/>
+              </a:rPr>
+              <a:t> i+1</a:t>
+            </a:r>
+          </a:p>
+          <a:p>
+            <a:pPr marL="0" indent="0">
+              <a:buNone/>
+            </a:pPr>
+            <a:r>
+              <a:rPr lang="en-US" dirty="0">
+                <a:latin typeface="Consolas" panose="020B0609020204030204" pitchFamily="49" charset="0"/>
+                <a:cs typeface="Consolas" panose="020B0609020204030204" pitchFamily="49" charset="0"/>
+              </a:rPr>
+              <a:t>    	if A[j] &lt; A[j-1]</a:t>
+            </a:r>
+          </a:p>
+          <a:p>
+            <a:pPr marL="0" indent="0">
+              <a:buNone/>
+            </a:pPr>
+            <a:r>
+              <a:rPr lang="en-US" dirty="0">
+                <a:latin typeface="Consolas" panose="020B0609020204030204" pitchFamily="49" charset="0"/>
+                <a:cs typeface="Consolas" panose="020B0609020204030204" pitchFamily="49" charset="0"/>
+              </a:rPr>
+              <a:t>		    exchange A[j] with A[j-1]</a:t>
+            </a:r>
+          </a:p>
+          <a:p>
+            <a:pPr marL="0" indent="0">
+              <a:buNone/>
+            </a:pPr>
+            <a:endParaRPr lang="nl-NL" dirty="0"/>
+          </a:p>
+          <a:p>
+            <a:r>
+              <a:rPr lang="nl-NL" dirty="0" err="1"/>
+              <a:t>What</a:t>
+            </a:r>
+            <a:r>
+              <a:rPr lang="nl-NL" dirty="0"/>
+              <a:t> is </a:t>
+            </a:r>
+            <a:r>
+              <a:rPr lang="nl-NL" dirty="0" err="1"/>
+              <a:t>the</a:t>
+            </a:r>
+            <a:r>
+              <a:rPr lang="nl-NL" dirty="0"/>
+              <a:t> </a:t>
+            </a:r>
+            <a:r>
+              <a:rPr lang="nl-NL" dirty="0" err="1"/>
+              <a:t>complexity</a:t>
+            </a:r>
+            <a:r>
+              <a:rPr lang="nl-NL" dirty="0"/>
+              <a:t> of </a:t>
+            </a:r>
+            <a:r>
+              <a:rPr lang="nl-NL" dirty="0" err="1"/>
+              <a:t>this</a:t>
+            </a:r>
+            <a:r>
+              <a:rPr lang="nl-NL" dirty="0"/>
+              <a:t> </a:t>
+            </a:r>
+            <a:r>
+              <a:rPr lang="nl-NL" dirty="0" err="1"/>
+              <a:t>algorithm</a:t>
+            </a:r>
+            <a:r>
+              <a:rPr lang="nl-NL" dirty="0"/>
+              <a:t>? </a:t>
+            </a:r>
+          </a:p>
+        </p:txBody>
+      </p:sp>
+      <p:sp>
+        <p:nvSpPr>
+          <p:cNvPr id="4" name="Tijdelijke aanduiding voor voettekst 3">
+            <a:extLst>
+              <a:ext uri="{FF2B5EF4-FFF2-40B4-BE49-F238E27FC236}">
+                <a16:creationId xmlns:a16="http://schemas.microsoft.com/office/drawing/2014/main" id="{63E57323-C1E0-4950-83D1-321353D5987A}"/>
+              </a:ext>
+            </a:extLst>
+          </p:cNvPr>
+          <p:cNvSpPr>
+            <a:spLocks noGrp="1"/>
+          </p:cNvSpPr>
+          <p:nvPr>
+            <p:ph type="ftr" sz="quarter" idx="11"/>
+          </p:nvPr>
+        </p:nvSpPr>
+        <p:spPr/>
+        <p:txBody>
+          <a:bodyPr/>
+          <a:lstStyle/>
+          <a:p>
+            <a:r>
+              <a:rPr lang="it-IT"/>
+              <a:t>INFDEV036A - G. Costantini, F. Di Giacomo</a:t>
+            </a:r>
+            <a:endParaRPr lang="en-GB"/>
+          </a:p>
+        </p:txBody>
+      </p:sp>
+    </p:spTree>
+    <p:extLst>
+      <p:ext uri="{BB962C8B-B14F-4D97-AF65-F5344CB8AC3E}">
+        <p14:creationId xmlns:p14="http://schemas.microsoft.com/office/powerpoint/2010/main" val="3061102205"/>
+      </p:ext>
+    </p:extLst>
+  </p:cSld>
+  <p:clrMapOvr>
+    <a:masterClrMapping/>
+  </p:clrMapOvr>
+</p:sld>
+</file>
+
+<file path=ppt/slides/slide26.xml><?xml version="1.0" encoding="utf-8"?>
+<p:sld xmlns:a="http://schemas.openxmlformats.org/drawingml/2006/main" xmlns:r="http://schemas.openxmlformats.org/officeDocument/2006/relationships" xmlns:p="http://schemas.openxmlformats.org/presentationml/2006/main">
+  <p:cSld>
+    <p:spTree>
+      <p:nvGrpSpPr>
+        <p:cNvPr id="1" name=""/>
+        <p:cNvGrpSpPr/>
+        <p:nvPr/>
+      </p:nvGrpSpPr>
+      <p:grpSpPr>
+        <a:xfrm>
+          <a:off x="0" y="0"/>
+          <a:ext cx="0" cy="0"/>
+          <a:chOff x="0" y="0"/>
+          <a:chExt cx="0" cy="0"/>
+        </a:xfrm>
+      </p:grpSpPr>
+      <p:sp>
+        <p:nvSpPr>
           <p:cNvPr id="2" name="Title 1"/>
           <p:cNvSpPr>
             <a:spLocks noGrp="1"/>
@@ -12371,7 +12742,7 @@
 </p:sld>
 </file>
 
-<file path=ppt/slides/slide26.xml><?xml version="1.0" encoding="utf-8"?>
+<file path=ppt/slides/slide27.xml><?xml version="1.0" encoding="utf-8"?>
 <p:sld xmlns:a="http://schemas.openxmlformats.org/drawingml/2006/main" xmlns:r="http://schemas.openxmlformats.org/officeDocument/2006/relationships" xmlns:p="http://schemas.openxmlformats.org/presentationml/2006/main">
   <p:cSld>
     <p:spTree>
@@ -12496,7 +12867,7 @@
           <a:p>
             <a:r>
               <a:rPr lang="it-IT"/>
-              <a:t>INFDEV026A - G. Costantini, F. Di Giacomo, G. Maggiore</a:t>
+              <a:t>INFDEV036A - G. Costantini, F. Di Giacomo</a:t>
             </a:r>
             <a:endParaRPr lang="en-GB" dirty="0"/>
           </a:p>
@@ -12515,7 +12886,7 @@
 </p:sld>
 </file>
 
-<file path=ppt/slides/slide27.xml><?xml version="1.0" encoding="utf-8"?>
+<file path=ppt/slides/slide28.xml><?xml version="1.0" encoding="utf-8"?>
 <p:sld xmlns:a="http://schemas.openxmlformats.org/drawingml/2006/main" xmlns:r="http://schemas.openxmlformats.org/officeDocument/2006/relationships" xmlns:p="http://schemas.openxmlformats.org/presentationml/2006/main">
   <p:cSld>
     <p:spTree>
@@ -12784,7 +13155,7 @@
           <a:p>
             <a:r>
               <a:rPr lang="it-IT"/>
-              <a:t>INFDEV026A - G. Costantini, F. Di Giacomo, G. Maggiore</a:t>
+              <a:t>INFDEV036A - G. Costantini, F. Di Giacomo</a:t>
             </a:r>
             <a:endParaRPr lang="en-GB" dirty="0"/>
           </a:p>
@@ -12803,7 +13174,7 @@
 </p:sld>
 </file>
 
-<file path=ppt/slides/slide28.xml><?xml version="1.0" encoding="utf-8"?>
+<file path=ppt/slides/slide29.xml><?xml version="1.0" encoding="utf-8"?>
 <p:sld xmlns:a="http://schemas.openxmlformats.org/drawingml/2006/main" xmlns:r="http://schemas.openxmlformats.org/officeDocument/2006/relationships" xmlns:p="http://schemas.openxmlformats.org/presentationml/2006/main">
   <p:cSld>
     <p:spTree>
@@ -13033,7 +13404,7 @@
           <a:p>
             <a:r>
               <a:rPr lang="it-IT"/>
-              <a:t>INFDEV026A - G. Costantini, F. Di Giacomo, G. Maggiore</a:t>
+              <a:t>INFDEV036A - G. Costantini, F. Di Giacomo</a:t>
             </a:r>
             <a:endParaRPr lang="en-GB"/>
           </a:p>
@@ -13174,379 +13545,6 @@
     <p:extLst>
       <p:ext uri="{BB962C8B-B14F-4D97-AF65-F5344CB8AC3E}">
         <p14:creationId xmlns:p14="http://schemas.microsoft.com/office/powerpoint/2010/main" val="2641944884"/>
-      </p:ext>
-    </p:extLst>
-  </p:cSld>
-  <p:clrMapOvr>
-    <a:masterClrMapping/>
-  </p:clrMapOvr>
-</p:sld>
-</file>
-
-<file path=ppt/slides/slide29.xml><?xml version="1.0" encoding="utf-8"?>
-<p:sld xmlns:a="http://schemas.openxmlformats.org/drawingml/2006/main" xmlns:r="http://schemas.openxmlformats.org/officeDocument/2006/relationships" xmlns:p="http://schemas.openxmlformats.org/presentationml/2006/main">
-  <p:cSld>
-    <p:spTree>
-      <p:nvGrpSpPr>
-        <p:cNvPr id="1" name=""/>
-        <p:cNvGrpSpPr/>
-        <p:nvPr/>
-      </p:nvGrpSpPr>
-      <p:grpSpPr>
-        <a:xfrm>
-          <a:off x="0" y="0"/>
-          <a:ext cx="0" cy="0"/>
-          <a:chOff x="0" y="0"/>
-          <a:chExt cx="0" cy="0"/>
-        </a:xfrm>
-      </p:grpSpPr>
-      <p:sp>
-        <p:nvSpPr>
-          <p:cNvPr id="2" name="Title 1"/>
-          <p:cNvSpPr>
-            <a:spLocks noGrp="1"/>
-          </p:cNvSpPr>
-          <p:nvPr>
-            <p:ph type="title"/>
-          </p:nvPr>
-        </p:nvSpPr>
-        <p:spPr/>
-        <p:txBody>
-          <a:bodyPr/>
-          <a:lstStyle/>
-          <a:p>
-            <a:r>
-              <a:rPr lang="en-GB" dirty="0"/>
-              <a:t>Merge sort </a:t>
-            </a:r>
-          </a:p>
-        </p:txBody>
-      </p:sp>
-      <mc:AlternateContent xmlns:mc="http://schemas.openxmlformats.org/markup-compatibility/2006" xmlns:a14="http://schemas.microsoft.com/office/drawing/2010/main">
-        <mc:Choice Requires="a14">
-          <p:sp>
-            <p:nvSpPr>
-              <p:cNvPr id="3" name="Content Placeholder 2"/>
-              <p:cNvSpPr>
-                <a:spLocks noGrp="1"/>
-              </p:cNvSpPr>
-              <p:nvPr>
-                <p:ph idx="1"/>
-              </p:nvPr>
-            </p:nvSpPr>
-            <p:spPr/>
-            <p:txBody>
-              <a:bodyPr/>
-              <a:lstStyle/>
-              <a:p>
-                <a:r>
-                  <a:rPr lang="en-US" dirty="0"/>
-                  <a:t>Merge sort idea</a:t>
-                </a:r>
-                <a:endParaRPr lang="en-GB" dirty="0"/>
-              </a:p>
-              <a:p>
-                <a:pPr marL="800100" lvl="1" indent="-342900">
-                  <a:buFont typeface="+mj-lt"/>
-                  <a:buAutoNum type="arabicPeriod"/>
-                </a:pPr>
-                <a:r>
-                  <a:rPr lang="en-US" dirty="0"/>
-                  <a:t>[DIVIDE] </a:t>
-                </a:r>
-                <a:r>
-                  <a:rPr lang="en-GB" dirty="0"/>
-                  <a:t>Split the sequence to sort into two sub-sequences (</a:t>
-                </a:r>
-                <a14:m>
-                  <m:oMath xmlns:m="http://schemas.openxmlformats.org/officeDocument/2006/math">
-                    <m:f>
-                      <m:fPr>
-                        <m:ctrlPr>
-                          <a:rPr lang="en-GB" i="1">
-                            <a:latin typeface="Cambria Math" panose="02040503050406030204" pitchFamily="18" charset="0"/>
-                          </a:rPr>
-                        </m:ctrlPr>
-                      </m:fPr>
-                      <m:num>
-                        <m:r>
-                          <a:rPr lang="en-GB" i="1">
-                            <a:latin typeface="Cambria Math" panose="02040503050406030204" pitchFamily="18" charset="0"/>
-                          </a:rPr>
-                          <m:t>𝑛</m:t>
-                        </m:r>
-                      </m:num>
-                      <m:den>
-                        <m:r>
-                          <a:rPr lang="en-GB" i="1">
-                            <a:latin typeface="Cambria Math" panose="02040503050406030204" pitchFamily="18" charset="0"/>
-                          </a:rPr>
-                          <m:t>2</m:t>
-                        </m:r>
-                      </m:den>
-                    </m:f>
-                  </m:oMath>
-                </a14:m>
-                <a:r>
-                  <a:rPr lang="en-GB" dirty="0"/>
-                  <a:t> elements each)</a:t>
-                </a:r>
-              </a:p>
-              <a:p>
-                <a:pPr marL="800100" lvl="1" indent="-342900">
-                  <a:buFont typeface="+mj-lt"/>
-                  <a:buAutoNum type="arabicPeriod"/>
-                </a:pPr>
-                <a:r>
-                  <a:rPr lang="en-US" dirty="0">
-                    <a:solidFill>
-                      <a:srgbClr val="FF0000"/>
-                    </a:solidFill>
-                  </a:rPr>
-                  <a:t>[CONQUER] </a:t>
-                </a:r>
-                <a:r>
-                  <a:rPr lang="en-GB" dirty="0">
-                    <a:solidFill>
-                      <a:srgbClr val="FF0000"/>
-                    </a:solidFill>
-                  </a:rPr>
-                  <a:t>Sort the two sub-sequences recursively (using merge sort)</a:t>
-                </a:r>
-              </a:p>
-              <a:p>
-                <a:pPr marL="800100" lvl="1" indent="-342900">
-                  <a:buFont typeface="+mj-lt"/>
-                  <a:buAutoNum type="arabicPeriod"/>
-                </a:pPr>
-                <a:r>
-                  <a:rPr lang="en-US" dirty="0"/>
-                  <a:t>[COMBINE] </a:t>
-                </a:r>
-                <a:r>
-                  <a:rPr lang="en-GB" dirty="0"/>
-                  <a:t>Merge the two sorted sub-sequences to produce the complete sorted sequence</a:t>
-                </a:r>
-              </a:p>
-              <a:p>
-                <a:pPr marL="400050"/>
-                <a:endParaRPr lang="en-GB" dirty="0"/>
-              </a:p>
-              <a:p>
-                <a:pPr marL="400050"/>
-                <a:r>
-                  <a:rPr lang="en-GB" dirty="0" err="1"/>
-                  <a:t>Pseudocode</a:t>
-                </a:r>
-                <a:r>
-                  <a:rPr lang="en-GB" dirty="0"/>
-                  <a:t> </a:t>
-                </a:r>
-              </a:p>
-              <a:p>
-                <a:endParaRPr lang="en-GB" dirty="0"/>
-              </a:p>
-            </p:txBody>
-          </p:sp>
-        </mc:Choice>
-        <mc:Fallback xmlns="">
-          <p:sp>
-            <p:nvSpPr>
-              <p:cNvPr id="3" name="Content Placeholder 2"/>
-              <p:cNvSpPr>
-                <a:spLocks noGrp="1" noRot="1" noChangeAspect="1" noMove="1" noResize="1" noEditPoints="1" noAdjustHandles="1" noChangeArrowheads="1" noChangeShapeType="1" noTextEdit="1"/>
-              </p:cNvSpPr>
-              <p:nvPr>
-                <p:ph idx="1"/>
-              </p:nvPr>
-            </p:nvSpPr>
-            <p:spPr>
-              <a:blipFill rotWithShape="0">
-                <a:blip r:embed="rId2"/>
-                <a:stretch>
-                  <a:fillRect l="-142" t="-942"/>
-                </a:stretch>
-              </a:blipFill>
-            </p:spPr>
-            <p:txBody>
-              <a:bodyPr/>
-              <a:lstStyle/>
-              <a:p>
-                <a:r>
-                  <a:rPr lang="en-GB">
-                    <a:noFill/>
-                  </a:rPr>
-                  <a:t> </a:t>
-                </a:r>
-              </a:p>
-            </p:txBody>
-          </p:sp>
-        </mc:Fallback>
-      </mc:AlternateContent>
-      <p:sp>
-        <p:nvSpPr>
-          <p:cNvPr id="4" name="Footer Placeholder 3"/>
-          <p:cNvSpPr>
-            <a:spLocks noGrp="1"/>
-          </p:cNvSpPr>
-          <p:nvPr>
-            <p:ph type="ftr" sz="quarter" idx="11"/>
-          </p:nvPr>
-        </p:nvSpPr>
-        <p:spPr/>
-        <p:txBody>
-          <a:bodyPr/>
-          <a:lstStyle/>
-          <a:p>
-            <a:r>
-              <a:rPr lang="it-IT"/>
-              <a:t>INFDEV026A - G. Costantini, F. Di Giacomo, G. Maggiore</a:t>
-            </a:r>
-            <a:endParaRPr lang="en-GB"/>
-          </a:p>
-        </p:txBody>
-      </p:sp>
-      <p:sp>
-        <p:nvSpPr>
-          <p:cNvPr id="5" name="Rectangle 4"/>
-          <p:cNvSpPr/>
-          <p:nvPr/>
-        </p:nvSpPr>
-        <p:spPr>
-          <a:xfrm>
-            <a:off x="3465142" y="4654264"/>
-            <a:ext cx="3352801" cy="1569660"/>
-          </a:xfrm>
-          <a:prstGeom prst="rect">
-            <a:avLst/>
-          </a:prstGeom>
-        </p:spPr>
-        <p:txBody>
-          <a:bodyPr wrap="square">
-            <a:spAutoFit/>
-          </a:bodyPr>
-          <a:lstStyle/>
-          <a:p>
-            <a:r>
-              <a:rPr lang="en-GB" sz="1600" dirty="0">
-                <a:latin typeface="Consolas" panose="020B0609020204030204" pitchFamily="49" charset="0"/>
-                <a:cs typeface="Consolas" panose="020B0609020204030204" pitchFamily="49" charset="0"/>
-              </a:rPr>
-              <a:t>MERGE-SORT(</a:t>
-            </a:r>
-            <a:r>
-              <a:rPr lang="en-GB" sz="1600" dirty="0" err="1">
-                <a:latin typeface="Consolas" panose="020B0609020204030204" pitchFamily="49" charset="0"/>
-                <a:cs typeface="Consolas" panose="020B0609020204030204" pitchFamily="49" charset="0"/>
-              </a:rPr>
-              <a:t>A,p,r</a:t>
-            </a:r>
-            <a:r>
-              <a:rPr lang="en-GB" sz="1600" dirty="0">
-                <a:latin typeface="Consolas" panose="020B0609020204030204" pitchFamily="49" charset="0"/>
-                <a:cs typeface="Consolas" panose="020B0609020204030204" pitchFamily="49" charset="0"/>
-              </a:rPr>
-              <a:t>) </a:t>
-            </a:r>
-          </a:p>
-          <a:p>
-            <a:r>
-              <a:rPr lang="en-GB" sz="1600" dirty="0">
-                <a:latin typeface="Consolas" panose="020B0609020204030204" pitchFamily="49" charset="0"/>
-                <a:cs typeface="Consolas" panose="020B0609020204030204" pitchFamily="49" charset="0"/>
-              </a:rPr>
-              <a:t>   if p &lt; r </a:t>
-            </a:r>
-          </a:p>
-          <a:p>
-            <a:r>
-              <a:rPr lang="en-GB" sz="1600" dirty="0">
-                <a:latin typeface="Consolas" panose="020B0609020204030204" pitchFamily="49" charset="0"/>
-                <a:cs typeface="Consolas" panose="020B0609020204030204" pitchFamily="49" charset="0"/>
-              </a:rPr>
-              <a:t>      q = (p + r) / 2 </a:t>
-            </a:r>
-          </a:p>
-          <a:p>
-            <a:r>
-              <a:rPr lang="en-GB" sz="1600" dirty="0">
-                <a:latin typeface="Consolas" panose="020B0609020204030204" pitchFamily="49" charset="0"/>
-                <a:cs typeface="Consolas" panose="020B0609020204030204" pitchFamily="49" charset="0"/>
-              </a:rPr>
-              <a:t>      </a:t>
-            </a:r>
-            <a:r>
-              <a:rPr lang="en-GB" sz="1600" dirty="0">
-                <a:solidFill>
-                  <a:srgbClr val="FF0000"/>
-                </a:solidFill>
-                <a:latin typeface="Consolas" panose="020B0609020204030204" pitchFamily="49" charset="0"/>
-                <a:cs typeface="Consolas" panose="020B0609020204030204" pitchFamily="49" charset="0"/>
-              </a:rPr>
-              <a:t>MERGE-SORT(</a:t>
-            </a:r>
-            <a:r>
-              <a:rPr lang="en-GB" sz="1600" dirty="0" err="1">
-                <a:solidFill>
-                  <a:srgbClr val="FF0000"/>
-                </a:solidFill>
-                <a:latin typeface="Consolas" panose="020B0609020204030204" pitchFamily="49" charset="0"/>
-                <a:cs typeface="Consolas" panose="020B0609020204030204" pitchFamily="49" charset="0"/>
-              </a:rPr>
-              <a:t>A,p,q</a:t>
-            </a:r>
-            <a:r>
-              <a:rPr lang="en-GB" sz="1600" dirty="0">
-                <a:solidFill>
-                  <a:srgbClr val="FF0000"/>
-                </a:solidFill>
-                <a:latin typeface="Consolas" panose="020B0609020204030204" pitchFamily="49" charset="0"/>
-                <a:cs typeface="Consolas" panose="020B0609020204030204" pitchFamily="49" charset="0"/>
-              </a:rPr>
-              <a:t>) </a:t>
-            </a:r>
-          </a:p>
-          <a:p>
-            <a:r>
-              <a:rPr lang="en-GB" sz="1600" dirty="0">
-                <a:solidFill>
-                  <a:srgbClr val="FF0000"/>
-                </a:solidFill>
-                <a:latin typeface="Consolas" panose="020B0609020204030204" pitchFamily="49" charset="0"/>
-                <a:cs typeface="Consolas" panose="020B0609020204030204" pitchFamily="49" charset="0"/>
-              </a:rPr>
-              <a:t>      MERGE-SORT(A,q+1,r) </a:t>
-            </a:r>
-          </a:p>
-          <a:p>
-            <a:r>
-              <a:rPr lang="en-GB" sz="1600" dirty="0">
-                <a:latin typeface="Consolas" panose="020B0609020204030204" pitchFamily="49" charset="0"/>
-                <a:cs typeface="Consolas" panose="020B0609020204030204" pitchFamily="49" charset="0"/>
-              </a:rPr>
-              <a:t>      MERGE(</a:t>
-            </a:r>
-            <a:r>
-              <a:rPr lang="en-GB" sz="1600" dirty="0" err="1">
-                <a:latin typeface="Consolas" panose="020B0609020204030204" pitchFamily="49" charset="0"/>
-                <a:cs typeface="Consolas" panose="020B0609020204030204" pitchFamily="49" charset="0"/>
-              </a:rPr>
-              <a:t>A,p,q,r</a:t>
-            </a:r>
-            <a:r>
-              <a:rPr lang="en-GB" sz="1600" dirty="0">
-                <a:latin typeface="Consolas" panose="020B0609020204030204" pitchFamily="49" charset="0"/>
-                <a:cs typeface="Consolas" panose="020B0609020204030204" pitchFamily="49" charset="0"/>
-              </a:rPr>
-              <a:t>)</a:t>
-            </a:r>
-          </a:p>
-        </p:txBody>
-      </p:sp>
-    </p:spTree>
-    <p:extLst>
-      <p:ext uri="{BB962C8B-B14F-4D97-AF65-F5344CB8AC3E}">
-        <p14:creationId xmlns:p14="http://schemas.microsoft.com/office/powerpoint/2010/main" val="3243832443"/>
       </p:ext>
     </p:extLst>
   </p:cSld>
@@ -13757,26 +13755,12 @@
                   <a:buAutoNum type="arabicPeriod"/>
                 </a:pPr>
                 <a:r>
-                  <a:rPr lang="en-US" dirty="0"/>
-                  <a:t>[CONQUER] </a:t>
-                </a:r>
-                <a:r>
-                  <a:rPr lang="en-GB" dirty="0"/>
-                  <a:t>Sort the two sub-sequences recursively (using merge sort)</a:t>
-                </a:r>
-              </a:p>
-              <a:p>
-                <a:pPr marL="800100" lvl="1" indent="-342900">
-                  <a:buFont typeface="+mj-lt"/>
-                  <a:buAutoNum type="arabicPeriod"/>
-                </a:pPr>
-                <a:r>
                   <a:rPr lang="en-US" dirty="0">
                     <a:solidFill>
                       <a:srgbClr val="FF0000"/>
                     </a:solidFill>
                   </a:rPr>
-                  <a:t>[COMBINE] </a:t>
+                  <a:t>[CONQUER] </a:t>
                 </a:r>
                 <a:r>
                   <a:rPr lang="en-GB" dirty="0">
@@ -13784,6 +13768,20 @@
                       <a:srgbClr val="FF0000"/>
                     </a:solidFill>
                   </a:rPr>
+                  <a:t>Sort the two sub-sequences recursively (using merge sort)</a:t>
+                </a:r>
+              </a:p>
+              <a:p>
+                <a:pPr marL="800100" lvl="1" indent="-342900">
+                  <a:buFont typeface="+mj-lt"/>
+                  <a:buAutoNum type="arabicPeriod"/>
+                </a:pPr>
+                <a:r>
+                  <a:rPr lang="en-US" dirty="0"/>
+                  <a:t>[COMBINE] </a:t>
+                </a:r>
+                <a:r>
+                  <a:rPr lang="en-GB" dirty="0"/>
                   <a:t>Merge the two sorted sub-sequences to produce the complete sorted sequence</a:t>
                 </a:r>
               </a:p>
@@ -13859,7 +13857,7 @@
           <a:p>
             <a:r>
               <a:rPr lang="it-IT"/>
-              <a:t>INFDEV026A - G. Costantini, F. Di Giacomo, G. Maggiore</a:t>
+              <a:t>INFDEV036A - G. Costantini, F. Di Giacomo</a:t>
             </a:r>
             <a:endParaRPr lang="en-GB"/>
           </a:p>
@@ -13932,38 +13930,6 @@
                 <a:latin typeface="Consolas" panose="020B0609020204030204" pitchFamily="49" charset="0"/>
                 <a:cs typeface="Consolas" panose="020B0609020204030204" pitchFamily="49" charset="0"/>
               </a:rPr>
-              <a:t>      MERGE-SORT(</a:t>
-            </a:r>
-            <a:r>
-              <a:rPr lang="en-GB" sz="1600" dirty="0" err="1">
-                <a:latin typeface="Consolas" panose="020B0609020204030204" pitchFamily="49" charset="0"/>
-                <a:cs typeface="Consolas" panose="020B0609020204030204" pitchFamily="49" charset="0"/>
-              </a:rPr>
-              <a:t>A,p,q</a:t>
-            </a:r>
-            <a:r>
-              <a:rPr lang="en-GB" sz="1600" dirty="0">
-                <a:latin typeface="Consolas" panose="020B0609020204030204" pitchFamily="49" charset="0"/>
-                <a:cs typeface="Consolas" panose="020B0609020204030204" pitchFamily="49" charset="0"/>
-              </a:rPr>
-              <a:t>) </a:t>
-            </a:r>
-          </a:p>
-          <a:p>
-            <a:r>
-              <a:rPr lang="en-GB" sz="1600" dirty="0">
-                <a:latin typeface="Consolas" panose="020B0609020204030204" pitchFamily="49" charset="0"/>
-                <a:cs typeface="Consolas" panose="020B0609020204030204" pitchFamily="49" charset="0"/>
-              </a:rPr>
-              <a:t>      MERGE-SORT(A,q+1,r) </a:t>
-            </a:r>
-          </a:p>
-          <a:p>
-            <a:r>
-              <a:rPr lang="en-GB" sz="1600" dirty="0">
-                <a:latin typeface="Consolas" panose="020B0609020204030204" pitchFamily="49" charset="0"/>
-                <a:cs typeface="Consolas" panose="020B0609020204030204" pitchFamily="49" charset="0"/>
-              </a:rPr>
               <a:t>      </a:t>
             </a:r>
             <a:r>
@@ -13974,7 +13940,7 @@
                 <a:latin typeface="Consolas" panose="020B0609020204030204" pitchFamily="49" charset="0"/>
                 <a:cs typeface="Consolas" panose="020B0609020204030204" pitchFamily="49" charset="0"/>
               </a:rPr>
-              <a:t>MERGE(</a:t>
+              <a:t>MERGE-SORT(</a:t>
             </a:r>
             <a:r>
               <a:rPr lang="en-GB" sz="1600" dirty="0" err="1">
@@ -13984,7 +13950,7 @@
                 <a:latin typeface="Consolas" panose="020B0609020204030204" pitchFamily="49" charset="0"/>
                 <a:cs typeface="Consolas" panose="020B0609020204030204" pitchFamily="49" charset="0"/>
               </a:rPr>
-              <a:t>A,p,q,r</a:t>
+              <a:t>A,p,q</a:t>
             </a:r>
             <a:r>
               <a:rPr lang="en-GB" sz="1600" dirty="0">
@@ -13994,6 +13960,41 @@
                 <a:latin typeface="Consolas" panose="020B0609020204030204" pitchFamily="49" charset="0"/>
                 <a:cs typeface="Consolas" panose="020B0609020204030204" pitchFamily="49" charset="0"/>
               </a:rPr>
+              <a:t>) </a:t>
+            </a:r>
+          </a:p>
+          <a:p>
+            <a:r>
+              <a:rPr lang="en-GB" sz="1600" dirty="0">
+                <a:solidFill>
+                  <a:srgbClr val="FF0000"/>
+                </a:solidFill>
+                <a:latin typeface="Consolas" panose="020B0609020204030204" pitchFamily="49" charset="0"/>
+                <a:cs typeface="Consolas" panose="020B0609020204030204" pitchFamily="49" charset="0"/>
+              </a:rPr>
+              <a:t>      MERGE-SORT(A,q+1,r) </a:t>
+            </a:r>
+          </a:p>
+          <a:p>
+            <a:r>
+              <a:rPr lang="en-GB" sz="1600" dirty="0">
+                <a:latin typeface="Consolas" panose="020B0609020204030204" pitchFamily="49" charset="0"/>
+                <a:cs typeface="Consolas" panose="020B0609020204030204" pitchFamily="49" charset="0"/>
+              </a:rPr>
+              <a:t>      MERGE(</a:t>
+            </a:r>
+            <a:r>
+              <a:rPr lang="en-GB" sz="1600" dirty="0" err="1">
+                <a:latin typeface="Consolas" panose="020B0609020204030204" pitchFamily="49" charset="0"/>
+                <a:cs typeface="Consolas" panose="020B0609020204030204" pitchFamily="49" charset="0"/>
+              </a:rPr>
+              <a:t>A,p,q,r</a:t>
+            </a:r>
+            <a:r>
+              <a:rPr lang="en-GB" sz="1600" dirty="0">
+                <a:latin typeface="Consolas" panose="020B0609020204030204" pitchFamily="49" charset="0"/>
+                <a:cs typeface="Consolas" panose="020B0609020204030204" pitchFamily="49" charset="0"/>
+              </a:rPr>
               <a:t>)</a:t>
             </a:r>
           </a:p>
@@ -14002,7 +14003,7 @@
     </p:spTree>
     <p:extLst>
       <p:ext uri="{BB962C8B-B14F-4D97-AF65-F5344CB8AC3E}">
-        <p14:creationId xmlns:p14="http://schemas.microsoft.com/office/powerpoint/2010/main" val="2437015627"/>
+        <p14:creationId xmlns:p14="http://schemas.microsoft.com/office/powerpoint/2010/main" val="3243832443"/>
       </p:ext>
     </p:extLst>
   </p:cSld>
@@ -14051,51 +14052,167 @@
           </a:p>
         </p:txBody>
       </p:sp>
-      <p:sp>
-        <p:nvSpPr>
-          <p:cNvPr id="3" name="Content Placeholder 2"/>
-          <p:cNvSpPr>
-            <a:spLocks noGrp="1"/>
-          </p:cNvSpPr>
-          <p:nvPr>
-            <p:ph idx="1"/>
-          </p:nvPr>
-        </p:nvSpPr>
-        <p:spPr/>
-        <p:txBody>
-          <a:bodyPr/>
-          <a:lstStyle/>
-          <a:p>
-            <a:r>
-              <a:rPr lang="en-GB" dirty="0"/>
-              <a:t>How to combine two sorted sub-sequences into one?</a:t>
-            </a:r>
-          </a:p>
-          <a:p>
-            <a:r>
-              <a:rPr lang="en-GB" dirty="0"/>
-              <a:t>Example</a:t>
-            </a:r>
-          </a:p>
-          <a:p>
-            <a:pPr lvl="1"/>
-            <a:r>
-              <a:rPr lang="en-GB" dirty="0"/>
-              <a:t>two sorted piles of cards (face-up; smallest card on top)</a:t>
-            </a:r>
-          </a:p>
-          <a:p>
-            <a:pPr lvl="1"/>
-            <a:r>
-              <a:rPr lang="en-GB" dirty="0"/>
-              <a:t>we want to merge them into a single sorted pile</a:t>
-            </a:r>
-          </a:p>
-          <a:p>
-            <a:endParaRPr lang="en-GB" dirty="0"/>
-          </a:p>
-        </p:txBody>
-      </p:sp>
+      <mc:AlternateContent xmlns:mc="http://schemas.openxmlformats.org/markup-compatibility/2006" xmlns:a14="http://schemas.microsoft.com/office/drawing/2010/main">
+        <mc:Choice Requires="a14">
+          <p:sp>
+            <p:nvSpPr>
+              <p:cNvPr id="3" name="Content Placeholder 2"/>
+              <p:cNvSpPr>
+                <a:spLocks noGrp="1"/>
+              </p:cNvSpPr>
+              <p:nvPr>
+                <p:ph idx="1"/>
+              </p:nvPr>
+            </p:nvSpPr>
+            <p:spPr/>
+            <p:txBody>
+              <a:bodyPr/>
+              <a:lstStyle/>
+              <a:p>
+                <a:r>
+                  <a:rPr lang="en-US" dirty="0"/>
+                  <a:t>Merge sort idea</a:t>
+                </a:r>
+                <a:endParaRPr lang="en-GB" dirty="0"/>
+              </a:p>
+              <a:p>
+                <a:pPr marL="800100" lvl="1" indent="-342900">
+                  <a:buFont typeface="+mj-lt"/>
+                  <a:buAutoNum type="arabicPeriod"/>
+                </a:pPr>
+                <a:r>
+                  <a:rPr lang="en-US" dirty="0"/>
+                  <a:t>[DIVIDE] </a:t>
+                </a:r>
+                <a:r>
+                  <a:rPr lang="en-GB" dirty="0"/>
+                  <a:t>Split the sequence to sort into two sub-sequences (</a:t>
+                </a:r>
+                <a14:m>
+                  <m:oMath xmlns:m="http://schemas.openxmlformats.org/officeDocument/2006/math">
+                    <m:f>
+                      <m:fPr>
+                        <m:ctrlPr>
+                          <a:rPr lang="en-GB" i="1">
+                            <a:latin typeface="Cambria Math" panose="02040503050406030204" pitchFamily="18" charset="0"/>
+                          </a:rPr>
+                        </m:ctrlPr>
+                      </m:fPr>
+                      <m:num>
+                        <m:r>
+                          <a:rPr lang="en-GB" i="1">
+                            <a:latin typeface="Cambria Math" panose="02040503050406030204" pitchFamily="18" charset="0"/>
+                          </a:rPr>
+                          <m:t>𝑛</m:t>
+                        </m:r>
+                      </m:num>
+                      <m:den>
+                        <m:r>
+                          <a:rPr lang="en-GB" i="1">
+                            <a:latin typeface="Cambria Math" panose="02040503050406030204" pitchFamily="18" charset="0"/>
+                          </a:rPr>
+                          <m:t>2</m:t>
+                        </m:r>
+                      </m:den>
+                    </m:f>
+                  </m:oMath>
+                </a14:m>
+                <a:r>
+                  <a:rPr lang="en-GB" dirty="0"/>
+                  <a:t> elements each)</a:t>
+                </a:r>
+              </a:p>
+              <a:p>
+                <a:pPr marL="800100" lvl="1" indent="-342900">
+                  <a:buFont typeface="+mj-lt"/>
+                  <a:buAutoNum type="arabicPeriod"/>
+                </a:pPr>
+                <a:r>
+                  <a:rPr lang="en-US" dirty="0"/>
+                  <a:t>[CONQUER] </a:t>
+                </a:r>
+                <a:r>
+                  <a:rPr lang="en-GB" dirty="0"/>
+                  <a:t>Sort the two sub-sequences recursively (using merge sort)</a:t>
+                </a:r>
+              </a:p>
+              <a:p>
+                <a:pPr marL="800100" lvl="1" indent="-342900">
+                  <a:buFont typeface="+mj-lt"/>
+                  <a:buAutoNum type="arabicPeriod"/>
+                </a:pPr>
+                <a:r>
+                  <a:rPr lang="en-US" dirty="0">
+                    <a:solidFill>
+                      <a:srgbClr val="FF0000"/>
+                    </a:solidFill>
+                  </a:rPr>
+                  <a:t>[COMBINE] </a:t>
+                </a:r>
+                <a:r>
+                  <a:rPr lang="en-GB" dirty="0">
+                    <a:solidFill>
+                      <a:srgbClr val="FF0000"/>
+                    </a:solidFill>
+                  </a:rPr>
+                  <a:t>Merge the two sorted sub-sequences to produce the complete sorted sequence</a:t>
+                </a:r>
+              </a:p>
+              <a:p>
+                <a:pPr marL="400050"/>
+                <a:endParaRPr lang="en-GB" dirty="0"/>
+              </a:p>
+              <a:p>
+                <a:pPr marL="400050"/>
+                <a:r>
+                  <a:rPr lang="en-GB" dirty="0" err="1"/>
+                  <a:t>Pseudocode</a:t>
+                </a:r>
+                <a:r>
+                  <a:rPr lang="en-GB" dirty="0"/>
+                  <a:t> </a:t>
+                </a:r>
+              </a:p>
+              <a:p>
+                <a:endParaRPr lang="en-GB" dirty="0"/>
+              </a:p>
+            </p:txBody>
+          </p:sp>
+        </mc:Choice>
+        <mc:Fallback xmlns="">
+          <p:sp>
+            <p:nvSpPr>
+              <p:cNvPr id="3" name="Content Placeholder 2"/>
+              <p:cNvSpPr>
+                <a:spLocks noGrp="1" noRot="1" noChangeAspect="1" noMove="1" noResize="1" noEditPoints="1" noAdjustHandles="1" noChangeArrowheads="1" noChangeShapeType="1" noTextEdit="1"/>
+              </p:cNvSpPr>
+              <p:nvPr>
+                <p:ph idx="1"/>
+              </p:nvPr>
+            </p:nvSpPr>
+            <p:spPr>
+              <a:blipFill rotWithShape="0">
+                <a:blip r:embed="rId2"/>
+                <a:stretch>
+                  <a:fillRect l="-142" t="-942"/>
+                </a:stretch>
+              </a:blipFill>
+            </p:spPr>
+            <p:txBody>
+              <a:bodyPr/>
+              <a:lstStyle/>
+              <a:p>
+                <a:r>
+                  <a:rPr lang="en-GB">
+                    <a:noFill/>
+                  </a:rPr>
+                  <a:t> </a:t>
+                </a:r>
+              </a:p>
+            </p:txBody>
+          </p:sp>
+        </mc:Fallback>
+      </mc:AlternateContent>
       <p:sp>
         <p:nvSpPr>
           <p:cNvPr id="4" name="Footer Placeholder 3"/>
@@ -14113,16 +14230,150 @@
           <a:p>
             <a:r>
               <a:rPr lang="it-IT"/>
-              <a:t>INFDEV026A - G. Costantini, F. Di Giacomo, G. Maggiore</a:t>
+              <a:t>INFDEV036A - G. Costantini, F. Di Giacomo</a:t>
             </a:r>
             <a:endParaRPr lang="en-GB"/>
+          </a:p>
+        </p:txBody>
+      </p:sp>
+      <p:sp>
+        <p:nvSpPr>
+          <p:cNvPr id="5" name="Rectangle 4"/>
+          <p:cNvSpPr/>
+          <p:nvPr/>
+        </p:nvSpPr>
+        <p:spPr>
+          <a:xfrm>
+            <a:off x="3465142" y="4654264"/>
+            <a:ext cx="3352801" cy="1569660"/>
+          </a:xfrm>
+          <a:prstGeom prst="rect">
+            <a:avLst/>
+          </a:prstGeom>
+        </p:spPr>
+        <p:txBody>
+          <a:bodyPr wrap="square">
+            <a:spAutoFit/>
+          </a:bodyPr>
+          <a:lstStyle/>
+          <a:p>
+            <a:r>
+              <a:rPr lang="en-GB" sz="1600" dirty="0">
+                <a:latin typeface="Consolas" panose="020B0609020204030204" pitchFamily="49" charset="0"/>
+                <a:cs typeface="Consolas" panose="020B0609020204030204" pitchFamily="49" charset="0"/>
+              </a:rPr>
+              <a:t>MERGE-SORT(</a:t>
+            </a:r>
+            <a:r>
+              <a:rPr lang="en-GB" sz="1600" dirty="0" err="1">
+                <a:latin typeface="Consolas" panose="020B0609020204030204" pitchFamily="49" charset="0"/>
+                <a:cs typeface="Consolas" panose="020B0609020204030204" pitchFamily="49" charset="0"/>
+              </a:rPr>
+              <a:t>A,p,r</a:t>
+            </a:r>
+            <a:r>
+              <a:rPr lang="en-GB" sz="1600" dirty="0">
+                <a:latin typeface="Consolas" panose="020B0609020204030204" pitchFamily="49" charset="0"/>
+                <a:cs typeface="Consolas" panose="020B0609020204030204" pitchFamily="49" charset="0"/>
+              </a:rPr>
+              <a:t>) </a:t>
+            </a:r>
+          </a:p>
+          <a:p>
+            <a:r>
+              <a:rPr lang="en-GB" sz="1600" dirty="0">
+                <a:latin typeface="Consolas" panose="020B0609020204030204" pitchFamily="49" charset="0"/>
+                <a:cs typeface="Consolas" panose="020B0609020204030204" pitchFamily="49" charset="0"/>
+              </a:rPr>
+              <a:t>   if p &lt; r </a:t>
+            </a:r>
+          </a:p>
+          <a:p>
+            <a:r>
+              <a:rPr lang="en-GB" sz="1600" dirty="0">
+                <a:latin typeface="Consolas" panose="020B0609020204030204" pitchFamily="49" charset="0"/>
+                <a:cs typeface="Consolas" panose="020B0609020204030204" pitchFamily="49" charset="0"/>
+              </a:rPr>
+              <a:t>      q = (p + r) / 2 </a:t>
+            </a:r>
+          </a:p>
+          <a:p>
+            <a:r>
+              <a:rPr lang="en-GB" sz="1600" dirty="0">
+                <a:latin typeface="Consolas" panose="020B0609020204030204" pitchFamily="49" charset="0"/>
+                <a:cs typeface="Consolas" panose="020B0609020204030204" pitchFamily="49" charset="0"/>
+              </a:rPr>
+              <a:t>      MERGE-SORT(</a:t>
+            </a:r>
+            <a:r>
+              <a:rPr lang="en-GB" sz="1600" dirty="0" err="1">
+                <a:latin typeface="Consolas" panose="020B0609020204030204" pitchFamily="49" charset="0"/>
+                <a:cs typeface="Consolas" panose="020B0609020204030204" pitchFamily="49" charset="0"/>
+              </a:rPr>
+              <a:t>A,p,q</a:t>
+            </a:r>
+            <a:r>
+              <a:rPr lang="en-GB" sz="1600" dirty="0">
+                <a:latin typeface="Consolas" panose="020B0609020204030204" pitchFamily="49" charset="0"/>
+                <a:cs typeface="Consolas" panose="020B0609020204030204" pitchFamily="49" charset="0"/>
+              </a:rPr>
+              <a:t>) </a:t>
+            </a:r>
+          </a:p>
+          <a:p>
+            <a:r>
+              <a:rPr lang="en-GB" sz="1600" dirty="0">
+                <a:latin typeface="Consolas" panose="020B0609020204030204" pitchFamily="49" charset="0"/>
+                <a:cs typeface="Consolas" panose="020B0609020204030204" pitchFamily="49" charset="0"/>
+              </a:rPr>
+              <a:t>      MERGE-SORT(A,q+1,r) </a:t>
+            </a:r>
+          </a:p>
+          <a:p>
+            <a:r>
+              <a:rPr lang="en-GB" sz="1600" dirty="0">
+                <a:latin typeface="Consolas" panose="020B0609020204030204" pitchFamily="49" charset="0"/>
+                <a:cs typeface="Consolas" panose="020B0609020204030204" pitchFamily="49" charset="0"/>
+              </a:rPr>
+              <a:t>      </a:t>
+            </a:r>
+            <a:r>
+              <a:rPr lang="en-GB" sz="1600" dirty="0">
+                <a:solidFill>
+                  <a:srgbClr val="FF0000"/>
+                </a:solidFill>
+                <a:latin typeface="Consolas" panose="020B0609020204030204" pitchFamily="49" charset="0"/>
+                <a:cs typeface="Consolas" panose="020B0609020204030204" pitchFamily="49" charset="0"/>
+              </a:rPr>
+              <a:t>MERGE(</a:t>
+            </a:r>
+            <a:r>
+              <a:rPr lang="en-GB" sz="1600" dirty="0" err="1">
+                <a:solidFill>
+                  <a:srgbClr val="FF0000"/>
+                </a:solidFill>
+                <a:latin typeface="Consolas" panose="020B0609020204030204" pitchFamily="49" charset="0"/>
+                <a:cs typeface="Consolas" panose="020B0609020204030204" pitchFamily="49" charset="0"/>
+              </a:rPr>
+              <a:t>A,p,q,r</a:t>
+            </a:r>
+            <a:r>
+              <a:rPr lang="en-GB" sz="1600" dirty="0">
+                <a:solidFill>
+                  <a:srgbClr val="FF0000"/>
+                </a:solidFill>
+                <a:latin typeface="Consolas" panose="020B0609020204030204" pitchFamily="49" charset="0"/>
+                <a:cs typeface="Consolas" panose="020B0609020204030204" pitchFamily="49" charset="0"/>
+              </a:rPr>
+              <a:t>)</a:t>
+            </a:r>
           </a:p>
         </p:txBody>
       </p:sp>
     </p:spTree>
     <p:extLst>
       <p:ext uri="{BB962C8B-B14F-4D97-AF65-F5344CB8AC3E}">
-        <p14:creationId xmlns:p14="http://schemas.microsoft.com/office/powerpoint/2010/main" val="2424361133"/>
+        <p14:creationId xmlns:p14="http://schemas.microsoft.com/office/powerpoint/2010/main" val="2437015627"/>
       </p:ext>
     </p:extLst>
   </p:cSld>
@@ -14214,40 +14465,6 @@
           <a:p>
             <a:endParaRPr lang="en-GB" dirty="0"/>
           </a:p>
-          <a:p>
-            <a:r>
-              <a:rPr lang="en-GB" dirty="0"/>
-              <a:t>Procedure</a:t>
-            </a:r>
-          </a:p>
-          <a:p>
-            <a:pPr lvl="1"/>
-            <a:r>
-              <a:rPr lang="en-GB" dirty="0"/>
-              <a:t>Choose the smallest of the two cards on top and remove it from its pile</a:t>
-            </a:r>
-          </a:p>
-          <a:p>
-            <a:pPr lvl="2"/>
-            <a:r>
-              <a:rPr lang="en-GB" dirty="0"/>
-              <a:t>Place this card into the output pile (face down)</a:t>
-            </a:r>
-          </a:p>
-          <a:p>
-            <a:pPr lvl="1"/>
-            <a:r>
-              <a:rPr lang="en-GB" dirty="0"/>
-              <a:t>Repeat the previous step until one of the two piles is empty</a:t>
-            </a:r>
-          </a:p>
-          <a:p>
-            <a:pPr lvl="1"/>
-            <a:r>
-              <a:rPr lang="en-GB" dirty="0"/>
-              <a:t>Take the remaining input pile and move it into the output one</a:t>
-            </a:r>
-          </a:p>
         </p:txBody>
       </p:sp>
       <p:sp>
@@ -14267,7 +14484,7 @@
           <a:p>
             <a:r>
               <a:rPr lang="it-IT"/>
-              <a:t>INFDEV026A - G. Costantini, F. Di Giacomo, G. Maggiore</a:t>
+              <a:t>INFDEV036A - G. Costantini, F. Di Giacomo</a:t>
             </a:r>
             <a:endParaRPr lang="en-GB"/>
           </a:p>
@@ -14276,7 +14493,7 @@
     </p:spTree>
     <p:extLst>
       <p:ext uri="{BB962C8B-B14F-4D97-AF65-F5344CB8AC3E}">
-        <p14:creationId xmlns:p14="http://schemas.microsoft.com/office/powerpoint/2010/main" val="3327191339"/>
+        <p14:creationId xmlns:p14="http://schemas.microsoft.com/office/powerpoint/2010/main" val="2424361133"/>
       </p:ext>
     </p:extLst>
   </p:cSld>
@@ -14335,6 +14552,160 @@
             <p:ph idx="1"/>
           </p:nvPr>
         </p:nvSpPr>
+        <p:spPr/>
+        <p:txBody>
+          <a:bodyPr/>
+          <a:lstStyle/>
+          <a:p>
+            <a:r>
+              <a:rPr lang="en-GB" dirty="0"/>
+              <a:t>How to combine two sorted sub-sequences into one?</a:t>
+            </a:r>
+          </a:p>
+          <a:p>
+            <a:r>
+              <a:rPr lang="en-GB" dirty="0"/>
+              <a:t>Example</a:t>
+            </a:r>
+          </a:p>
+          <a:p>
+            <a:pPr lvl="1"/>
+            <a:r>
+              <a:rPr lang="en-GB" dirty="0"/>
+              <a:t>two sorted piles of cards (face-up; smallest card on top)</a:t>
+            </a:r>
+          </a:p>
+          <a:p>
+            <a:pPr lvl="1"/>
+            <a:r>
+              <a:rPr lang="en-GB" dirty="0"/>
+              <a:t>we want to merge them into a single sorted pile</a:t>
+            </a:r>
+          </a:p>
+          <a:p>
+            <a:endParaRPr lang="en-GB" dirty="0"/>
+          </a:p>
+          <a:p>
+            <a:r>
+              <a:rPr lang="en-GB" dirty="0"/>
+              <a:t>Procedure</a:t>
+            </a:r>
+          </a:p>
+          <a:p>
+            <a:pPr lvl="1"/>
+            <a:r>
+              <a:rPr lang="en-GB" dirty="0"/>
+              <a:t>Choose the smallest of the two cards on top and remove it from its pile</a:t>
+            </a:r>
+          </a:p>
+          <a:p>
+            <a:pPr lvl="2"/>
+            <a:r>
+              <a:rPr lang="en-GB" dirty="0"/>
+              <a:t>Place this card into the output pile (face down)</a:t>
+            </a:r>
+          </a:p>
+          <a:p>
+            <a:pPr lvl="1"/>
+            <a:r>
+              <a:rPr lang="en-GB" dirty="0"/>
+              <a:t>Repeat the previous step until one of the two piles is empty</a:t>
+            </a:r>
+          </a:p>
+          <a:p>
+            <a:pPr lvl="1"/>
+            <a:r>
+              <a:rPr lang="en-GB" dirty="0"/>
+              <a:t>Take the remaining input pile and move it into the output one</a:t>
+            </a:r>
+          </a:p>
+        </p:txBody>
+      </p:sp>
+      <p:sp>
+        <p:nvSpPr>
+          <p:cNvPr id="4" name="Footer Placeholder 3"/>
+          <p:cNvSpPr>
+            <a:spLocks noGrp="1"/>
+          </p:cNvSpPr>
+          <p:nvPr>
+            <p:ph type="ftr" sz="quarter" idx="11"/>
+          </p:nvPr>
+        </p:nvSpPr>
+        <p:spPr/>
+        <p:txBody>
+          <a:bodyPr/>
+          <a:lstStyle/>
+          <a:p>
+            <a:r>
+              <a:rPr lang="it-IT"/>
+              <a:t>INFDEV036A - G. Costantini, F. Di Giacomo</a:t>
+            </a:r>
+            <a:endParaRPr lang="en-GB"/>
+          </a:p>
+        </p:txBody>
+      </p:sp>
+    </p:spTree>
+    <p:extLst>
+      <p:ext uri="{BB962C8B-B14F-4D97-AF65-F5344CB8AC3E}">
+        <p14:creationId xmlns:p14="http://schemas.microsoft.com/office/powerpoint/2010/main" val="3327191339"/>
+      </p:ext>
+    </p:extLst>
+  </p:cSld>
+  <p:clrMapOvr>
+    <a:masterClrMapping/>
+  </p:clrMapOvr>
+</p:sld>
+</file>
+
+<file path=ppt/slides/slide34.xml><?xml version="1.0" encoding="utf-8"?>
+<p:sld xmlns:a="http://schemas.openxmlformats.org/drawingml/2006/main" xmlns:r="http://schemas.openxmlformats.org/officeDocument/2006/relationships" xmlns:p="http://schemas.openxmlformats.org/presentationml/2006/main">
+  <p:cSld>
+    <p:spTree>
+      <p:nvGrpSpPr>
+        <p:cNvPr id="1" name=""/>
+        <p:cNvGrpSpPr/>
+        <p:nvPr/>
+      </p:nvGrpSpPr>
+      <p:grpSpPr>
+        <a:xfrm>
+          <a:off x="0" y="0"/>
+          <a:ext cx="0" cy="0"/>
+          <a:chOff x="0" y="0"/>
+          <a:chExt cx="0" cy="0"/>
+        </a:xfrm>
+      </p:grpSpPr>
+      <p:sp>
+        <p:nvSpPr>
+          <p:cNvPr id="2" name="Title 1"/>
+          <p:cNvSpPr>
+            <a:spLocks noGrp="1"/>
+          </p:cNvSpPr>
+          <p:nvPr>
+            <p:ph type="title"/>
+          </p:nvPr>
+        </p:nvSpPr>
+        <p:spPr/>
+        <p:txBody>
+          <a:bodyPr/>
+          <a:lstStyle/>
+          <a:p>
+            <a:r>
+              <a:rPr lang="en-GB" dirty="0"/>
+              <a:t>Merge sort </a:t>
+            </a:r>
+          </a:p>
+        </p:txBody>
+      </p:sp>
+      <p:sp>
+        <p:nvSpPr>
+          <p:cNvPr id="3" name="Content Placeholder 2"/>
+          <p:cNvSpPr>
+            <a:spLocks noGrp="1"/>
+          </p:cNvSpPr>
+          <p:nvPr>
+            <p:ph idx="1"/>
+          </p:nvPr>
+        </p:nvSpPr>
         <p:spPr>
           <a:xfrm>
             <a:off x="677334" y="2160589"/>
@@ -14705,7 +15076,7 @@
           <a:p>
             <a:r>
               <a:rPr lang="it-IT"/>
-              <a:t>INFDEV026A - G. Costantini, F. Di Giacomo, G. Maggiore</a:t>
+              <a:t>INFDEV036A - G. Costantini, F. Di Giacomo</a:t>
             </a:r>
             <a:endParaRPr lang="en-GB"/>
           </a:p>
@@ -15171,7 +15542,7 @@
 </p:sld>
 </file>
 
-<file path=ppt/slides/slide34.xml><?xml version="1.0" encoding="utf-8"?>
+<file path=ppt/slides/slide35.xml><?xml version="1.0" encoding="utf-8"?>
 <p:sld xmlns:a="http://schemas.openxmlformats.org/drawingml/2006/main" xmlns:r="http://schemas.openxmlformats.org/officeDocument/2006/relationships" xmlns:p="http://schemas.openxmlformats.org/presentationml/2006/main">
   <p:cSld>
     <p:spTree>
@@ -15610,7 +15981,7 @@
           <a:p>
             <a:r>
               <a:rPr lang="it-IT"/>
-              <a:t>INFDEV026A - G. Costantini, F. Di Giacomo, G. Maggiore</a:t>
+              <a:t>INFDEV036A - G. Costantini, F. Di Giacomo</a:t>
             </a:r>
             <a:endParaRPr lang="en-GB"/>
           </a:p>
@@ -16027,7 +16398,7 @@
 </p:sld>
 </file>
 
-<file path=ppt/slides/slide35.xml><?xml version="1.0" encoding="utf-8"?>
+<file path=ppt/slides/slide36.xml><?xml version="1.0" encoding="utf-8"?>
 <p:sld xmlns:a="http://schemas.openxmlformats.org/drawingml/2006/main" xmlns:r="http://schemas.openxmlformats.org/officeDocument/2006/relationships" xmlns:p="http://schemas.openxmlformats.org/presentationml/2006/main">
   <p:cSld>
     <p:spTree>
@@ -16222,7 +16593,7 @@
           <a:p>
             <a:r>
               <a:rPr lang="it-IT"/>
-              <a:t>INFDEV026A - G. Costantini, F. Di Giacomo, G. Maggiore</a:t>
+              <a:t>INFDEV036A - G. Costantini, F. Di Giacomo</a:t>
             </a:r>
             <a:endParaRPr lang="en-GB" dirty="0"/>
           </a:p>
@@ -16771,7 +17142,7 @@
 </p:sld>
 </file>
 
-<file path=ppt/slides/slide36.xml><?xml version="1.0" encoding="utf-8"?>
+<file path=ppt/slides/slide37.xml><?xml version="1.0" encoding="utf-8"?>
 <p:sld xmlns:a="http://schemas.openxmlformats.org/drawingml/2006/main" xmlns:r="http://schemas.openxmlformats.org/officeDocument/2006/relationships" xmlns:p="http://schemas.openxmlformats.org/presentationml/2006/main">
   <p:cSld>
     <p:spTree>
@@ -16855,7 +17226,7 @@
           <a:p>
             <a:r>
               <a:rPr lang="it-IT"/>
-              <a:t>INFDEV026A - G. Costantini, F. Di Giacomo, G. Maggiore</a:t>
+              <a:t>INFDEV036A - G. Costantini, F. Di Giacomo</a:t>
             </a:r>
             <a:endParaRPr lang="en-GB"/>
           </a:p>
@@ -16865,105 +17236,6 @@
     <p:extLst>
       <p:ext uri="{BB962C8B-B14F-4D97-AF65-F5344CB8AC3E}">
         <p14:creationId xmlns:p14="http://schemas.microsoft.com/office/powerpoint/2010/main" val="1308615051"/>
-      </p:ext>
-    </p:extLst>
-  </p:cSld>
-  <p:clrMapOvr>
-    <a:masterClrMapping/>
-  </p:clrMapOvr>
-</p:sld>
-</file>
-
-<file path=ppt/slides/slide37.xml><?xml version="1.0" encoding="utf-8"?>
-<p:sld xmlns:a="http://schemas.openxmlformats.org/drawingml/2006/main" xmlns:r="http://schemas.openxmlformats.org/officeDocument/2006/relationships" xmlns:p="http://schemas.openxmlformats.org/presentationml/2006/main">
-  <p:cSld>
-    <p:spTree>
-      <p:nvGrpSpPr>
-        <p:cNvPr id="1" name=""/>
-        <p:cNvGrpSpPr/>
-        <p:nvPr/>
-      </p:nvGrpSpPr>
-      <p:grpSpPr>
-        <a:xfrm>
-          <a:off x="0" y="0"/>
-          <a:ext cx="0" cy="0"/>
-          <a:chOff x="0" y="0"/>
-          <a:chExt cx="0" cy="0"/>
-        </a:xfrm>
-      </p:grpSpPr>
-      <p:pic>
-        <p:nvPicPr>
-          <p:cNvPr id="5" name="Picture 4"/>
-          <p:cNvPicPr>
-            <a:picLocks noChangeAspect="1"/>
-          </p:cNvPicPr>
-          <p:nvPr/>
-        </p:nvPicPr>
-        <p:blipFill>
-          <a:blip r:embed="rId2"/>
-          <a:stretch>
-            <a:fillRect/>
-          </a:stretch>
-        </p:blipFill>
-        <p:spPr>
-          <a:xfrm>
-            <a:off x="1597964" y="1401596"/>
-            <a:ext cx="7011780" cy="5056261"/>
-          </a:xfrm>
-          <a:prstGeom prst="rect">
-            <a:avLst/>
-          </a:prstGeom>
-        </p:spPr>
-      </p:pic>
-      <p:sp>
-        <p:nvSpPr>
-          <p:cNvPr id="2" name="Title 1"/>
-          <p:cNvSpPr>
-            <a:spLocks noGrp="1"/>
-          </p:cNvSpPr>
-          <p:nvPr>
-            <p:ph type="title"/>
-          </p:nvPr>
-        </p:nvSpPr>
-        <p:spPr/>
-        <p:txBody>
-          <a:bodyPr/>
-          <a:lstStyle/>
-          <a:p>
-            <a:r>
-              <a:rPr lang="en-GB" dirty="0"/>
-              <a:t>Merge sort </a:t>
-            </a:r>
-          </a:p>
-        </p:txBody>
-      </p:sp>
-      <p:sp>
-        <p:nvSpPr>
-          <p:cNvPr id="4" name="Footer Placeholder 3"/>
-          <p:cNvSpPr>
-            <a:spLocks noGrp="1"/>
-          </p:cNvSpPr>
-          <p:nvPr>
-            <p:ph type="ftr" sz="quarter" idx="11"/>
-          </p:nvPr>
-        </p:nvSpPr>
-        <p:spPr/>
-        <p:txBody>
-          <a:bodyPr/>
-          <a:lstStyle/>
-          <a:p>
-            <a:r>
-              <a:rPr lang="it-IT"/>
-              <a:t>INFDEV026A - G. Costantini, F. Di Giacomo, G. Maggiore</a:t>
-            </a:r>
-            <a:endParaRPr lang="en-GB"/>
-          </a:p>
-        </p:txBody>
-      </p:sp>
-    </p:spTree>
-    <p:extLst>
-      <p:ext uri="{BB962C8B-B14F-4D97-AF65-F5344CB8AC3E}">
-        <p14:creationId xmlns:p14="http://schemas.microsoft.com/office/powerpoint/2010/main" val="2018626741"/>
       </p:ext>
     </p:extLst>
   </p:cSld>
@@ -17006,8 +17278,8 @@
         </p:blipFill>
         <p:spPr>
           <a:xfrm>
-            <a:off x="2026991" y="1659632"/>
-            <a:ext cx="6110141" cy="4234751"/>
+            <a:off x="1597964" y="1401596"/>
+            <a:ext cx="7011780" cy="5056261"/>
           </a:xfrm>
           <a:prstGeom prst="rect">
             <a:avLst/>
@@ -17053,7 +17325,7 @@
           <a:p>
             <a:r>
               <a:rPr lang="it-IT"/>
-              <a:t>INFDEV026A - G. Costantini, F. Di Giacomo, G. Maggiore</a:t>
+              <a:t>INFDEV036A - G. Costantini, F. Di Giacomo</a:t>
             </a:r>
             <a:endParaRPr lang="en-GB"/>
           </a:p>
@@ -17062,7 +17334,7 @@
     </p:spTree>
     <p:extLst>
       <p:ext uri="{BB962C8B-B14F-4D97-AF65-F5344CB8AC3E}">
-        <p14:creationId xmlns:p14="http://schemas.microsoft.com/office/powerpoint/2010/main" val="1939302049"/>
+        <p14:creationId xmlns:p14="http://schemas.microsoft.com/office/powerpoint/2010/main" val="2018626741"/>
       </p:ext>
     </p:extLst>
   </p:cSld>
@@ -17089,6 +17361,30 @@
           <a:chExt cx="0" cy="0"/>
         </a:xfrm>
       </p:grpSpPr>
+      <p:pic>
+        <p:nvPicPr>
+          <p:cNvPr id="5" name="Picture 4"/>
+          <p:cNvPicPr>
+            <a:picLocks noChangeAspect="1"/>
+          </p:cNvPicPr>
+          <p:nvPr/>
+        </p:nvPicPr>
+        <p:blipFill>
+          <a:blip r:embed="rId2"/>
+          <a:stretch>
+            <a:fillRect/>
+          </a:stretch>
+        </p:blipFill>
+        <p:spPr>
+          <a:xfrm>
+            <a:off x="2026991" y="1659632"/>
+            <a:ext cx="6110141" cy="4234751"/>
+          </a:xfrm>
+          <a:prstGeom prst="rect">
+            <a:avLst/>
+          </a:prstGeom>
+        </p:spPr>
+      </p:pic>
       <p:sp>
         <p:nvSpPr>
           <p:cNvPr id="2" name="Title 1"/>
@@ -17111,498 +17407,6 @@
           </a:p>
         </p:txBody>
       </p:sp>
-      <mc:AlternateContent xmlns:mc="http://schemas.openxmlformats.org/markup-compatibility/2006" xmlns:a14="http://schemas.microsoft.com/office/drawing/2010/main">
-        <mc:Choice Requires="a14">
-          <p:sp>
-            <p:nvSpPr>
-              <p:cNvPr id="3" name="Content Placeholder 2"/>
-              <p:cNvSpPr>
-                <a:spLocks noGrp="1"/>
-              </p:cNvSpPr>
-              <p:nvPr>
-                <p:ph idx="1"/>
-              </p:nvPr>
-            </p:nvSpPr>
-            <p:spPr/>
-            <p:txBody>
-              <a:bodyPr>
-                <a:normAutofit/>
-              </a:bodyPr>
-              <a:lstStyle/>
-              <a:p>
-                <a:r>
-                  <a:rPr lang="en-GB" b="1" dirty="0"/>
-                  <a:t>Performance</a:t>
-                </a:r>
-              </a:p>
-              <a:p>
-                <a:pPr lvl="1"/>
-                <a14:m>
-                  <m:oMath xmlns:m="http://schemas.openxmlformats.org/officeDocument/2006/math">
-                    <m:r>
-                      <a:rPr lang="en-GB" b="0" i="1" smtClean="0">
-                        <a:latin typeface="Cambria Math" panose="02040503050406030204" pitchFamily="18" charset="0"/>
-                      </a:rPr>
-                      <m:t>𝑇</m:t>
-                    </m:r>
-                    <m:r>
-                      <a:rPr lang="en-GB" b="0" i="1" smtClean="0">
-                        <a:latin typeface="Cambria Math" panose="02040503050406030204" pitchFamily="18" charset="0"/>
-                      </a:rPr>
-                      <m:t>(</m:t>
-                    </m:r>
-                    <m:r>
-                      <a:rPr lang="en-GB" b="0" i="1" smtClean="0">
-                        <a:latin typeface="Cambria Math" panose="02040503050406030204" pitchFamily="18" charset="0"/>
-                      </a:rPr>
-                      <m:t>𝑛</m:t>
-                    </m:r>
-                    <m:r>
-                      <a:rPr lang="en-GB" b="0" i="1" smtClean="0">
-                        <a:latin typeface="Cambria Math" panose="02040503050406030204" pitchFamily="18" charset="0"/>
-                      </a:rPr>
-                      <m:t>)</m:t>
-                    </m:r>
-                  </m:oMath>
-                </a14:m>
-                <a:r>
-                  <a:rPr lang="en-GB" dirty="0"/>
-                  <a:t> </a:t>
-                </a:r>
-                <a:r>
-                  <a:rPr lang="en-GB" dirty="0">
-                    <a:sym typeface="Wingdings" panose="05000000000000000000" pitchFamily="2" charset="2"/>
-                  </a:rPr>
-                  <a:t> running time of Merge Sort on an input of size </a:t>
-                </a:r>
-                <a14:m>
-                  <m:oMath xmlns:m="http://schemas.openxmlformats.org/officeDocument/2006/math">
-                    <m:r>
-                      <a:rPr lang="en-GB" b="0" i="1" smtClean="0">
-                        <a:latin typeface="Cambria Math" panose="02040503050406030204" pitchFamily="18" charset="0"/>
-                        <a:sym typeface="Wingdings" panose="05000000000000000000" pitchFamily="2" charset="2"/>
-                      </a:rPr>
-                      <m:t>𝑛</m:t>
-                    </m:r>
-                  </m:oMath>
-                </a14:m>
-                <a:endParaRPr lang="en-GB" dirty="0"/>
-              </a:p>
-              <a:p>
-                <a:pPr lvl="1"/>
-                <a:r>
-                  <a:rPr lang="en-GB" dirty="0"/>
-                  <a:t>The total running time is the sum of…</a:t>
-                </a:r>
-              </a:p>
-              <a:p>
-                <a:pPr lvl="2"/>
-                <a:r>
-                  <a:rPr lang="en-GB" dirty="0"/>
-                  <a:t>[DIVIDE] compute the middle of the </a:t>
-                </a:r>
-                <a:r>
-                  <a:rPr lang="en-GB" dirty="0" err="1"/>
-                  <a:t>subarray</a:t>
-                </a:r>
-                <a:r>
-                  <a:rPr lang="en-GB" dirty="0"/>
-                  <a:t> </a:t>
-                </a:r>
-                <a:r>
-                  <a:rPr lang="en-GB" dirty="0">
-                    <a:sym typeface="Wingdings" panose="05000000000000000000" pitchFamily="2" charset="2"/>
-                  </a:rPr>
-                  <a:t> </a:t>
-                </a:r>
-                <a14:m>
-                  <m:oMath xmlns:m="http://schemas.openxmlformats.org/officeDocument/2006/math">
-                    <m:r>
-                      <a:rPr lang="en-GB">
-                        <a:latin typeface="Cambria Math" panose="02040503050406030204" pitchFamily="18" charset="0"/>
-                        <a:sym typeface="Wingdings" panose="05000000000000000000" pitchFamily="2" charset="2"/>
-                      </a:rPr>
-                      <m:t>𝑂</m:t>
-                    </m:r>
-                    <m:r>
-                      <a:rPr lang="en-GB">
-                        <a:latin typeface="Cambria Math" panose="02040503050406030204" pitchFamily="18" charset="0"/>
-                        <a:sym typeface="Wingdings" panose="05000000000000000000" pitchFamily="2" charset="2"/>
-                      </a:rPr>
-                      <m:t>(1)</m:t>
-                    </m:r>
-                  </m:oMath>
-                </a14:m>
-                <a:endParaRPr lang="en-GB" dirty="0"/>
-              </a:p>
-              <a:p>
-                <a:pPr lvl="2"/>
-                <a:r>
-                  <a:rPr lang="en-GB" dirty="0"/>
-                  <a:t>[CONQUER] recursively solve the two sub-problems, each of size </a:t>
-                </a:r>
-                <a14:m>
-                  <m:oMath xmlns:m="http://schemas.openxmlformats.org/officeDocument/2006/math">
-                    <m:f>
-                      <m:fPr>
-                        <m:ctrlPr>
-                          <a:rPr lang="en-GB" i="1">
-                            <a:latin typeface="Cambria Math" panose="02040503050406030204" pitchFamily="18" charset="0"/>
-                          </a:rPr>
-                        </m:ctrlPr>
-                      </m:fPr>
-                      <m:num>
-                        <m:r>
-                          <a:rPr lang="en-GB" i="1">
-                            <a:latin typeface="Cambria Math" panose="02040503050406030204" pitchFamily="18" charset="0"/>
-                          </a:rPr>
-                          <m:t>𝑛</m:t>
-                        </m:r>
-                      </m:num>
-                      <m:den>
-                        <m:r>
-                          <a:rPr lang="en-GB" i="1">
-                            <a:latin typeface="Cambria Math" panose="02040503050406030204" pitchFamily="18" charset="0"/>
-                          </a:rPr>
-                          <m:t>2</m:t>
-                        </m:r>
-                      </m:den>
-                    </m:f>
-                  </m:oMath>
-                </a14:m>
-                <a:r>
-                  <a:rPr lang="en-GB" dirty="0"/>
-                  <a:t> </a:t>
-                </a:r>
-                <a:r>
-                  <a:rPr lang="en-GB" dirty="0">
-                    <a:sym typeface="Wingdings" panose="05000000000000000000" pitchFamily="2" charset="2"/>
-                  </a:rPr>
-                  <a:t></a:t>
-                </a:r>
-                <a:r>
-                  <a:rPr lang="en-GB" dirty="0"/>
-                  <a:t> </a:t>
-                </a:r>
-                <a14:m>
-                  <m:oMath xmlns:m="http://schemas.openxmlformats.org/officeDocument/2006/math">
-                    <m:r>
-                      <a:rPr lang="en-GB" b="0" i="0" smtClean="0">
-                        <a:latin typeface="Cambria Math" panose="02040503050406030204" pitchFamily="18" charset="0"/>
-                      </a:rPr>
-                      <m:t>2</m:t>
-                    </m:r>
-                    <m:r>
-                      <a:rPr lang="en-GB" b="0" i="1" smtClean="0">
-                        <a:latin typeface="Cambria Math" panose="02040503050406030204" pitchFamily="18" charset="0"/>
-                      </a:rPr>
-                      <m:t>×</m:t>
-                    </m:r>
-                    <m:r>
-                      <a:rPr lang="en-GB" b="0" i="1" smtClean="0">
-                        <a:latin typeface="Cambria Math" panose="02040503050406030204" pitchFamily="18" charset="0"/>
-                      </a:rPr>
-                      <m:t>𝑇</m:t>
-                    </m:r>
-                    <m:d>
-                      <m:dPr>
-                        <m:ctrlPr>
-                          <a:rPr lang="en-GB" b="0" i="1" smtClean="0">
-                            <a:latin typeface="Cambria Math" panose="02040503050406030204" pitchFamily="18" charset="0"/>
-                          </a:rPr>
-                        </m:ctrlPr>
-                      </m:dPr>
-                      <m:e>
-                        <m:f>
-                          <m:fPr>
-                            <m:ctrlPr>
-                              <a:rPr lang="en-GB" b="0" i="1" smtClean="0">
-                                <a:latin typeface="Cambria Math" panose="02040503050406030204" pitchFamily="18" charset="0"/>
-                              </a:rPr>
-                            </m:ctrlPr>
-                          </m:fPr>
-                          <m:num>
-                            <m:r>
-                              <a:rPr lang="en-GB" b="0" i="1" smtClean="0">
-                                <a:latin typeface="Cambria Math" panose="02040503050406030204" pitchFamily="18" charset="0"/>
-                              </a:rPr>
-                              <m:t>𝑛</m:t>
-                            </m:r>
-                          </m:num>
-                          <m:den>
-                            <m:r>
-                              <a:rPr lang="en-GB" b="0" i="1" smtClean="0">
-                                <a:latin typeface="Cambria Math" panose="02040503050406030204" pitchFamily="18" charset="0"/>
-                              </a:rPr>
-                              <m:t>2</m:t>
-                            </m:r>
-                          </m:den>
-                        </m:f>
-                      </m:e>
-                    </m:d>
-                  </m:oMath>
-                </a14:m>
-                <a:endParaRPr lang="en-GB" b="0" dirty="0">
-                  <a:latin typeface="Cambria Math" panose="02040503050406030204" pitchFamily="18" charset="0"/>
-                </a:endParaRPr>
-              </a:p>
-              <a:p>
-                <a:pPr lvl="2"/>
-                <a:r>
-                  <a:rPr lang="en-GB" dirty="0"/>
-                  <a:t>[COMBINE] </a:t>
-                </a:r>
-                <a14:m>
-                  <m:oMath xmlns:m="http://schemas.openxmlformats.org/officeDocument/2006/math">
-                    <m:r>
-                      <a:rPr lang="en-GB" b="0" i="1" smtClean="0">
-                        <a:latin typeface="Cambria Math" panose="02040503050406030204" pitchFamily="18" charset="0"/>
-                      </a:rPr>
-                      <m:t>𝑛</m:t>
-                    </m:r>
-                  </m:oMath>
-                </a14:m>
-                <a:r>
-                  <a:rPr lang="en-GB" dirty="0"/>
-                  <a:t> iterations of the loop, each of which takes constant time</a:t>
-                </a:r>
-                <a:r>
-                  <a:rPr lang="en-GB" b="0" dirty="0"/>
-                  <a:t> </a:t>
-                </a:r>
-                <a:r>
-                  <a:rPr lang="en-GB" b="0" dirty="0">
-                    <a:sym typeface="Wingdings" panose="05000000000000000000" pitchFamily="2" charset="2"/>
-                  </a:rPr>
-                  <a:t> </a:t>
-                </a:r>
-                <a14:m>
-                  <m:oMath xmlns:m="http://schemas.openxmlformats.org/officeDocument/2006/math">
-                    <m:r>
-                      <a:rPr lang="en-GB" b="0" i="1" smtClean="0">
-                        <a:latin typeface="Cambria Math" panose="02040503050406030204" pitchFamily="18" charset="0"/>
-                      </a:rPr>
-                      <m:t>𝑂</m:t>
-                    </m:r>
-                    <m:r>
-                      <a:rPr lang="en-GB" b="0" i="1" smtClean="0">
-                        <a:latin typeface="Cambria Math" panose="02040503050406030204" pitchFamily="18" charset="0"/>
-                      </a:rPr>
-                      <m:t>(</m:t>
-                    </m:r>
-                    <m:r>
-                      <a:rPr lang="en-GB" b="0" i="1" smtClean="0">
-                        <a:latin typeface="Cambria Math" panose="02040503050406030204" pitchFamily="18" charset="0"/>
-                      </a:rPr>
-                      <m:t>𝑛</m:t>
-                    </m:r>
-                    <m:r>
-                      <a:rPr lang="en-GB" b="0" i="1" smtClean="0">
-                        <a:latin typeface="Cambria Math" panose="02040503050406030204" pitchFamily="18" charset="0"/>
-                      </a:rPr>
-                      <m:t>)</m:t>
-                    </m:r>
-                  </m:oMath>
-                </a14:m>
-                <a:endParaRPr lang="en-GB" b="0" i="1" dirty="0">
-                  <a:latin typeface="Cambria Math" panose="02040503050406030204" pitchFamily="18" charset="0"/>
-                </a:endParaRPr>
-              </a:p>
-              <a:p>
-                <a:pPr lvl="2"/>
-                <a:endParaRPr lang="en-GB" b="0" i="1" dirty="0">
-                  <a:latin typeface="Cambria Math" panose="02040503050406030204" pitchFamily="18" charset="0"/>
-                </a:endParaRPr>
-              </a:p>
-              <a:p>
-                <a:pPr marL="914400" lvl="2" indent="0">
-                  <a:buNone/>
-                </a:pPr>
-                <a14:m>
-                  <m:oMathPara xmlns:m="http://schemas.openxmlformats.org/officeDocument/2006/math">
-                    <m:oMathParaPr>
-                      <m:jc m:val="centerGroup"/>
-                    </m:oMathParaPr>
-                    <m:oMath xmlns:m="http://schemas.openxmlformats.org/officeDocument/2006/math">
-                      <m:r>
-                        <a:rPr lang="en-GB" sz="2000" b="1" i="1" smtClean="0">
-                          <a:latin typeface="Cambria Math" panose="02040503050406030204" pitchFamily="18" charset="0"/>
-                        </a:rPr>
-                        <m:t>𝑻</m:t>
-                      </m:r>
-                      <m:d>
-                        <m:dPr>
-                          <m:ctrlPr>
-                            <a:rPr lang="en-GB" sz="2000" b="1" i="1" smtClean="0">
-                              <a:latin typeface="Cambria Math" panose="02040503050406030204" pitchFamily="18" charset="0"/>
-                            </a:rPr>
-                          </m:ctrlPr>
-                        </m:dPr>
-                        <m:e>
-                          <m:r>
-                            <a:rPr lang="en-GB" sz="2000" b="1" i="1" smtClean="0">
-                              <a:latin typeface="Cambria Math" panose="02040503050406030204" pitchFamily="18" charset="0"/>
-                            </a:rPr>
-                            <m:t>𝒏</m:t>
-                          </m:r>
-                        </m:e>
-                      </m:d>
-                      <m:r>
-                        <a:rPr lang="en-GB" sz="2000" b="1" i="1" smtClean="0">
-                          <a:latin typeface="Cambria Math" panose="02040503050406030204" pitchFamily="18" charset="0"/>
-                        </a:rPr>
-                        <m:t>=</m:t>
-                      </m:r>
-                      <m:r>
-                        <a:rPr lang="en-GB" sz="2000" b="1" i="1" smtClean="0">
-                          <a:latin typeface="Cambria Math" panose="02040503050406030204" pitchFamily="18" charset="0"/>
-                        </a:rPr>
-                        <m:t>𝟐</m:t>
-                      </m:r>
-                      <m:r>
-                        <a:rPr lang="en-GB" sz="2000" b="1" i="1" smtClean="0">
-                          <a:latin typeface="Cambria Math" panose="02040503050406030204" pitchFamily="18" charset="0"/>
-                        </a:rPr>
-                        <m:t>×</m:t>
-                      </m:r>
-                      <m:r>
-                        <a:rPr lang="en-GB" sz="2000" b="1" i="1" smtClean="0">
-                          <a:latin typeface="Cambria Math" panose="02040503050406030204" pitchFamily="18" charset="0"/>
-                        </a:rPr>
-                        <m:t>𝑻</m:t>
-                      </m:r>
-                      <m:d>
-                        <m:dPr>
-                          <m:ctrlPr>
-                            <a:rPr lang="en-GB" sz="2000" b="1" i="1" smtClean="0">
-                              <a:latin typeface="Cambria Math" panose="02040503050406030204" pitchFamily="18" charset="0"/>
-                            </a:rPr>
-                          </m:ctrlPr>
-                        </m:dPr>
-                        <m:e>
-                          <m:f>
-                            <m:fPr>
-                              <m:ctrlPr>
-                                <a:rPr lang="en-GB" sz="2000" b="1" i="1" smtClean="0">
-                                  <a:latin typeface="Cambria Math" panose="02040503050406030204" pitchFamily="18" charset="0"/>
-                                </a:rPr>
-                              </m:ctrlPr>
-                            </m:fPr>
-                            <m:num>
-                              <m:r>
-                                <a:rPr lang="en-GB" sz="2000" b="1" i="1" smtClean="0">
-                                  <a:latin typeface="Cambria Math" panose="02040503050406030204" pitchFamily="18" charset="0"/>
-                                </a:rPr>
-                                <m:t>𝒏</m:t>
-                              </m:r>
-                            </m:num>
-                            <m:den>
-                              <m:r>
-                                <a:rPr lang="en-GB" sz="2000" b="1" i="1" smtClean="0">
-                                  <a:latin typeface="Cambria Math" panose="02040503050406030204" pitchFamily="18" charset="0"/>
-                                </a:rPr>
-                                <m:t>𝟐</m:t>
-                              </m:r>
-                            </m:den>
-                          </m:f>
-                        </m:e>
-                      </m:d>
-                      <m:r>
-                        <a:rPr lang="en-GB" sz="2000" b="1" i="1" smtClean="0">
-                          <a:latin typeface="Cambria Math" panose="02040503050406030204" pitchFamily="18" charset="0"/>
-                        </a:rPr>
-                        <m:t>+</m:t>
-                      </m:r>
-                      <m:r>
-                        <a:rPr lang="en-GB" sz="2000" b="1" i="1" smtClean="0">
-                          <a:latin typeface="Cambria Math" panose="02040503050406030204" pitchFamily="18" charset="0"/>
-                        </a:rPr>
-                        <m:t>𝒏</m:t>
-                      </m:r>
-                    </m:oMath>
-                  </m:oMathPara>
-                </a14:m>
-                <a:endParaRPr lang="en-GB" sz="2000" b="1" dirty="0"/>
-              </a:p>
-              <a:p>
-                <a:pPr lvl="1"/>
-                <a:r>
-                  <a:rPr lang="en-GB" dirty="0"/>
-                  <a:t>To solve this recurrence, we would need the “master theorem”…</a:t>
-                </a:r>
-              </a:p>
-              <a:p>
-                <a:pPr lvl="1"/>
-                <a:r>
-                  <a:rPr lang="en-GB" dirty="0"/>
-                  <a:t>… here only intuition! (</a:t>
-                </a:r>
-                <a:r>
-                  <a:rPr lang="en-GB" dirty="0" err="1"/>
-                  <a:t>pfiuuuuu</a:t>
-                </a:r>
-                <a:r>
-                  <a:rPr lang="en-GB" dirty="0"/>
-                  <a:t> </a:t>
-                </a:r>
-                <a:r>
-                  <a:rPr lang="en-GB" dirty="0">
-                    <a:sym typeface="Wingdings" panose="05000000000000000000" pitchFamily="2" charset="2"/>
-                  </a:rPr>
-                  <a:t></a:t>
-                </a:r>
-                <a:r>
-                  <a:rPr lang="en-GB" dirty="0"/>
-                  <a:t>)</a:t>
-                </a:r>
-              </a:p>
-              <a:p>
-                <a:pPr marL="914400" lvl="2" indent="0">
-                  <a:buNone/>
-                </a:pPr>
-                <a:endParaRPr lang="en-GB" sz="2000" b="1" dirty="0"/>
-              </a:p>
-              <a:p>
-                <a:pPr lvl="3"/>
-                <a:endParaRPr lang="en-GB" dirty="0"/>
-              </a:p>
-            </p:txBody>
-          </p:sp>
-        </mc:Choice>
-        <mc:Fallback xmlns="">
-          <p:sp>
-            <p:nvSpPr>
-              <p:cNvPr id="3" name="Content Placeholder 2"/>
-              <p:cNvSpPr>
-                <a:spLocks noGrp="1" noRot="1" noChangeAspect="1" noMove="1" noResize="1" noEditPoints="1" noAdjustHandles="1" noChangeArrowheads="1" noChangeShapeType="1" noTextEdit="1"/>
-              </p:cNvSpPr>
-              <p:nvPr>
-                <p:ph idx="1"/>
-              </p:nvPr>
-            </p:nvSpPr>
-            <p:spPr>
-              <a:blipFill rotWithShape="0">
-                <a:blip r:embed="rId2"/>
-                <a:stretch>
-                  <a:fillRect l="-142" t="-942" b="-942"/>
-                </a:stretch>
-              </a:blipFill>
-            </p:spPr>
-            <p:txBody>
-              <a:bodyPr/>
-              <a:lstStyle/>
-              <a:p>
-                <a:r>
-                  <a:rPr lang="en-GB">
-                    <a:noFill/>
-                  </a:rPr>
-                  <a:t> </a:t>
-                </a:r>
-              </a:p>
-            </p:txBody>
-          </p:sp>
-        </mc:Fallback>
-      </mc:AlternateContent>
       <p:sp>
         <p:nvSpPr>
           <p:cNvPr id="4" name="Footer Placeholder 3"/>
@@ -17620,7 +17424,7 @@
           <a:p>
             <a:r>
               <a:rPr lang="it-IT"/>
-              <a:t>INFDEV026A - G. Costantini, F. Di Giacomo, G. Maggiore</a:t>
+              <a:t>INFDEV036A - G. Costantini, F. Di Giacomo</a:t>
             </a:r>
             <a:endParaRPr lang="en-GB"/>
           </a:p>
@@ -17629,7 +17433,7 @@
     </p:spTree>
     <p:extLst>
       <p:ext uri="{BB962C8B-B14F-4D97-AF65-F5344CB8AC3E}">
-        <p14:creationId xmlns:p14="http://schemas.microsoft.com/office/powerpoint/2010/main" val="3328934757"/>
+        <p14:creationId xmlns:p14="http://schemas.microsoft.com/office/powerpoint/2010/main" val="1939302049"/>
       </p:ext>
     </p:extLst>
   </p:cSld>
@@ -17757,7 +17561,7 @@
           <a:p>
             <a:r>
               <a:rPr lang="it-IT"/>
-              <a:t>INFDEV026A - G. Costantini, F. Di Giacomo, G. Maggiore</a:t>
+              <a:t>INFDEV036A - G. Costantini, F. Di Giacomo</a:t>
             </a:r>
             <a:endParaRPr lang="en-GB"/>
           </a:p>
@@ -17875,6 +17679,573 @@
           <a:chExt cx="0" cy="0"/>
         </a:xfrm>
       </p:grpSpPr>
+      <p:sp>
+        <p:nvSpPr>
+          <p:cNvPr id="2" name="Title 1"/>
+          <p:cNvSpPr>
+            <a:spLocks noGrp="1"/>
+          </p:cNvSpPr>
+          <p:nvPr>
+            <p:ph type="title"/>
+          </p:nvPr>
+        </p:nvSpPr>
+        <p:spPr/>
+        <p:txBody>
+          <a:bodyPr/>
+          <a:lstStyle/>
+          <a:p>
+            <a:r>
+              <a:rPr lang="en-GB" dirty="0"/>
+              <a:t>Merge sort </a:t>
+            </a:r>
+          </a:p>
+        </p:txBody>
+      </p:sp>
+      <mc:AlternateContent xmlns:mc="http://schemas.openxmlformats.org/markup-compatibility/2006" xmlns:a14="http://schemas.microsoft.com/office/drawing/2010/main">
+        <mc:Choice Requires="a14">
+          <p:sp>
+            <p:nvSpPr>
+              <p:cNvPr id="3" name="Content Placeholder 2"/>
+              <p:cNvSpPr>
+                <a:spLocks noGrp="1"/>
+              </p:cNvSpPr>
+              <p:nvPr>
+                <p:ph idx="1"/>
+              </p:nvPr>
+            </p:nvSpPr>
+            <p:spPr/>
+            <p:txBody>
+              <a:bodyPr>
+                <a:normAutofit/>
+              </a:bodyPr>
+              <a:lstStyle/>
+              <a:p>
+                <a:r>
+                  <a:rPr lang="en-GB" b="1" dirty="0"/>
+                  <a:t>Performance</a:t>
+                </a:r>
+              </a:p>
+              <a:p>
+                <a:pPr lvl="1"/>
+                <a14:m>
+                  <m:oMath xmlns:m="http://schemas.openxmlformats.org/officeDocument/2006/math">
+                    <m:r>
+                      <a:rPr lang="en-GB" b="0" i="1" smtClean="0">
+                        <a:latin typeface="Cambria Math" panose="02040503050406030204" pitchFamily="18" charset="0"/>
+                      </a:rPr>
+                      <m:t>𝑇</m:t>
+                    </m:r>
+                    <m:r>
+                      <a:rPr lang="en-GB" b="0" i="1" smtClean="0">
+                        <a:latin typeface="Cambria Math" panose="02040503050406030204" pitchFamily="18" charset="0"/>
+                      </a:rPr>
+                      <m:t>(</m:t>
+                    </m:r>
+                    <m:r>
+                      <a:rPr lang="en-GB" b="0" i="1" smtClean="0">
+                        <a:latin typeface="Cambria Math" panose="02040503050406030204" pitchFamily="18" charset="0"/>
+                      </a:rPr>
+                      <m:t>𝑛</m:t>
+                    </m:r>
+                    <m:r>
+                      <a:rPr lang="en-GB" b="0" i="1" smtClean="0">
+                        <a:latin typeface="Cambria Math" panose="02040503050406030204" pitchFamily="18" charset="0"/>
+                      </a:rPr>
+                      <m:t>)</m:t>
+                    </m:r>
+                  </m:oMath>
+                </a14:m>
+                <a:r>
+                  <a:rPr lang="en-GB" dirty="0"/>
+                  <a:t> </a:t>
+                </a:r>
+                <a:r>
+                  <a:rPr lang="en-GB" dirty="0">
+                    <a:sym typeface="Wingdings" panose="05000000000000000000" pitchFamily="2" charset="2"/>
+                  </a:rPr>
+                  <a:t> running time of Merge Sort on an input of size </a:t>
+                </a:r>
+                <a14:m>
+                  <m:oMath xmlns:m="http://schemas.openxmlformats.org/officeDocument/2006/math">
+                    <m:r>
+                      <a:rPr lang="en-GB" b="0" i="1" smtClean="0">
+                        <a:latin typeface="Cambria Math" panose="02040503050406030204" pitchFamily="18" charset="0"/>
+                        <a:sym typeface="Wingdings" panose="05000000000000000000" pitchFamily="2" charset="2"/>
+                      </a:rPr>
+                      <m:t>𝑛</m:t>
+                    </m:r>
+                  </m:oMath>
+                </a14:m>
+                <a:endParaRPr lang="en-GB" dirty="0"/>
+              </a:p>
+              <a:p>
+                <a:pPr lvl="1"/>
+                <a:r>
+                  <a:rPr lang="en-GB" dirty="0"/>
+                  <a:t>The total running time is the sum of…</a:t>
+                </a:r>
+              </a:p>
+              <a:p>
+                <a:pPr lvl="2"/>
+                <a:r>
+                  <a:rPr lang="en-GB" dirty="0"/>
+                  <a:t>[DIVIDE] compute the middle of the </a:t>
+                </a:r>
+                <a:r>
+                  <a:rPr lang="en-GB" dirty="0" err="1"/>
+                  <a:t>subarray</a:t>
+                </a:r>
+                <a:r>
+                  <a:rPr lang="en-GB" dirty="0"/>
+                  <a:t> </a:t>
+                </a:r>
+                <a:r>
+                  <a:rPr lang="en-GB" dirty="0">
+                    <a:sym typeface="Wingdings" panose="05000000000000000000" pitchFamily="2" charset="2"/>
+                  </a:rPr>
+                  <a:t> </a:t>
+                </a:r>
+                <a14:m>
+                  <m:oMath xmlns:m="http://schemas.openxmlformats.org/officeDocument/2006/math">
+                    <m:r>
+                      <a:rPr lang="en-GB">
+                        <a:latin typeface="Cambria Math" panose="02040503050406030204" pitchFamily="18" charset="0"/>
+                        <a:sym typeface="Wingdings" panose="05000000000000000000" pitchFamily="2" charset="2"/>
+                      </a:rPr>
+                      <m:t>𝑂</m:t>
+                    </m:r>
+                    <m:r>
+                      <a:rPr lang="en-GB">
+                        <a:latin typeface="Cambria Math" panose="02040503050406030204" pitchFamily="18" charset="0"/>
+                        <a:sym typeface="Wingdings" panose="05000000000000000000" pitchFamily="2" charset="2"/>
+                      </a:rPr>
+                      <m:t>(1)</m:t>
+                    </m:r>
+                  </m:oMath>
+                </a14:m>
+                <a:endParaRPr lang="en-GB" dirty="0"/>
+              </a:p>
+              <a:p>
+                <a:pPr lvl="2"/>
+                <a:r>
+                  <a:rPr lang="en-GB" dirty="0"/>
+                  <a:t>[CONQUER] recursively solve the two sub-problems, each of size </a:t>
+                </a:r>
+                <a14:m>
+                  <m:oMath xmlns:m="http://schemas.openxmlformats.org/officeDocument/2006/math">
+                    <m:f>
+                      <m:fPr>
+                        <m:ctrlPr>
+                          <a:rPr lang="en-GB" i="1">
+                            <a:latin typeface="Cambria Math" panose="02040503050406030204" pitchFamily="18" charset="0"/>
+                          </a:rPr>
+                        </m:ctrlPr>
+                      </m:fPr>
+                      <m:num>
+                        <m:r>
+                          <a:rPr lang="en-GB" i="1">
+                            <a:latin typeface="Cambria Math" panose="02040503050406030204" pitchFamily="18" charset="0"/>
+                          </a:rPr>
+                          <m:t>𝑛</m:t>
+                        </m:r>
+                      </m:num>
+                      <m:den>
+                        <m:r>
+                          <a:rPr lang="en-GB" i="1">
+                            <a:latin typeface="Cambria Math" panose="02040503050406030204" pitchFamily="18" charset="0"/>
+                          </a:rPr>
+                          <m:t>2</m:t>
+                        </m:r>
+                      </m:den>
+                    </m:f>
+                  </m:oMath>
+                </a14:m>
+                <a:r>
+                  <a:rPr lang="en-GB" dirty="0"/>
+                  <a:t> </a:t>
+                </a:r>
+                <a:r>
+                  <a:rPr lang="en-GB" dirty="0">
+                    <a:sym typeface="Wingdings" panose="05000000000000000000" pitchFamily="2" charset="2"/>
+                  </a:rPr>
+                  <a:t></a:t>
+                </a:r>
+                <a:r>
+                  <a:rPr lang="en-GB" dirty="0"/>
+                  <a:t> </a:t>
+                </a:r>
+                <a14:m>
+                  <m:oMath xmlns:m="http://schemas.openxmlformats.org/officeDocument/2006/math">
+                    <m:r>
+                      <a:rPr lang="en-GB" b="0" i="0" smtClean="0">
+                        <a:latin typeface="Cambria Math" panose="02040503050406030204" pitchFamily="18" charset="0"/>
+                      </a:rPr>
+                      <m:t>2</m:t>
+                    </m:r>
+                    <m:r>
+                      <a:rPr lang="en-GB" b="0" i="1" smtClean="0">
+                        <a:latin typeface="Cambria Math" panose="02040503050406030204" pitchFamily="18" charset="0"/>
+                      </a:rPr>
+                      <m:t>×</m:t>
+                    </m:r>
+                    <m:r>
+                      <a:rPr lang="en-GB" b="0" i="1" smtClean="0">
+                        <a:latin typeface="Cambria Math" panose="02040503050406030204" pitchFamily="18" charset="0"/>
+                      </a:rPr>
+                      <m:t>𝑇</m:t>
+                    </m:r>
+                    <m:d>
+                      <m:dPr>
+                        <m:ctrlPr>
+                          <a:rPr lang="en-GB" b="0" i="1" smtClean="0">
+                            <a:latin typeface="Cambria Math" panose="02040503050406030204" pitchFamily="18" charset="0"/>
+                          </a:rPr>
+                        </m:ctrlPr>
+                      </m:dPr>
+                      <m:e>
+                        <m:f>
+                          <m:fPr>
+                            <m:ctrlPr>
+                              <a:rPr lang="en-GB" b="0" i="1" smtClean="0">
+                                <a:latin typeface="Cambria Math" panose="02040503050406030204" pitchFamily="18" charset="0"/>
+                              </a:rPr>
+                            </m:ctrlPr>
+                          </m:fPr>
+                          <m:num>
+                            <m:r>
+                              <a:rPr lang="en-GB" b="0" i="1" smtClean="0">
+                                <a:latin typeface="Cambria Math" panose="02040503050406030204" pitchFamily="18" charset="0"/>
+                              </a:rPr>
+                              <m:t>𝑛</m:t>
+                            </m:r>
+                          </m:num>
+                          <m:den>
+                            <m:r>
+                              <a:rPr lang="en-GB" b="0" i="1" smtClean="0">
+                                <a:latin typeface="Cambria Math" panose="02040503050406030204" pitchFamily="18" charset="0"/>
+                              </a:rPr>
+                              <m:t>2</m:t>
+                            </m:r>
+                          </m:den>
+                        </m:f>
+                      </m:e>
+                    </m:d>
+                  </m:oMath>
+                </a14:m>
+                <a:endParaRPr lang="en-GB" b="0" dirty="0">
+                  <a:latin typeface="Cambria Math" panose="02040503050406030204" pitchFamily="18" charset="0"/>
+                </a:endParaRPr>
+              </a:p>
+              <a:p>
+                <a:pPr lvl="2"/>
+                <a:r>
+                  <a:rPr lang="en-GB" dirty="0"/>
+                  <a:t>[COMBINE] </a:t>
+                </a:r>
+                <a14:m>
+                  <m:oMath xmlns:m="http://schemas.openxmlformats.org/officeDocument/2006/math">
+                    <m:r>
+                      <a:rPr lang="en-GB" b="0" i="1" smtClean="0">
+                        <a:latin typeface="Cambria Math" panose="02040503050406030204" pitchFamily="18" charset="0"/>
+                      </a:rPr>
+                      <m:t>𝑛</m:t>
+                    </m:r>
+                  </m:oMath>
+                </a14:m>
+                <a:r>
+                  <a:rPr lang="en-GB" dirty="0"/>
+                  <a:t> iterations of the loop, each of which takes constant time</a:t>
+                </a:r>
+                <a:r>
+                  <a:rPr lang="en-GB" b="0" dirty="0"/>
+                  <a:t> </a:t>
+                </a:r>
+                <a:r>
+                  <a:rPr lang="en-GB" b="0" dirty="0">
+                    <a:sym typeface="Wingdings" panose="05000000000000000000" pitchFamily="2" charset="2"/>
+                  </a:rPr>
+                  <a:t> </a:t>
+                </a:r>
+                <a14:m>
+                  <m:oMath xmlns:m="http://schemas.openxmlformats.org/officeDocument/2006/math">
+                    <m:r>
+                      <a:rPr lang="en-GB" b="0" i="1" smtClean="0">
+                        <a:latin typeface="Cambria Math" panose="02040503050406030204" pitchFamily="18" charset="0"/>
+                      </a:rPr>
+                      <m:t>𝑂</m:t>
+                    </m:r>
+                    <m:r>
+                      <a:rPr lang="en-GB" b="0" i="1" smtClean="0">
+                        <a:latin typeface="Cambria Math" panose="02040503050406030204" pitchFamily="18" charset="0"/>
+                      </a:rPr>
+                      <m:t>(</m:t>
+                    </m:r>
+                    <m:r>
+                      <a:rPr lang="en-GB" b="0" i="1" smtClean="0">
+                        <a:latin typeface="Cambria Math" panose="02040503050406030204" pitchFamily="18" charset="0"/>
+                      </a:rPr>
+                      <m:t>𝑛</m:t>
+                    </m:r>
+                    <m:r>
+                      <a:rPr lang="en-GB" b="0" i="1" smtClean="0">
+                        <a:latin typeface="Cambria Math" panose="02040503050406030204" pitchFamily="18" charset="0"/>
+                      </a:rPr>
+                      <m:t>)</m:t>
+                    </m:r>
+                  </m:oMath>
+                </a14:m>
+                <a:endParaRPr lang="en-GB" b="0" i="1" dirty="0">
+                  <a:latin typeface="Cambria Math" panose="02040503050406030204" pitchFamily="18" charset="0"/>
+                </a:endParaRPr>
+              </a:p>
+              <a:p>
+                <a:pPr lvl="2"/>
+                <a:endParaRPr lang="en-GB" b="0" i="1" dirty="0">
+                  <a:latin typeface="Cambria Math" panose="02040503050406030204" pitchFamily="18" charset="0"/>
+                </a:endParaRPr>
+              </a:p>
+              <a:p>
+                <a:pPr marL="914400" lvl="2" indent="0">
+                  <a:buNone/>
+                </a:pPr>
+                <a14:m>
+                  <m:oMathPara xmlns:m="http://schemas.openxmlformats.org/officeDocument/2006/math">
+                    <m:oMathParaPr>
+                      <m:jc m:val="centerGroup"/>
+                    </m:oMathParaPr>
+                    <m:oMath xmlns:m="http://schemas.openxmlformats.org/officeDocument/2006/math">
+                      <m:r>
+                        <a:rPr lang="en-GB" sz="2000" b="1" i="1" smtClean="0">
+                          <a:latin typeface="Cambria Math" panose="02040503050406030204" pitchFamily="18" charset="0"/>
+                        </a:rPr>
+                        <m:t>𝑻</m:t>
+                      </m:r>
+                      <m:d>
+                        <m:dPr>
+                          <m:ctrlPr>
+                            <a:rPr lang="en-GB" sz="2000" b="1" i="1" smtClean="0">
+                              <a:latin typeface="Cambria Math" panose="02040503050406030204" pitchFamily="18" charset="0"/>
+                            </a:rPr>
+                          </m:ctrlPr>
+                        </m:dPr>
+                        <m:e>
+                          <m:r>
+                            <a:rPr lang="en-GB" sz="2000" b="1" i="1" smtClean="0">
+                              <a:latin typeface="Cambria Math" panose="02040503050406030204" pitchFamily="18" charset="0"/>
+                            </a:rPr>
+                            <m:t>𝒏</m:t>
+                          </m:r>
+                        </m:e>
+                      </m:d>
+                      <m:r>
+                        <a:rPr lang="en-GB" sz="2000" b="1" i="1" smtClean="0">
+                          <a:latin typeface="Cambria Math" panose="02040503050406030204" pitchFamily="18" charset="0"/>
+                        </a:rPr>
+                        <m:t>=</m:t>
+                      </m:r>
+                      <m:r>
+                        <a:rPr lang="en-GB" sz="2000" b="1" i="1" smtClean="0">
+                          <a:latin typeface="Cambria Math" panose="02040503050406030204" pitchFamily="18" charset="0"/>
+                        </a:rPr>
+                        <m:t>𝟐</m:t>
+                      </m:r>
+                      <m:r>
+                        <a:rPr lang="en-GB" sz="2000" b="1" i="1" smtClean="0">
+                          <a:latin typeface="Cambria Math" panose="02040503050406030204" pitchFamily="18" charset="0"/>
+                        </a:rPr>
+                        <m:t>×</m:t>
+                      </m:r>
+                      <m:r>
+                        <a:rPr lang="en-GB" sz="2000" b="1" i="1" smtClean="0">
+                          <a:latin typeface="Cambria Math" panose="02040503050406030204" pitchFamily="18" charset="0"/>
+                        </a:rPr>
+                        <m:t>𝑻</m:t>
+                      </m:r>
+                      <m:d>
+                        <m:dPr>
+                          <m:ctrlPr>
+                            <a:rPr lang="en-GB" sz="2000" b="1" i="1" smtClean="0">
+                              <a:latin typeface="Cambria Math" panose="02040503050406030204" pitchFamily="18" charset="0"/>
+                            </a:rPr>
+                          </m:ctrlPr>
+                        </m:dPr>
+                        <m:e>
+                          <m:f>
+                            <m:fPr>
+                              <m:ctrlPr>
+                                <a:rPr lang="en-GB" sz="2000" b="1" i="1" smtClean="0">
+                                  <a:latin typeface="Cambria Math" panose="02040503050406030204" pitchFamily="18" charset="0"/>
+                                </a:rPr>
+                              </m:ctrlPr>
+                            </m:fPr>
+                            <m:num>
+                              <m:r>
+                                <a:rPr lang="en-GB" sz="2000" b="1" i="1" smtClean="0">
+                                  <a:latin typeface="Cambria Math" panose="02040503050406030204" pitchFamily="18" charset="0"/>
+                                </a:rPr>
+                                <m:t>𝒏</m:t>
+                              </m:r>
+                            </m:num>
+                            <m:den>
+                              <m:r>
+                                <a:rPr lang="en-GB" sz="2000" b="1" i="1" smtClean="0">
+                                  <a:latin typeface="Cambria Math" panose="02040503050406030204" pitchFamily="18" charset="0"/>
+                                </a:rPr>
+                                <m:t>𝟐</m:t>
+                              </m:r>
+                            </m:den>
+                          </m:f>
+                        </m:e>
+                      </m:d>
+                      <m:r>
+                        <a:rPr lang="en-GB" sz="2000" b="1" i="1" smtClean="0">
+                          <a:latin typeface="Cambria Math" panose="02040503050406030204" pitchFamily="18" charset="0"/>
+                        </a:rPr>
+                        <m:t>+</m:t>
+                      </m:r>
+                      <m:r>
+                        <a:rPr lang="en-GB" sz="2000" b="1" i="1" smtClean="0">
+                          <a:latin typeface="Cambria Math" panose="02040503050406030204" pitchFamily="18" charset="0"/>
+                        </a:rPr>
+                        <m:t>𝒏</m:t>
+                      </m:r>
+                    </m:oMath>
+                  </m:oMathPara>
+                </a14:m>
+                <a:endParaRPr lang="en-GB" sz="2000" b="1" dirty="0"/>
+              </a:p>
+              <a:p>
+                <a:pPr lvl="1"/>
+                <a:r>
+                  <a:rPr lang="en-GB" dirty="0"/>
+                  <a:t>To solve this recurrence, we would need the “master theorem”…</a:t>
+                </a:r>
+              </a:p>
+              <a:p>
+                <a:pPr lvl="1"/>
+                <a:r>
+                  <a:rPr lang="en-GB" dirty="0"/>
+                  <a:t>… here only intuition! (</a:t>
+                </a:r>
+                <a:r>
+                  <a:rPr lang="en-GB" dirty="0" err="1"/>
+                  <a:t>pfiuuuuu</a:t>
+                </a:r>
+                <a:r>
+                  <a:rPr lang="en-GB" dirty="0"/>
+                  <a:t> </a:t>
+                </a:r>
+                <a:r>
+                  <a:rPr lang="en-GB" dirty="0">
+                    <a:sym typeface="Wingdings" panose="05000000000000000000" pitchFamily="2" charset="2"/>
+                  </a:rPr>
+                  <a:t></a:t>
+                </a:r>
+                <a:r>
+                  <a:rPr lang="en-GB" dirty="0"/>
+                  <a:t>)</a:t>
+                </a:r>
+              </a:p>
+              <a:p>
+                <a:pPr marL="914400" lvl="2" indent="0">
+                  <a:buNone/>
+                </a:pPr>
+                <a:endParaRPr lang="en-GB" sz="2000" b="1" dirty="0"/>
+              </a:p>
+              <a:p>
+                <a:pPr lvl="3"/>
+                <a:endParaRPr lang="en-GB" dirty="0"/>
+              </a:p>
+            </p:txBody>
+          </p:sp>
+        </mc:Choice>
+        <mc:Fallback xmlns="">
+          <p:sp>
+            <p:nvSpPr>
+              <p:cNvPr id="3" name="Content Placeholder 2"/>
+              <p:cNvSpPr>
+                <a:spLocks noGrp="1" noRot="1" noChangeAspect="1" noMove="1" noResize="1" noEditPoints="1" noAdjustHandles="1" noChangeArrowheads="1" noChangeShapeType="1" noTextEdit="1"/>
+              </p:cNvSpPr>
+              <p:nvPr>
+                <p:ph idx="1"/>
+              </p:nvPr>
+            </p:nvSpPr>
+            <p:spPr>
+              <a:blipFill rotWithShape="0">
+                <a:blip r:embed="rId2"/>
+                <a:stretch>
+                  <a:fillRect l="-142" t="-942" b="-942"/>
+                </a:stretch>
+              </a:blipFill>
+            </p:spPr>
+            <p:txBody>
+              <a:bodyPr/>
+              <a:lstStyle/>
+              <a:p>
+                <a:r>
+                  <a:rPr lang="en-GB">
+                    <a:noFill/>
+                  </a:rPr>
+                  <a:t> </a:t>
+                </a:r>
+              </a:p>
+            </p:txBody>
+          </p:sp>
+        </mc:Fallback>
+      </mc:AlternateContent>
+      <p:sp>
+        <p:nvSpPr>
+          <p:cNvPr id="4" name="Footer Placeholder 3"/>
+          <p:cNvSpPr>
+            <a:spLocks noGrp="1"/>
+          </p:cNvSpPr>
+          <p:nvPr>
+            <p:ph type="ftr" sz="quarter" idx="11"/>
+          </p:nvPr>
+        </p:nvSpPr>
+        <p:spPr/>
+        <p:txBody>
+          <a:bodyPr/>
+          <a:lstStyle/>
+          <a:p>
+            <a:r>
+              <a:rPr lang="it-IT"/>
+              <a:t>INFDEV036A - G. Costantini, F. Di Giacomo</a:t>
+            </a:r>
+            <a:endParaRPr lang="en-GB"/>
+          </a:p>
+        </p:txBody>
+      </p:sp>
+    </p:spTree>
+    <p:extLst>
+      <p:ext uri="{BB962C8B-B14F-4D97-AF65-F5344CB8AC3E}">
+        <p14:creationId xmlns:p14="http://schemas.microsoft.com/office/powerpoint/2010/main" val="3328934757"/>
+      </p:ext>
+    </p:extLst>
+  </p:cSld>
+  <p:clrMapOvr>
+    <a:masterClrMapping/>
+  </p:clrMapOvr>
+</p:sld>
+</file>
+
+<file path=ppt/slides/slide41.xml><?xml version="1.0" encoding="utf-8"?>
+<p:sld xmlns:a="http://schemas.openxmlformats.org/drawingml/2006/main" xmlns:r="http://schemas.openxmlformats.org/officeDocument/2006/relationships" xmlns:p="http://schemas.openxmlformats.org/presentationml/2006/main">
+  <p:cSld>
+    <p:spTree>
+      <p:nvGrpSpPr>
+        <p:cNvPr id="1" name=""/>
+        <p:cNvGrpSpPr/>
+        <p:nvPr/>
+      </p:nvGrpSpPr>
+      <p:grpSpPr>
+        <a:xfrm>
+          <a:off x="0" y="0"/>
+          <a:ext cx="0" cy="0"/>
+          <a:chOff x="0" y="0"/>
+          <a:chExt cx="0" cy="0"/>
+        </a:xfrm>
+      </p:grpSpPr>
       <p:pic>
         <p:nvPicPr>
           <p:cNvPr id="5" name="Picture 4"/>
@@ -18157,7 +18528,7 @@
           <a:p>
             <a:r>
               <a:rPr lang="it-IT"/>
-              <a:t>INFDEV026A - G. Costantini, F. Di Giacomo, G. Maggiore</a:t>
+              <a:t>INFDEV036A - G. Costantini, F. Di Giacomo</a:t>
             </a:r>
             <a:endParaRPr lang="en-GB"/>
           </a:p>
@@ -18176,7 +18547,7 @@
 </p:sld>
 </file>
 
-<file path=ppt/slides/slide41.xml><?xml version="1.0" encoding="utf-8"?>
+<file path=ppt/slides/slide42.xml><?xml version="1.0" encoding="utf-8"?>
 <p:sld xmlns:a="http://schemas.openxmlformats.org/drawingml/2006/main" xmlns:r="http://schemas.openxmlformats.org/officeDocument/2006/relationships" xmlns:p="http://schemas.openxmlformats.org/presentationml/2006/main">
   <p:cSld>
     <p:spTree>
@@ -18738,7 +19109,7 @@
           <a:p>
             <a:r>
               <a:rPr lang="it-IT"/>
-              <a:t>INFDEV026A - G. Costantini, F. Di Giacomo, G. Maggiore</a:t>
+              <a:t>INFDEV036A - G. Costantini, F. Di Giacomo</a:t>
             </a:r>
             <a:endParaRPr lang="en-GB"/>
           </a:p>
@@ -18757,7 +19128,7 @@
 </p:sld>
 </file>
 
-<file path=ppt/slides/slide42.xml><?xml version="1.0" encoding="utf-8"?>
+<file path=ppt/slides/slide43.xml><?xml version="1.0" encoding="utf-8"?>
 <p:sld xmlns:a="http://schemas.openxmlformats.org/drawingml/2006/main" xmlns:r="http://schemas.openxmlformats.org/officeDocument/2006/relationships" xmlns:p="http://schemas.openxmlformats.org/presentationml/2006/main">
   <p:cSld>
     <p:spTree>
@@ -19274,7 +19645,7 @@
           <a:p>
             <a:r>
               <a:rPr lang="it-IT"/>
-              <a:t>INFDEV026A - G. Costantini, F. Di Giacomo, G. Maggiore</a:t>
+              <a:t>INFDEV036A - G. Costantini, F. Di Giacomo</a:t>
             </a:r>
             <a:endParaRPr lang="en-GB"/>
           </a:p>
@@ -19293,7 +19664,7 @@
 </p:sld>
 </file>
 
-<file path=ppt/slides/slide43.xml><?xml version="1.0" encoding="utf-8"?>
+<file path=ppt/slides/slide44.xml><?xml version="1.0" encoding="utf-8"?>
 <p:sld xmlns:a="http://schemas.openxmlformats.org/drawingml/2006/main" xmlns:r="http://schemas.openxmlformats.org/officeDocument/2006/relationships" xmlns:p="http://schemas.openxmlformats.org/presentationml/2006/main">
   <p:cSld>
     <p:spTree>
@@ -19705,7 +20076,7 @@
           <a:p>
             <a:r>
               <a:rPr lang="it-IT"/>
-              <a:t>INFDEV026A - G. Costantini, F. Di Giacomo, G. Maggiore</a:t>
+              <a:t>INFDEV036A - G. Costantini, F. Di Giacomo</a:t>
             </a:r>
             <a:endParaRPr lang="en-GB"/>
           </a:p>
@@ -19765,7 +20136,7 @@
 </p:sld>
 </file>
 
-<file path=ppt/slides/slide44.xml><?xml version="1.0" encoding="utf-8"?>
+<file path=ppt/slides/slide45.xml><?xml version="1.0" encoding="utf-8"?>
 <p:sld xmlns:a="http://schemas.openxmlformats.org/drawingml/2006/main" xmlns:r="http://schemas.openxmlformats.org/officeDocument/2006/relationships" xmlns:p="http://schemas.openxmlformats.org/presentationml/2006/main">
   <p:cSld>
     <p:spTree>
@@ -20172,7 +20543,7 @@
           <a:p>
             <a:r>
               <a:rPr lang="it-IT"/>
-              <a:t>INFDEV026A - G. Costantini, F. Di Giacomo, G. Maggiore</a:t>
+              <a:t>INFDEV036A - G. Costantini, F. Di Giacomo</a:t>
             </a:r>
             <a:endParaRPr lang="en-GB"/>
           </a:p>
@@ -20330,7 +20701,7 @@
 </p:sld>
 </file>
 
-<file path=ppt/slides/slide45.xml><?xml version="1.0" encoding="utf-8"?>
+<file path=ppt/slides/slide46.xml><?xml version="1.0" encoding="utf-8"?>
 <p:sld xmlns:a="http://schemas.openxmlformats.org/drawingml/2006/main" xmlns:r="http://schemas.openxmlformats.org/officeDocument/2006/relationships" xmlns:p="http://schemas.openxmlformats.org/presentationml/2006/main">
   <p:cSld>
     <p:spTree>
@@ -20379,12 +20750,7 @@
             <p:ph idx="1"/>
           </p:nvPr>
         </p:nvSpPr>
-        <p:spPr>
-          <a:xfrm>
-            <a:off x="677334" y="2160589"/>
-            <a:ext cx="8596668" cy="4245898"/>
-          </a:xfrm>
-        </p:spPr>
+        <p:spPr/>
         <p:txBody>
           <a:bodyPr>
             <a:normAutofit/>
@@ -20392,8 +20758,35 @@
           <a:lstStyle/>
           <a:p>
             <a:r>
-              <a:rPr lang="en-GB" dirty="0"/>
-              <a:t>Implement the two sorting algorithms</a:t>
+              <a:rPr lang="en-GB" dirty="0">
+                <a:sym typeface="Wingdings" panose="05000000000000000000" pitchFamily="2" charset="2"/>
+              </a:rPr>
+              <a:t>Study the slides </a:t>
+            </a:r>
+          </a:p>
+          <a:p>
+            <a:r>
+              <a:rPr lang="en-GB" dirty="0">
+                <a:sym typeface="Wingdings" panose="05000000000000000000" pitchFamily="2" charset="2"/>
+              </a:rPr>
+              <a:t>Multiple choice questions on </a:t>
+            </a:r>
+            <a:r>
+              <a:rPr lang="en-GB" dirty="0" err="1">
+                <a:sym typeface="Wingdings" panose="05000000000000000000" pitchFamily="2" charset="2"/>
+              </a:rPr>
+              <a:t>GrandeOmega</a:t>
+            </a:r>
+            <a:endParaRPr lang="en-GB" dirty="0">
+              <a:sym typeface="Wingdings" panose="05000000000000000000" pitchFamily="2" charset="2"/>
+            </a:endParaRPr>
+          </a:p>
+          <a:p>
+            <a:r>
+              <a:rPr lang="en-GB" dirty="0">
+                <a:sym typeface="Wingdings" panose="05000000000000000000" pitchFamily="2" charset="2"/>
+              </a:rPr>
+              <a:t>Implement the two sorting algorithms (Insertion sort and Merge sort)</a:t>
             </a:r>
           </a:p>
           <a:p>
@@ -20409,21 +20802,32 @@
           </a:p>
           <a:p>
             <a:pPr lvl="1"/>
-            <a:endParaRPr lang="en-GB" dirty="0">
-              <a:solidFill>
-                <a:srgbClr val="FF0000"/>
-              </a:solidFill>
-            </a:endParaRPr>
-          </a:p>
-          <a:p>
-            <a:r>
-              <a:rPr lang="en-GB" b="1" dirty="0">
-                <a:solidFill>
-                  <a:srgbClr val="FF0000"/>
-                </a:solidFill>
+            <a:r>
+              <a:rPr lang="en-GB" dirty="0"/>
+              <a:t>Implement also Bubble sort</a:t>
+            </a:r>
+          </a:p>
+          <a:p>
+            <a:pPr lvl="1"/>
+            <a:endParaRPr lang="en-GB" dirty="0"/>
+          </a:p>
+          <a:p>
+            <a:r>
+              <a:rPr lang="en-GB" dirty="0"/>
+              <a:t>… See you next week </a:t>
+            </a:r>
+            <a:r>
+              <a:rPr lang="en-GB" dirty="0">
+                <a:sym typeface="Wingdings" panose="05000000000000000000" pitchFamily="2" charset="2"/>
               </a:rPr>
-              <a:t>START WITH THE FIRST EXERCISE OF THE PRACTICAL ASSIGNMENT!</a:t>
-            </a:r>
+              <a:t></a:t>
+            </a:r>
+          </a:p>
+          <a:p>
+            <a:pPr marL="0" indent="0">
+              <a:buNone/>
+            </a:pPr>
+            <a:endParaRPr lang="en-GB" dirty="0"/>
           </a:p>
         </p:txBody>
       </p:sp>
@@ -20444,7 +20848,7 @@
           <a:p>
             <a:r>
               <a:rPr lang="it-IT"/>
-              <a:t>INFDEV026A - G. Costantini, F. Di Giacomo, G. Maggiore</a:t>
+              <a:t>INFDEV036A - G. Costantini, F. Di Giacomo</a:t>
             </a:r>
             <a:endParaRPr lang="en-GB"/>
           </a:p>
@@ -20626,7 +21030,7 @@
           <a:p>
             <a:r>
               <a:rPr lang="it-IT"/>
-              <a:t>INFDEV026A - G. Costantini, F. Di Giacomo, G. Maggiore</a:t>
+              <a:t>INFDEV036A - G. Costantini, F. Di Giacomo</a:t>
             </a:r>
             <a:endParaRPr lang="en-GB"/>
           </a:p>
@@ -20954,7 +21358,7 @@
           <a:p>
             <a:r>
               <a:rPr lang="it-IT"/>
-              <a:t>INFDEV026A - G. Costantini, F. Di Giacomo, G. Maggiore</a:t>
+              <a:t>INFDEV036A - G. Costantini, F. Di Giacomo</a:t>
             </a:r>
             <a:endParaRPr lang="en-GB"/>
           </a:p>
@@ -21376,7 +21780,7 @@
           <a:p>
             <a:r>
               <a:rPr lang="it-IT"/>
-              <a:t>INFDEV026A - G. Costantini, F. Di Giacomo, G. Maggiore</a:t>
+              <a:t>INFDEV036A - G. Costantini, F. Di Giacomo</a:t>
             </a:r>
             <a:endParaRPr lang="en-GB"/>
           </a:p>
@@ -21736,7 +22140,7 @@
           <a:p>
             <a:r>
               <a:rPr lang="it-IT"/>
-              <a:t>INFDEV026A - G. Costantini, F. Di Giacomo, G. Maggiore</a:t>
+              <a:t>INFDEV036A - G. Costantini, F. Di Giacomo</a:t>
             </a:r>
             <a:endParaRPr lang="en-GB"/>
           </a:p>

--- a/Lesson slides/Unit 2 - Sorting algorithms.pptx
+++ b/Lesson slides/Unit 2 - Sorting algorithms.pptx
@@ -18,20 +18,20 @@
     <p:sldId id="350" r:id="rId9"/>
     <p:sldId id="310" r:id="rId10"/>
     <p:sldId id="311" r:id="rId11"/>
-    <p:sldId id="349" r:id="rId12"/>
-    <p:sldId id="314" r:id="rId13"/>
-    <p:sldId id="316" r:id="rId14"/>
-    <p:sldId id="318" r:id="rId15"/>
-    <p:sldId id="317" r:id="rId16"/>
-    <p:sldId id="320" r:id="rId17"/>
-    <p:sldId id="322" r:id="rId18"/>
-    <p:sldId id="323" r:id="rId19"/>
-    <p:sldId id="319" r:id="rId20"/>
-    <p:sldId id="321" r:id="rId21"/>
-    <p:sldId id="327" r:id="rId22"/>
-    <p:sldId id="325" r:id="rId23"/>
-    <p:sldId id="329" r:id="rId24"/>
-    <p:sldId id="340" r:id="rId25"/>
+    <p:sldId id="314" r:id="rId12"/>
+    <p:sldId id="316" r:id="rId13"/>
+    <p:sldId id="318" r:id="rId14"/>
+    <p:sldId id="317" r:id="rId15"/>
+    <p:sldId id="320" r:id="rId16"/>
+    <p:sldId id="322" r:id="rId17"/>
+    <p:sldId id="323" r:id="rId18"/>
+    <p:sldId id="319" r:id="rId19"/>
+    <p:sldId id="321" r:id="rId20"/>
+    <p:sldId id="327" r:id="rId21"/>
+    <p:sldId id="325" r:id="rId22"/>
+    <p:sldId id="329" r:id="rId23"/>
+    <p:sldId id="340" r:id="rId24"/>
+    <p:sldId id="349" r:id="rId25"/>
     <p:sldId id="353" r:id="rId26"/>
     <p:sldId id="312" r:id="rId27"/>
     <p:sldId id="313" r:id="rId28"/>
@@ -246,7 +246,7 @@
           <a:p>
             <a:fld id="{F314420D-16BA-4EDC-9A71-800590EAD5A3}" type="datetimeFigureOut">
               <a:rPr lang="en-GB" smtClean="0"/>
-              <a:t>20/11/2017</a:t>
+              <a:t>23/11/2017</a:t>
             </a:fld>
             <a:endParaRPr lang="en-GB"/>
           </a:p>
@@ -806,7 +806,7 @@
           <a:p>
             <a:fld id="{29573B9A-66FB-4A63-BCD5-E140B9429FD2}" type="slidenum">
               <a:rPr lang="en-GB" smtClean="0"/>
-              <a:t>14</a:t>
+              <a:t>13</a:t>
             </a:fld>
             <a:endParaRPr lang="en-GB"/>
           </a:p>
@@ -1551,7 +1551,7 @@
           <a:p>
             <a:fld id="{F684358F-5A8D-46F5-A4F4-9916ECB46847}" type="datetime1">
               <a:rPr lang="en-GB" smtClean="0"/>
-              <a:t>20/11/2017</a:t>
+              <a:t>23/11/2017</a:t>
             </a:fld>
             <a:endParaRPr lang="en-GB"/>
           </a:p>
@@ -1806,7 +1806,7 @@
           <a:p>
             <a:fld id="{194D2BD8-08C5-43F0-A6EA-07187D749947}" type="datetime1">
               <a:rPr lang="en-GB" smtClean="0"/>
-              <a:t>20/11/2017</a:t>
+              <a:t>23/11/2017</a:t>
             </a:fld>
             <a:endParaRPr lang="en-GB"/>
           </a:p>
@@ -2124,7 +2124,7 @@
           <a:p>
             <a:fld id="{2D8D4E04-40DC-4187-B310-DB612C5CED42}" type="datetime1">
               <a:rPr lang="en-GB" smtClean="0"/>
-              <a:t>20/11/2017</a:t>
+              <a:t>23/11/2017</a:t>
             </a:fld>
             <a:endParaRPr lang="en-GB"/>
           </a:p>
@@ -2455,7 +2455,7 @@
           <a:p>
             <a:fld id="{C23C8B5D-CF85-4985-A133-6C1E3B3ED983}" type="datetime1">
               <a:rPr lang="en-GB" smtClean="0"/>
-              <a:t>20/11/2017</a:t>
+              <a:t>23/11/2017</a:t>
             </a:fld>
             <a:endParaRPr lang="en-GB"/>
           </a:p>
@@ -2773,7 +2773,7 @@
           <a:p>
             <a:fld id="{625FC69D-FC2F-49BC-8FD1-A9BA7A58F6ED}" type="datetime1">
               <a:rPr lang="en-GB" smtClean="0"/>
-              <a:t>20/11/2017</a:t>
+              <a:t>23/11/2017</a:t>
             </a:fld>
             <a:endParaRPr lang="en-GB"/>
           </a:p>
@@ -3164,7 +3164,7 @@
           <a:p>
             <a:fld id="{153EB4E7-85E4-4754-9E9F-C3E17A76F11D}" type="datetime1">
               <a:rPr lang="en-GB" smtClean="0"/>
-              <a:t>20/11/2017</a:t>
+              <a:t>23/11/2017</a:t>
             </a:fld>
             <a:endParaRPr lang="en-GB"/>
           </a:p>
@@ -3338,7 +3338,7 @@
           <a:p>
             <a:fld id="{E1F1E81A-ED72-4708-ADB5-2F0283D39A1C}" type="datetime1">
               <a:rPr lang="en-GB" smtClean="0"/>
-              <a:t>20/11/2017</a:t>
+              <a:t>23/11/2017</a:t>
             </a:fld>
             <a:endParaRPr lang="en-GB"/>
           </a:p>
@@ -3522,7 +3522,7 @@
           <a:p>
             <a:fld id="{8B9B4761-69B0-4809-9570-AFF8CB97D952}" type="datetime1">
               <a:rPr lang="en-GB" smtClean="0"/>
-              <a:t>20/11/2017</a:t>
+              <a:t>23/11/2017</a:t>
             </a:fld>
             <a:endParaRPr lang="en-GB"/>
           </a:p>
@@ -3696,7 +3696,7 @@
           <a:p>
             <a:fld id="{956E0577-493C-43D8-A6FA-5BE2C58220B1}" type="datetime1">
               <a:rPr lang="en-GB" smtClean="0"/>
-              <a:t>20/11/2017</a:t>
+              <a:t>23/11/2017</a:t>
             </a:fld>
             <a:endParaRPr lang="en-GB"/>
           </a:p>
@@ -3947,7 +3947,7 @@
           <a:p>
             <a:fld id="{304D6F30-9825-4794-9545-D073367068F8}" type="datetime1">
               <a:rPr lang="en-GB" smtClean="0"/>
-              <a:t>20/11/2017</a:t>
+              <a:t>23/11/2017</a:t>
             </a:fld>
             <a:endParaRPr lang="en-GB"/>
           </a:p>
@@ -4183,7 +4183,7 @@
           <a:p>
             <a:fld id="{DBE2C86E-604C-4D60-828D-D12199E8B306}" type="datetime1">
               <a:rPr lang="en-GB" smtClean="0"/>
-              <a:t>20/11/2017</a:t>
+              <a:t>23/11/2017</a:t>
             </a:fld>
             <a:endParaRPr lang="en-GB"/>
           </a:p>
@@ -4561,7 +4561,7 @@
           <a:p>
             <a:fld id="{13EC04E0-B8AF-408E-9C33-E58446FD7352}" type="datetime1">
               <a:rPr lang="en-GB" smtClean="0"/>
-              <a:t>20/11/2017</a:t>
+              <a:t>23/11/2017</a:t>
             </a:fld>
             <a:endParaRPr lang="en-GB"/>
           </a:p>
@@ -4688,7 +4688,7 @@
           <a:p>
             <a:fld id="{9243573A-0A91-4FB4-8885-1EB4FE5B1E54}" type="datetime1">
               <a:rPr lang="en-GB" smtClean="0"/>
-              <a:t>20/11/2017</a:t>
+              <a:t>23/11/2017</a:t>
             </a:fld>
             <a:endParaRPr lang="en-GB"/>
           </a:p>
@@ -4787,7 +4787,7 @@
           <a:p>
             <a:fld id="{B4710004-43A1-4DBA-A644-554D1059FD1C}" type="datetime1">
               <a:rPr lang="en-GB" smtClean="0"/>
-              <a:t>20/11/2017</a:t>
+              <a:t>23/11/2017</a:t>
             </a:fld>
             <a:endParaRPr lang="en-GB"/>
           </a:p>
@@ -5046,7 +5046,7 @@
           <a:p>
             <a:fld id="{FC9720D1-9F76-4FA1-8657-AC1E8E0981A6}" type="datetime1">
               <a:rPr lang="en-GB" smtClean="0"/>
-              <a:t>20/11/2017</a:t>
+              <a:t>23/11/2017</a:t>
             </a:fld>
             <a:endParaRPr lang="en-GB"/>
           </a:p>
@@ -5313,7 +5313,7 @@
           <a:p>
             <a:fld id="{C8E20631-DE8B-4701-976E-E03410B1997C}" type="datetime1">
               <a:rPr lang="en-GB" smtClean="0"/>
-              <a:t>20/11/2017</a:t>
+              <a:t>23/11/2017</a:t>
             </a:fld>
             <a:endParaRPr lang="en-GB"/>
           </a:p>
@@ -6062,7 +6062,7 @@
           <a:p>
             <a:fld id="{B9424B04-571C-4D6B-BA35-700508E94D99}" type="datetime1">
               <a:rPr lang="en-GB" smtClean="0"/>
-              <a:t>20/11/2017</a:t>
+              <a:t>23/11/2017</a:t>
             </a:fld>
             <a:endParaRPr lang="en-GB"/>
           </a:p>
@@ -6657,7 +6657,12 @@
             <p:ph type="subTitle" idx="1"/>
           </p:nvPr>
         </p:nvSpPr>
-        <p:spPr/>
+        <p:spPr>
+          <a:xfrm>
+            <a:off x="1507067" y="4050833"/>
+            <a:ext cx="7766936" cy="1096899"/>
+          </a:xfrm>
+        </p:spPr>
         <p:txBody>
           <a:bodyPr>
             <a:normAutofit/>
@@ -6924,284 +6929,6 @@
           </a:p>
         </p:txBody>
       </p:sp>
-      <mc:AlternateContent xmlns:mc="http://schemas.openxmlformats.org/markup-compatibility/2006">
-        <mc:Choice xmlns:a14="http://schemas.microsoft.com/office/drawing/2010/main" Requires="a14">
-          <p:sp>
-            <p:nvSpPr>
-              <p:cNvPr id="3" name="Content Placeholder 2"/>
-              <p:cNvSpPr>
-                <a:spLocks noGrp="1"/>
-              </p:cNvSpPr>
-              <p:nvPr>
-                <p:ph idx="1"/>
-              </p:nvPr>
-            </p:nvSpPr>
-            <p:spPr>
-              <a:xfrm>
-                <a:off x="677333" y="1930401"/>
-                <a:ext cx="8815987" cy="4276436"/>
-              </a:xfrm>
-            </p:spPr>
-            <p:txBody>
-              <a:bodyPr>
-                <a:normAutofit/>
-              </a:bodyPr>
-              <a:lstStyle/>
-              <a:p>
-                <a:r>
-                  <a:rPr lang="en-GB" dirty="0"/>
-                  <a:t>Advantages </a:t>
-                </a:r>
-              </a:p>
-              <a:p>
-                <a:pPr lvl="1"/>
-                <a:r>
-                  <a:rPr lang="en-US" dirty="0"/>
-                  <a:t>very intuitive algorithm ; simple implementation </a:t>
-                </a:r>
-              </a:p>
-              <a:p>
-                <a:pPr lvl="1"/>
-                <a:r>
-                  <a:rPr lang="en-US" dirty="0"/>
-                  <a:t>efficient for (quite) small data sets</a:t>
-                </a:r>
-              </a:p>
-              <a:p>
-                <a:pPr lvl="2"/>
-                <a:r>
-                  <a:rPr lang="en-US" dirty="0"/>
-                  <a:t>very efficient for data sets that are already substantially sorted and more efficient in practice than most other simple quadratic (i.e., </a:t>
-                </a:r>
-                <a14:m>
-                  <m:oMath xmlns:m="http://schemas.openxmlformats.org/officeDocument/2006/math">
-                    <m:r>
-                      <a:rPr lang="en-US" i="1" dirty="0" smtClean="0">
-                        <a:latin typeface="Cambria Math" panose="02040503050406030204" pitchFamily="18" charset="0"/>
-                      </a:rPr>
-                      <m:t>𝑂</m:t>
-                    </m:r>
-                    <m:d>
-                      <m:dPr>
-                        <m:ctrlPr>
-                          <a:rPr lang="en-US" i="1" dirty="0" smtClean="0">
-                            <a:latin typeface="Cambria Math" panose="02040503050406030204" pitchFamily="18" charset="0"/>
-                          </a:rPr>
-                        </m:ctrlPr>
-                      </m:dPr>
-                      <m:e>
-                        <m:sSup>
-                          <m:sSupPr>
-                            <m:ctrlPr>
-                              <a:rPr lang="en-GB" b="0" i="1" dirty="0" smtClean="0">
-                                <a:latin typeface="Cambria Math" panose="02040503050406030204" pitchFamily="18" charset="0"/>
-                              </a:rPr>
-                            </m:ctrlPr>
-                          </m:sSupPr>
-                          <m:e>
-                            <m:r>
-                              <a:rPr lang="en-US" i="1" dirty="0" smtClean="0">
-                                <a:latin typeface="Cambria Math" panose="02040503050406030204" pitchFamily="18" charset="0"/>
-                              </a:rPr>
-                              <m:t>𝑛</m:t>
-                            </m:r>
-                          </m:e>
-                          <m:sup>
-                            <m:r>
-                              <a:rPr lang="en-US" i="1" dirty="0" smtClean="0">
-                                <a:latin typeface="Cambria Math" panose="02040503050406030204" pitchFamily="18" charset="0"/>
-                              </a:rPr>
-                              <m:t>2</m:t>
-                            </m:r>
-                          </m:sup>
-                        </m:sSup>
-                      </m:e>
-                    </m:d>
-                  </m:oMath>
-                </a14:m>
-                <a:r>
-                  <a:rPr lang="en-US" dirty="0"/>
-                  <a:t>) algorithms; the best case (nearly sorted input) is </a:t>
-                </a:r>
-                <a14:m>
-                  <m:oMath xmlns:m="http://schemas.openxmlformats.org/officeDocument/2006/math">
-                    <m:r>
-                      <a:rPr lang="en-US" i="1" dirty="0" smtClean="0">
-                        <a:latin typeface="Cambria Math" panose="02040503050406030204" pitchFamily="18" charset="0"/>
-                      </a:rPr>
-                      <m:t>𝑂</m:t>
-                    </m:r>
-                    <m:r>
-                      <a:rPr lang="en-US" i="1" dirty="0" smtClean="0">
-                        <a:latin typeface="Cambria Math" panose="02040503050406030204" pitchFamily="18" charset="0"/>
-                      </a:rPr>
-                      <m:t>(</m:t>
-                    </m:r>
-                    <m:r>
-                      <a:rPr lang="en-US" i="1" dirty="0" smtClean="0">
-                        <a:latin typeface="Cambria Math" panose="02040503050406030204" pitchFamily="18" charset="0"/>
-                      </a:rPr>
-                      <m:t>𝑛</m:t>
-                    </m:r>
-                    <m:r>
-                      <a:rPr lang="en-US" i="1" dirty="0" smtClean="0">
-                        <a:latin typeface="Cambria Math" panose="02040503050406030204" pitchFamily="18" charset="0"/>
-                      </a:rPr>
-                      <m:t>)</m:t>
-                    </m:r>
-                  </m:oMath>
-                </a14:m>
-                <a:endParaRPr lang="en-US" dirty="0"/>
-              </a:p>
-              <a:p>
-                <a:pPr lvl="1"/>
-                <a:r>
-                  <a:rPr lang="en-US" dirty="0"/>
-                  <a:t>stable</a:t>
-                </a:r>
-              </a:p>
-              <a:p>
-                <a:pPr lvl="1"/>
-                <a:r>
-                  <a:rPr lang="en-US" dirty="0"/>
-                  <a:t>in-place</a:t>
-                </a:r>
-              </a:p>
-              <a:p>
-                <a:pPr lvl="1"/>
-                <a:r>
-                  <a:rPr lang="en-US" dirty="0"/>
-                  <a:t>online (can sort a sequence </a:t>
-                </a:r>
-                <a:r>
-                  <a:rPr lang="en-US" i="1" dirty="0"/>
-                  <a:t>as </a:t>
-                </a:r>
-                <a:r>
-                  <a:rPr lang="en-US" dirty="0"/>
-                  <a:t>it receives it, one element at a time)</a:t>
-                </a:r>
-              </a:p>
-              <a:p>
-                <a:pPr lvl="1"/>
-                <a:endParaRPr lang="en-GB" dirty="0"/>
-              </a:p>
-            </p:txBody>
-          </p:sp>
-        </mc:Choice>
-        <mc:Fallback>
-          <p:sp>
-            <p:nvSpPr>
-              <p:cNvPr id="3" name="Content Placeholder 2"/>
-              <p:cNvSpPr>
-                <a:spLocks noGrp="1" noRot="1" noChangeAspect="1" noMove="1" noResize="1" noEditPoints="1" noAdjustHandles="1" noChangeArrowheads="1" noChangeShapeType="1" noTextEdit="1"/>
-              </p:cNvSpPr>
-              <p:nvPr>
-                <p:ph idx="1"/>
-              </p:nvPr>
-            </p:nvSpPr>
-            <p:spPr>
-              <a:xfrm>
-                <a:off x="677333" y="1930401"/>
-                <a:ext cx="8815987" cy="4276436"/>
-              </a:xfrm>
-              <a:blipFill>
-                <a:blip r:embed="rId2"/>
-                <a:stretch>
-                  <a:fillRect l="-138" t="-999"/>
-                </a:stretch>
-              </a:blipFill>
-            </p:spPr>
-            <p:txBody>
-              <a:bodyPr/>
-              <a:lstStyle/>
-              <a:p>
-                <a:r>
-                  <a:rPr lang="nl-NL">
-                    <a:noFill/>
-                  </a:rPr>
-                  <a:t> </a:t>
-                </a:r>
-              </a:p>
-            </p:txBody>
-          </p:sp>
-        </mc:Fallback>
-      </mc:AlternateContent>
-      <p:sp>
-        <p:nvSpPr>
-          <p:cNvPr id="4" name="Footer Placeholder 3"/>
-          <p:cNvSpPr>
-            <a:spLocks noGrp="1"/>
-          </p:cNvSpPr>
-          <p:nvPr>
-            <p:ph type="ftr" sz="quarter" idx="11"/>
-          </p:nvPr>
-        </p:nvSpPr>
-        <p:spPr/>
-        <p:txBody>
-          <a:bodyPr/>
-          <a:lstStyle/>
-          <a:p>
-            <a:r>
-              <a:rPr lang="it-IT"/>
-              <a:t>INFDEV036A - G. Costantini, F. Di Giacomo</a:t>
-            </a:r>
-            <a:endParaRPr lang="en-GB"/>
-          </a:p>
-        </p:txBody>
-      </p:sp>
-    </p:spTree>
-    <p:extLst>
-      <p:ext uri="{BB962C8B-B14F-4D97-AF65-F5344CB8AC3E}">
-        <p14:creationId xmlns:p14="http://schemas.microsoft.com/office/powerpoint/2010/main" val="954233014"/>
-      </p:ext>
-    </p:extLst>
-  </p:cSld>
-  <p:clrMapOvr>
-    <a:masterClrMapping/>
-  </p:clrMapOvr>
-</p:sld>
-</file>
-
-<file path=ppt/slides/slide12.xml><?xml version="1.0" encoding="utf-8"?>
-<p:sld xmlns:a="http://schemas.openxmlformats.org/drawingml/2006/main" xmlns:r="http://schemas.openxmlformats.org/officeDocument/2006/relationships" xmlns:p="http://schemas.openxmlformats.org/presentationml/2006/main">
-  <p:cSld>
-    <p:spTree>
-      <p:nvGrpSpPr>
-        <p:cNvPr id="1" name=""/>
-        <p:cNvGrpSpPr/>
-        <p:nvPr/>
-      </p:nvGrpSpPr>
-      <p:grpSpPr>
-        <a:xfrm>
-          <a:off x="0" y="0"/>
-          <a:ext cx="0" cy="0"/>
-          <a:chOff x="0" y="0"/>
-          <a:chExt cx="0" cy="0"/>
-        </a:xfrm>
-      </p:grpSpPr>
-      <p:sp>
-        <p:nvSpPr>
-          <p:cNvPr id="2" name="Title 1"/>
-          <p:cNvSpPr>
-            <a:spLocks noGrp="1"/>
-          </p:cNvSpPr>
-          <p:nvPr>
-            <p:ph type="title"/>
-          </p:nvPr>
-        </p:nvSpPr>
-        <p:spPr/>
-        <p:txBody>
-          <a:bodyPr/>
-          <a:lstStyle/>
-          <a:p>
-            <a:r>
-              <a:rPr lang="en-GB" dirty="0"/>
-              <a:t>Insertion sort </a:t>
-            </a:r>
-          </a:p>
-        </p:txBody>
-      </p:sp>
       <p:sp>
         <p:nvSpPr>
           <p:cNvPr id="3" name="Content Placeholder 2"/>
@@ -7302,7 +7029,7 @@
 </p:sld>
 </file>
 
-<file path=ppt/slides/slide13.xml><?xml version="1.0" encoding="utf-8"?>
+<file path=ppt/slides/slide12.xml><?xml version="1.0" encoding="utf-8"?>
 <p:sld xmlns:a="http://schemas.openxmlformats.org/drawingml/2006/main" xmlns:r="http://schemas.openxmlformats.org/officeDocument/2006/relationships" xmlns:p="http://schemas.openxmlformats.org/presentationml/2006/main">
   <p:cSld>
     <p:spTree>
@@ -7496,7 +7223,7 @@
 </p:sld>
 </file>
 
-<file path=ppt/slides/slide14.xml><?xml version="1.0" encoding="utf-8"?>
+<file path=ppt/slides/slide13.xml><?xml version="1.0" encoding="utf-8"?>
 <p:sld xmlns:a="http://schemas.openxmlformats.org/drawingml/2006/main" xmlns:r="http://schemas.openxmlformats.org/officeDocument/2006/relationships" xmlns:p="http://schemas.openxmlformats.org/presentationml/2006/main">
   <p:cSld>
     <p:spTree>
@@ -7668,7 +7395,7 @@
 </p:sld>
 </file>
 
-<file path=ppt/slides/slide15.xml><?xml version="1.0" encoding="utf-8"?>
+<file path=ppt/slides/slide14.xml><?xml version="1.0" encoding="utf-8"?>
 <p:sld xmlns:a="http://schemas.openxmlformats.org/drawingml/2006/main" xmlns:r="http://schemas.openxmlformats.org/officeDocument/2006/relationships" xmlns:p="http://schemas.openxmlformats.org/presentationml/2006/main">
   <p:cSld>
     <p:spTree>
@@ -8011,7 +7738,7 @@
 </p:sld>
 </file>
 
-<file path=ppt/slides/slide16.xml><?xml version="1.0" encoding="utf-8"?>
+<file path=ppt/slides/slide15.xml><?xml version="1.0" encoding="utf-8"?>
 <p:sld xmlns:a="http://schemas.openxmlformats.org/drawingml/2006/main" xmlns:r="http://schemas.openxmlformats.org/officeDocument/2006/relationships" xmlns:p="http://schemas.openxmlformats.org/presentationml/2006/main">
   <p:cSld>
     <p:spTree>
@@ -8512,7 +8239,7 @@
 </p:sld>
 </file>
 
-<file path=ppt/slides/slide17.xml><?xml version="1.0" encoding="utf-8"?>
+<file path=ppt/slides/slide16.xml><?xml version="1.0" encoding="utf-8"?>
 <p:sld xmlns:a="http://schemas.openxmlformats.org/drawingml/2006/main" xmlns:r="http://schemas.openxmlformats.org/officeDocument/2006/relationships" xmlns:p="http://schemas.openxmlformats.org/presentationml/2006/main">
   <p:cSld>
     <p:spTree>
@@ -9005,7 +8732,7 @@
 </p:sld>
 </file>
 
-<file path=ppt/slides/slide18.xml><?xml version="1.0" encoding="utf-8"?>
+<file path=ppt/slides/slide17.xml><?xml version="1.0" encoding="utf-8"?>
 <p:sld xmlns:a="http://schemas.openxmlformats.org/drawingml/2006/main" xmlns:r="http://schemas.openxmlformats.org/officeDocument/2006/relationships" xmlns:p="http://schemas.openxmlformats.org/presentationml/2006/main">
   <p:cSld>
     <p:spTree>
@@ -9462,7 +9189,7 @@
 </p:sld>
 </file>
 
-<file path=ppt/slides/slide19.xml><?xml version="1.0" encoding="utf-8"?>
+<file path=ppt/slides/slide18.xml><?xml version="1.0" encoding="utf-8"?>
 <p:sld xmlns:a="http://schemas.openxmlformats.org/drawingml/2006/main" xmlns:r="http://schemas.openxmlformats.org/officeDocument/2006/relationships" xmlns:p="http://schemas.openxmlformats.org/presentationml/2006/main">
   <p:cSld>
     <p:spTree>
@@ -9694,6 +9421,365 @@
 </p:sld>
 </file>
 
+<file path=ppt/slides/slide19.xml><?xml version="1.0" encoding="utf-8"?>
+<p:sld xmlns:a="http://schemas.openxmlformats.org/drawingml/2006/main" xmlns:r="http://schemas.openxmlformats.org/officeDocument/2006/relationships" xmlns:p="http://schemas.openxmlformats.org/presentationml/2006/main">
+  <p:cSld>
+    <p:spTree>
+      <p:nvGrpSpPr>
+        <p:cNvPr id="1" name=""/>
+        <p:cNvGrpSpPr/>
+        <p:nvPr/>
+      </p:nvGrpSpPr>
+      <p:grpSpPr>
+        <a:xfrm>
+          <a:off x="0" y="0"/>
+          <a:ext cx="0" cy="0"/>
+          <a:chOff x="0" y="0"/>
+          <a:chExt cx="0" cy="0"/>
+        </a:xfrm>
+      </p:grpSpPr>
+      <p:sp>
+        <p:nvSpPr>
+          <p:cNvPr id="2" name="Title 1"/>
+          <p:cNvSpPr>
+            <a:spLocks noGrp="1"/>
+          </p:cNvSpPr>
+          <p:nvPr>
+            <p:ph type="title"/>
+          </p:nvPr>
+        </p:nvSpPr>
+        <p:spPr/>
+        <p:txBody>
+          <a:bodyPr/>
+          <a:lstStyle/>
+          <a:p>
+            <a:r>
+              <a:rPr lang="en-GB" dirty="0"/>
+              <a:t>Insertion sort </a:t>
+            </a:r>
+          </a:p>
+        </p:txBody>
+      </p:sp>
+      <mc:AlternateContent xmlns:mc="http://schemas.openxmlformats.org/markup-compatibility/2006" xmlns:a14="http://schemas.microsoft.com/office/drawing/2010/main">
+        <mc:Choice Requires="a14">
+          <p:sp>
+            <p:nvSpPr>
+              <p:cNvPr id="3" name="Content Placeholder 2"/>
+              <p:cNvSpPr>
+                <a:spLocks noGrp="1"/>
+              </p:cNvSpPr>
+              <p:nvPr>
+                <p:ph idx="1"/>
+              </p:nvPr>
+            </p:nvSpPr>
+            <p:spPr>
+              <a:xfrm>
+                <a:off x="677334" y="2160589"/>
+                <a:ext cx="8596668" cy="4032393"/>
+              </a:xfrm>
+            </p:spPr>
+            <p:txBody>
+              <a:bodyPr>
+                <a:normAutofit lnSpcReduction="10000"/>
+              </a:bodyPr>
+              <a:lstStyle/>
+              <a:p>
+                <a:r>
+                  <a:rPr lang="en-US" b="1" dirty="0"/>
+                  <a:t>Correctness </a:t>
+                </a:r>
+              </a:p>
+              <a:p>
+                <a:pPr lvl="1"/>
+                <a:r>
+                  <a:rPr lang="en-US" dirty="0"/>
+                  <a:t>After </a:t>
+                </a:r>
+                <a14:m>
+                  <m:oMath xmlns:m="http://schemas.openxmlformats.org/officeDocument/2006/math">
+                    <m:r>
+                      <a:rPr lang="en-US" i="1" dirty="0">
+                        <a:latin typeface="Cambria Math" panose="02040503050406030204" pitchFamily="18" charset="0"/>
+                      </a:rPr>
+                      <m:t>𝑘</m:t>
+                    </m:r>
+                  </m:oMath>
+                </a14:m>
+                <a:r>
+                  <a:rPr lang="en-US" dirty="0"/>
+                  <a:t> iterations, the following property holds:</a:t>
+                </a:r>
+              </a:p>
+              <a:p>
+                <a:pPr marL="0" indent="0" algn="ctr">
+                  <a:buNone/>
+                </a:pPr>
+                <a:r>
+                  <a:rPr lang="en-US" i="1" u="sng" dirty="0"/>
+                  <a:t>The first </a:t>
+                </a:r>
+                <a14:m>
+                  <m:oMath xmlns:m="http://schemas.openxmlformats.org/officeDocument/2006/math">
+                    <m:r>
+                      <a:rPr lang="en-US" i="1" u="sng" dirty="0">
+                        <a:latin typeface="Cambria Math" panose="02040503050406030204" pitchFamily="18" charset="0"/>
+                      </a:rPr>
+                      <m:t>𝑘</m:t>
+                    </m:r>
+                    <m:r>
+                      <a:rPr lang="en-US" i="1" u="sng" dirty="0">
+                        <a:latin typeface="Cambria Math" panose="02040503050406030204" pitchFamily="18" charset="0"/>
+                      </a:rPr>
+                      <m:t> + 1</m:t>
+                    </m:r>
+                  </m:oMath>
+                </a14:m>
+                <a:r>
+                  <a:rPr lang="en-US" i="1" u="sng" dirty="0"/>
+                  <a:t> entries are sorted</a:t>
+                </a:r>
+                <a:r>
+                  <a:rPr lang="en-US" i="1" dirty="0"/>
+                  <a:t> </a:t>
+                </a:r>
+              </a:p>
+              <a:p>
+                <a:pPr marL="0" indent="0" algn="ctr">
+                  <a:buNone/>
+                </a:pPr>
+                <a:r>
+                  <a:rPr lang="en-US" sz="1400" i="1" dirty="0"/>
+                  <a:t>("+1" because the first entry is skipped)</a:t>
+                </a:r>
+                <a:endParaRPr lang="en-GB" dirty="0"/>
+              </a:p>
+              <a:p>
+                <a:pPr lvl="1"/>
+                <a:r>
+                  <a:rPr lang="en-US" dirty="0"/>
+                  <a:t>this property (</a:t>
+                </a:r>
+                <a:r>
+                  <a:rPr lang="en-GB" dirty="0"/>
+                  <a:t>called </a:t>
+                </a:r>
+                <a:r>
+                  <a:rPr lang="en-GB" b="1" dirty="0"/>
+                  <a:t>INVARIANT</a:t>
+                </a:r>
+                <a:r>
+                  <a:rPr lang="en-US" dirty="0"/>
+                  <a:t>) holds true for every </a:t>
+                </a:r>
+                <a14:m>
+                  <m:oMath xmlns:m="http://schemas.openxmlformats.org/officeDocument/2006/math">
+                    <m:r>
+                      <a:rPr lang="en-GB" i="1">
+                        <a:latin typeface="Cambria Math" panose="02040503050406030204" pitchFamily="18" charset="0"/>
+                      </a:rPr>
+                      <m:t>𝑘</m:t>
+                    </m:r>
+                  </m:oMath>
+                </a14:m>
+                <a:r>
+                  <a:rPr lang="en-GB" dirty="0"/>
+                  <a:t>, i.e. for the whole run of the algorithm</a:t>
+                </a:r>
+              </a:p>
+              <a:p>
+                <a:pPr lvl="2"/>
+                <a:r>
+                  <a:rPr lang="en-GB" dirty="0"/>
+                  <a:t>can be proved formally by induction (for us, intuition only)</a:t>
+                </a:r>
+              </a:p>
+              <a:p>
+                <a:pPr lvl="1"/>
+                <a:endParaRPr lang="en-GB" dirty="0"/>
+              </a:p>
+              <a:p>
+                <a:r>
+                  <a:rPr lang="en-GB" dirty="0"/>
+                  <a:t>How many iterations does the algorithm?</a:t>
+                </a:r>
+              </a:p>
+              <a:p>
+                <a:pPr lvl="1"/>
+                <a14:m>
+                  <m:oMath xmlns:m="http://schemas.openxmlformats.org/officeDocument/2006/math">
+                    <m:r>
+                      <a:rPr lang="en-GB" b="0" i="1" smtClean="0">
+                        <a:latin typeface="Cambria Math" panose="02040503050406030204" pitchFamily="18" charset="0"/>
+                      </a:rPr>
+                      <m:t>𝑙𝑒𝑛𝑔𝑡h</m:t>
+                    </m:r>
+                    <m:r>
+                      <a:rPr lang="en-GB" b="0" i="1" smtClean="0">
+                        <a:latin typeface="Cambria Math" panose="02040503050406030204" pitchFamily="18" charset="0"/>
+                      </a:rPr>
+                      <m:t>−1</m:t>
+                    </m:r>
+                  </m:oMath>
+                </a14:m>
+                <a:endParaRPr lang="en-GB" dirty="0"/>
+              </a:p>
+              <a:p>
+                <a:pPr lvl="1"/>
+                <a:r>
+                  <a:rPr lang="en-GB" dirty="0"/>
+                  <a:t>After the last iteration, then: “</a:t>
+                </a:r>
+                <a:r>
+                  <a:rPr lang="en-US" i="1" dirty="0"/>
+                  <a:t>The first </a:t>
+                </a:r>
+                <a14:m>
+                  <m:oMath xmlns:m="http://schemas.openxmlformats.org/officeDocument/2006/math">
+                    <m:r>
+                      <a:rPr lang="en-GB" b="0" i="1" dirty="0" smtClean="0">
+                        <a:latin typeface="Cambria Math" panose="02040503050406030204" pitchFamily="18" charset="0"/>
+                      </a:rPr>
+                      <m:t>(</m:t>
+                    </m:r>
+                    <m:r>
+                      <a:rPr lang="en-GB" b="0" i="1" dirty="0" smtClean="0">
+                        <a:latin typeface="Cambria Math" panose="02040503050406030204" pitchFamily="18" charset="0"/>
+                      </a:rPr>
+                      <m:t>𝑙𝑒𝑛𝑔𝑡h</m:t>
+                    </m:r>
+                    <m:r>
+                      <a:rPr lang="en-GB" b="0" i="1" dirty="0" smtClean="0">
+                        <a:latin typeface="Cambria Math" panose="02040503050406030204" pitchFamily="18" charset="0"/>
+                      </a:rPr>
+                      <m:t>−1) + 1</m:t>
+                    </m:r>
+                  </m:oMath>
+                </a14:m>
+                <a:r>
+                  <a:rPr lang="en-US" i="1" dirty="0"/>
+                  <a:t> entries are sorted</a:t>
+                </a:r>
+                <a:r>
+                  <a:rPr lang="en-GB" dirty="0"/>
+                  <a:t>” </a:t>
+                </a:r>
+                <a:r>
+                  <a:rPr lang="en-GB" dirty="0">
+                    <a:sym typeface="Wingdings" panose="05000000000000000000" pitchFamily="2" charset="2"/>
+                  </a:rPr>
+                  <a:t> </a:t>
+                </a:r>
+                <a:r>
+                  <a:rPr lang="en-GB" dirty="0"/>
+                  <a:t>“</a:t>
+                </a:r>
+                <a:r>
+                  <a:rPr lang="en-US" i="1" dirty="0"/>
+                  <a:t>The first </a:t>
+                </a:r>
+                <a14:m>
+                  <m:oMath xmlns:m="http://schemas.openxmlformats.org/officeDocument/2006/math">
+                    <m:r>
+                      <a:rPr lang="en-GB" i="1" dirty="0">
+                        <a:latin typeface="Cambria Math" panose="02040503050406030204" pitchFamily="18" charset="0"/>
+                      </a:rPr>
+                      <m:t>𝑙𝑒𝑛𝑔𝑡h</m:t>
+                    </m:r>
+                  </m:oMath>
+                </a14:m>
+                <a:r>
+                  <a:rPr lang="en-US" i="1" dirty="0"/>
+                  <a:t> entries are sorted</a:t>
+                </a:r>
+                <a:r>
+                  <a:rPr lang="en-GB" dirty="0"/>
+                  <a:t>” </a:t>
+                </a:r>
+                <a:r>
+                  <a:rPr lang="en-GB" dirty="0">
+                    <a:sym typeface="Wingdings" panose="05000000000000000000" pitchFamily="2" charset="2"/>
+                  </a:rPr>
+                  <a:t> All entries are sorted!!!</a:t>
+                </a:r>
+                <a:endParaRPr lang="en-GB" dirty="0"/>
+              </a:p>
+            </p:txBody>
+          </p:sp>
+        </mc:Choice>
+        <mc:Fallback xmlns="">
+          <p:sp>
+            <p:nvSpPr>
+              <p:cNvPr id="3" name="Content Placeholder 2"/>
+              <p:cNvSpPr>
+                <a:spLocks noGrp="1" noRot="1" noChangeAspect="1" noMove="1" noResize="1" noEditPoints="1" noAdjustHandles="1" noChangeArrowheads="1" noChangeShapeType="1" noTextEdit="1"/>
+              </p:cNvSpPr>
+              <p:nvPr>
+                <p:ph idx="1"/>
+              </p:nvPr>
+            </p:nvSpPr>
+            <p:spPr>
+              <a:xfrm>
+                <a:off x="677334" y="2160589"/>
+                <a:ext cx="8596668" cy="4032393"/>
+              </a:xfrm>
+              <a:blipFill rotWithShape="0">
+                <a:blip r:embed="rId2"/>
+                <a:stretch>
+                  <a:fillRect l="-142" t="-1511"/>
+                </a:stretch>
+              </a:blipFill>
+            </p:spPr>
+            <p:txBody>
+              <a:bodyPr/>
+              <a:lstStyle/>
+              <a:p>
+                <a:r>
+                  <a:rPr lang="nl-NL">
+                    <a:noFill/>
+                  </a:rPr>
+                  <a:t> </a:t>
+                </a:r>
+              </a:p>
+            </p:txBody>
+          </p:sp>
+        </mc:Fallback>
+      </mc:AlternateContent>
+      <p:sp>
+        <p:nvSpPr>
+          <p:cNvPr id="4" name="Footer Placeholder 3"/>
+          <p:cNvSpPr>
+            <a:spLocks noGrp="1"/>
+          </p:cNvSpPr>
+          <p:nvPr>
+            <p:ph type="ftr" sz="quarter" idx="11"/>
+          </p:nvPr>
+        </p:nvSpPr>
+        <p:spPr/>
+        <p:txBody>
+          <a:bodyPr/>
+          <a:lstStyle/>
+          <a:p>
+            <a:r>
+              <a:rPr lang="it-IT"/>
+              <a:t>INFDEV036A - G. Costantini, F. Di Giacomo</a:t>
+            </a:r>
+            <a:endParaRPr lang="en-GB"/>
+          </a:p>
+        </p:txBody>
+      </p:sp>
+    </p:spTree>
+    <p:extLst>
+      <p:ext uri="{BB962C8B-B14F-4D97-AF65-F5344CB8AC3E}">
+        <p14:creationId xmlns:p14="http://schemas.microsoft.com/office/powerpoint/2010/main" val="2561493777"/>
+      </p:ext>
+    </p:extLst>
+  </p:cSld>
+  <p:clrMapOvr>
+    <a:masterClrMapping/>
+  </p:clrMapOvr>
+</p:sld>
+</file>
+
 <file path=ppt/slides/slide2.xml><?xml version="1.0" encoding="utf-8"?>
 <p:sld xmlns:a="http://schemas.openxmlformats.org/drawingml/2006/main" xmlns:r="http://schemas.openxmlformats.org/officeDocument/2006/relationships" xmlns:p="http://schemas.openxmlformats.org/presentationml/2006/main">
   <p:cSld>
@@ -9915,365 +10001,6 @@
                 <p:ph idx="1"/>
               </p:nvPr>
             </p:nvSpPr>
-            <p:spPr>
-              <a:xfrm>
-                <a:off x="677334" y="2160589"/>
-                <a:ext cx="8596668" cy="4032393"/>
-              </a:xfrm>
-            </p:spPr>
-            <p:txBody>
-              <a:bodyPr>
-                <a:normAutofit lnSpcReduction="10000"/>
-              </a:bodyPr>
-              <a:lstStyle/>
-              <a:p>
-                <a:r>
-                  <a:rPr lang="en-US" b="1" dirty="0"/>
-                  <a:t>Correctness </a:t>
-                </a:r>
-              </a:p>
-              <a:p>
-                <a:pPr lvl="1"/>
-                <a:r>
-                  <a:rPr lang="en-US" dirty="0"/>
-                  <a:t>After </a:t>
-                </a:r>
-                <a14:m>
-                  <m:oMath xmlns:m="http://schemas.openxmlformats.org/officeDocument/2006/math">
-                    <m:r>
-                      <a:rPr lang="en-US" i="1" dirty="0">
-                        <a:latin typeface="Cambria Math" panose="02040503050406030204" pitchFamily="18" charset="0"/>
-                      </a:rPr>
-                      <m:t>𝑘</m:t>
-                    </m:r>
-                  </m:oMath>
-                </a14:m>
-                <a:r>
-                  <a:rPr lang="en-US" dirty="0"/>
-                  <a:t> iterations, the following property holds:</a:t>
-                </a:r>
-              </a:p>
-              <a:p>
-                <a:pPr marL="0" indent="0" algn="ctr">
-                  <a:buNone/>
-                </a:pPr>
-                <a:r>
-                  <a:rPr lang="en-US" i="1" u="sng" dirty="0"/>
-                  <a:t>The first </a:t>
-                </a:r>
-                <a14:m>
-                  <m:oMath xmlns:m="http://schemas.openxmlformats.org/officeDocument/2006/math">
-                    <m:r>
-                      <a:rPr lang="en-US" i="1" u="sng" dirty="0">
-                        <a:latin typeface="Cambria Math" panose="02040503050406030204" pitchFamily="18" charset="0"/>
-                      </a:rPr>
-                      <m:t>𝑘</m:t>
-                    </m:r>
-                    <m:r>
-                      <a:rPr lang="en-US" i="1" u="sng" dirty="0">
-                        <a:latin typeface="Cambria Math" panose="02040503050406030204" pitchFamily="18" charset="0"/>
-                      </a:rPr>
-                      <m:t> + 1</m:t>
-                    </m:r>
-                  </m:oMath>
-                </a14:m>
-                <a:r>
-                  <a:rPr lang="en-US" i="1" u="sng" dirty="0"/>
-                  <a:t> entries are sorted</a:t>
-                </a:r>
-                <a:r>
-                  <a:rPr lang="en-US" i="1" dirty="0"/>
-                  <a:t> </a:t>
-                </a:r>
-              </a:p>
-              <a:p>
-                <a:pPr marL="0" indent="0" algn="ctr">
-                  <a:buNone/>
-                </a:pPr>
-                <a:r>
-                  <a:rPr lang="en-US" sz="1400" i="1" dirty="0"/>
-                  <a:t>("+1" because the first entry is skipped)</a:t>
-                </a:r>
-                <a:endParaRPr lang="en-GB" dirty="0"/>
-              </a:p>
-              <a:p>
-                <a:pPr lvl="1"/>
-                <a:r>
-                  <a:rPr lang="en-US" dirty="0"/>
-                  <a:t>this property (</a:t>
-                </a:r>
-                <a:r>
-                  <a:rPr lang="en-GB" dirty="0"/>
-                  <a:t>called </a:t>
-                </a:r>
-                <a:r>
-                  <a:rPr lang="en-GB" b="1" dirty="0"/>
-                  <a:t>INVARIANT</a:t>
-                </a:r>
-                <a:r>
-                  <a:rPr lang="en-US" dirty="0"/>
-                  <a:t>) holds true for every </a:t>
-                </a:r>
-                <a14:m>
-                  <m:oMath xmlns:m="http://schemas.openxmlformats.org/officeDocument/2006/math">
-                    <m:r>
-                      <a:rPr lang="en-GB" i="1">
-                        <a:latin typeface="Cambria Math" panose="02040503050406030204" pitchFamily="18" charset="0"/>
-                      </a:rPr>
-                      <m:t>𝑘</m:t>
-                    </m:r>
-                  </m:oMath>
-                </a14:m>
-                <a:r>
-                  <a:rPr lang="en-GB" dirty="0"/>
-                  <a:t>, i.e. for the whole run of the algorithm</a:t>
-                </a:r>
-              </a:p>
-              <a:p>
-                <a:pPr lvl="2"/>
-                <a:r>
-                  <a:rPr lang="en-GB" dirty="0"/>
-                  <a:t>can be proved formally by induction (for us, intuition only)</a:t>
-                </a:r>
-              </a:p>
-              <a:p>
-                <a:pPr lvl="1"/>
-                <a:endParaRPr lang="en-GB" dirty="0"/>
-              </a:p>
-              <a:p>
-                <a:r>
-                  <a:rPr lang="en-GB" dirty="0"/>
-                  <a:t>How many iterations does the algorithm?</a:t>
-                </a:r>
-              </a:p>
-              <a:p>
-                <a:pPr lvl="1"/>
-                <a14:m>
-                  <m:oMath xmlns:m="http://schemas.openxmlformats.org/officeDocument/2006/math">
-                    <m:r>
-                      <a:rPr lang="en-GB" b="0" i="1" smtClean="0">
-                        <a:latin typeface="Cambria Math" panose="02040503050406030204" pitchFamily="18" charset="0"/>
-                      </a:rPr>
-                      <m:t>𝑙𝑒𝑛𝑔𝑡h</m:t>
-                    </m:r>
-                    <m:r>
-                      <a:rPr lang="en-GB" b="0" i="1" smtClean="0">
-                        <a:latin typeface="Cambria Math" panose="02040503050406030204" pitchFamily="18" charset="0"/>
-                      </a:rPr>
-                      <m:t>−1</m:t>
-                    </m:r>
-                  </m:oMath>
-                </a14:m>
-                <a:endParaRPr lang="en-GB" dirty="0"/>
-              </a:p>
-              <a:p>
-                <a:pPr lvl="1"/>
-                <a:r>
-                  <a:rPr lang="en-GB" dirty="0"/>
-                  <a:t>After the last iteration, then: “</a:t>
-                </a:r>
-                <a:r>
-                  <a:rPr lang="en-US" i="1" dirty="0"/>
-                  <a:t>The first </a:t>
-                </a:r>
-                <a14:m>
-                  <m:oMath xmlns:m="http://schemas.openxmlformats.org/officeDocument/2006/math">
-                    <m:r>
-                      <a:rPr lang="en-GB" b="0" i="1" dirty="0" smtClean="0">
-                        <a:latin typeface="Cambria Math" panose="02040503050406030204" pitchFamily="18" charset="0"/>
-                      </a:rPr>
-                      <m:t>(</m:t>
-                    </m:r>
-                    <m:r>
-                      <a:rPr lang="en-GB" b="0" i="1" dirty="0" smtClean="0">
-                        <a:latin typeface="Cambria Math" panose="02040503050406030204" pitchFamily="18" charset="0"/>
-                      </a:rPr>
-                      <m:t>𝑙𝑒𝑛𝑔𝑡h</m:t>
-                    </m:r>
-                    <m:r>
-                      <a:rPr lang="en-GB" b="0" i="1" dirty="0" smtClean="0">
-                        <a:latin typeface="Cambria Math" panose="02040503050406030204" pitchFamily="18" charset="0"/>
-                      </a:rPr>
-                      <m:t>−1) + 1</m:t>
-                    </m:r>
-                  </m:oMath>
-                </a14:m>
-                <a:r>
-                  <a:rPr lang="en-US" i="1" dirty="0"/>
-                  <a:t> entries are sorted</a:t>
-                </a:r>
-                <a:r>
-                  <a:rPr lang="en-GB" dirty="0"/>
-                  <a:t>” </a:t>
-                </a:r>
-                <a:r>
-                  <a:rPr lang="en-GB" dirty="0">
-                    <a:sym typeface="Wingdings" panose="05000000000000000000" pitchFamily="2" charset="2"/>
-                  </a:rPr>
-                  <a:t> </a:t>
-                </a:r>
-                <a:r>
-                  <a:rPr lang="en-GB" dirty="0"/>
-                  <a:t>“</a:t>
-                </a:r>
-                <a:r>
-                  <a:rPr lang="en-US" i="1" dirty="0"/>
-                  <a:t>The first </a:t>
-                </a:r>
-                <a14:m>
-                  <m:oMath xmlns:m="http://schemas.openxmlformats.org/officeDocument/2006/math">
-                    <m:r>
-                      <a:rPr lang="en-GB" i="1" dirty="0">
-                        <a:latin typeface="Cambria Math" panose="02040503050406030204" pitchFamily="18" charset="0"/>
-                      </a:rPr>
-                      <m:t>𝑙𝑒𝑛𝑔𝑡h</m:t>
-                    </m:r>
-                  </m:oMath>
-                </a14:m>
-                <a:r>
-                  <a:rPr lang="en-US" i="1" dirty="0"/>
-                  <a:t> entries are sorted</a:t>
-                </a:r>
-                <a:r>
-                  <a:rPr lang="en-GB" dirty="0"/>
-                  <a:t>” </a:t>
-                </a:r>
-                <a:r>
-                  <a:rPr lang="en-GB" dirty="0">
-                    <a:sym typeface="Wingdings" panose="05000000000000000000" pitchFamily="2" charset="2"/>
-                  </a:rPr>
-                  <a:t> All entries are sorted!!!</a:t>
-                </a:r>
-                <a:endParaRPr lang="en-GB" dirty="0"/>
-              </a:p>
-            </p:txBody>
-          </p:sp>
-        </mc:Choice>
-        <mc:Fallback xmlns="">
-          <p:sp>
-            <p:nvSpPr>
-              <p:cNvPr id="3" name="Content Placeholder 2"/>
-              <p:cNvSpPr>
-                <a:spLocks noGrp="1" noRot="1" noChangeAspect="1" noMove="1" noResize="1" noEditPoints="1" noAdjustHandles="1" noChangeArrowheads="1" noChangeShapeType="1" noTextEdit="1"/>
-              </p:cNvSpPr>
-              <p:nvPr>
-                <p:ph idx="1"/>
-              </p:nvPr>
-            </p:nvSpPr>
-            <p:spPr>
-              <a:xfrm>
-                <a:off x="677334" y="2160589"/>
-                <a:ext cx="8596668" cy="4032393"/>
-              </a:xfrm>
-              <a:blipFill rotWithShape="0">
-                <a:blip r:embed="rId2"/>
-                <a:stretch>
-                  <a:fillRect l="-142" t="-1511"/>
-                </a:stretch>
-              </a:blipFill>
-            </p:spPr>
-            <p:txBody>
-              <a:bodyPr/>
-              <a:lstStyle/>
-              <a:p>
-                <a:r>
-                  <a:rPr lang="nl-NL">
-                    <a:noFill/>
-                  </a:rPr>
-                  <a:t> </a:t>
-                </a:r>
-              </a:p>
-            </p:txBody>
-          </p:sp>
-        </mc:Fallback>
-      </mc:AlternateContent>
-      <p:sp>
-        <p:nvSpPr>
-          <p:cNvPr id="4" name="Footer Placeholder 3"/>
-          <p:cNvSpPr>
-            <a:spLocks noGrp="1"/>
-          </p:cNvSpPr>
-          <p:nvPr>
-            <p:ph type="ftr" sz="quarter" idx="11"/>
-          </p:nvPr>
-        </p:nvSpPr>
-        <p:spPr/>
-        <p:txBody>
-          <a:bodyPr/>
-          <a:lstStyle/>
-          <a:p>
-            <a:r>
-              <a:rPr lang="it-IT"/>
-              <a:t>INFDEV036A - G. Costantini, F. Di Giacomo</a:t>
-            </a:r>
-            <a:endParaRPr lang="en-GB"/>
-          </a:p>
-        </p:txBody>
-      </p:sp>
-    </p:spTree>
-    <p:extLst>
-      <p:ext uri="{BB962C8B-B14F-4D97-AF65-F5344CB8AC3E}">
-        <p14:creationId xmlns:p14="http://schemas.microsoft.com/office/powerpoint/2010/main" val="2561493777"/>
-      </p:ext>
-    </p:extLst>
-  </p:cSld>
-  <p:clrMapOvr>
-    <a:masterClrMapping/>
-  </p:clrMapOvr>
-</p:sld>
-</file>
-
-<file path=ppt/slides/slide21.xml><?xml version="1.0" encoding="utf-8"?>
-<p:sld xmlns:a="http://schemas.openxmlformats.org/drawingml/2006/main" xmlns:r="http://schemas.openxmlformats.org/officeDocument/2006/relationships" xmlns:p="http://schemas.openxmlformats.org/presentationml/2006/main">
-  <p:cSld>
-    <p:spTree>
-      <p:nvGrpSpPr>
-        <p:cNvPr id="1" name=""/>
-        <p:cNvGrpSpPr/>
-        <p:nvPr/>
-      </p:nvGrpSpPr>
-      <p:grpSpPr>
-        <a:xfrm>
-          <a:off x="0" y="0"/>
-          <a:ext cx="0" cy="0"/>
-          <a:chOff x="0" y="0"/>
-          <a:chExt cx="0" cy="0"/>
-        </a:xfrm>
-      </p:grpSpPr>
-      <p:sp>
-        <p:nvSpPr>
-          <p:cNvPr id="2" name="Title 1"/>
-          <p:cNvSpPr>
-            <a:spLocks noGrp="1"/>
-          </p:cNvSpPr>
-          <p:nvPr>
-            <p:ph type="title"/>
-          </p:nvPr>
-        </p:nvSpPr>
-        <p:spPr/>
-        <p:txBody>
-          <a:bodyPr/>
-          <a:lstStyle/>
-          <a:p>
-            <a:r>
-              <a:rPr lang="en-GB" dirty="0"/>
-              <a:t>Insertion sort </a:t>
-            </a:r>
-          </a:p>
-        </p:txBody>
-      </p:sp>
-      <mc:AlternateContent xmlns:mc="http://schemas.openxmlformats.org/markup-compatibility/2006" xmlns:a14="http://schemas.microsoft.com/office/drawing/2010/main">
-        <mc:Choice Requires="a14">
-          <p:sp>
-            <p:nvSpPr>
-              <p:cNvPr id="3" name="Content Placeholder 2"/>
-              <p:cNvSpPr>
-                <a:spLocks noGrp="1"/>
-              </p:cNvSpPr>
-              <p:nvPr>
-                <p:ph idx="1"/>
-              </p:nvPr>
-            </p:nvSpPr>
             <p:spPr/>
             <p:txBody>
               <a:bodyPr/>
@@ -10452,7 +10179,7 @@
 </p:sld>
 </file>
 
-<file path=ppt/slides/slide22.xml><?xml version="1.0" encoding="utf-8"?>
+<file path=ppt/slides/slide21.xml><?xml version="1.0" encoding="utf-8"?>
 <p:sld xmlns:a="http://schemas.openxmlformats.org/drawingml/2006/main" xmlns:r="http://schemas.openxmlformats.org/officeDocument/2006/relationships" xmlns:p="http://schemas.openxmlformats.org/presentationml/2006/main">
   <p:cSld>
     <p:spTree>
@@ -11041,7 +10768,7 @@
 </p:sld>
 </file>
 
-<file path=ppt/slides/slide23.xml><?xml version="1.0" encoding="utf-8"?>
+<file path=ppt/slides/slide22.xml><?xml version="1.0" encoding="utf-8"?>
 <p:sld xmlns:a="http://schemas.openxmlformats.org/drawingml/2006/main" xmlns:r="http://schemas.openxmlformats.org/officeDocument/2006/relationships" xmlns:p="http://schemas.openxmlformats.org/presentationml/2006/main">
   <p:cSld>
     <p:spTree>
@@ -11654,7 +11381,7 @@
 </p:sld>
 </file>
 
-<file path=ppt/slides/slide24.xml><?xml version="1.0" encoding="utf-8"?>
+<file path=ppt/slides/slide23.xml><?xml version="1.0" encoding="utf-8"?>
 <p:sld xmlns:a="http://schemas.openxmlformats.org/drawingml/2006/main" xmlns:r="http://schemas.openxmlformats.org/officeDocument/2006/relationships" xmlns:p="http://schemas.openxmlformats.org/presentationml/2006/main">
   <p:cSld>
     <p:spTree>
@@ -12259,6 +11986,284 @@
 </p:sld>
 </file>
 
+<file path=ppt/slides/slide24.xml><?xml version="1.0" encoding="utf-8"?>
+<p:sld xmlns:a="http://schemas.openxmlformats.org/drawingml/2006/main" xmlns:r="http://schemas.openxmlformats.org/officeDocument/2006/relationships" xmlns:p="http://schemas.openxmlformats.org/presentationml/2006/main">
+  <p:cSld>
+    <p:spTree>
+      <p:nvGrpSpPr>
+        <p:cNvPr id="1" name=""/>
+        <p:cNvGrpSpPr/>
+        <p:nvPr/>
+      </p:nvGrpSpPr>
+      <p:grpSpPr>
+        <a:xfrm>
+          <a:off x="0" y="0"/>
+          <a:ext cx="0" cy="0"/>
+          <a:chOff x="0" y="0"/>
+          <a:chExt cx="0" cy="0"/>
+        </a:xfrm>
+      </p:grpSpPr>
+      <p:sp>
+        <p:nvSpPr>
+          <p:cNvPr id="2" name="Title 1"/>
+          <p:cNvSpPr>
+            <a:spLocks noGrp="1"/>
+          </p:cNvSpPr>
+          <p:nvPr>
+            <p:ph type="title"/>
+          </p:nvPr>
+        </p:nvSpPr>
+        <p:spPr/>
+        <p:txBody>
+          <a:bodyPr/>
+          <a:lstStyle/>
+          <a:p>
+            <a:r>
+              <a:rPr lang="en-GB" dirty="0"/>
+              <a:t>Insertion sort </a:t>
+            </a:r>
+          </a:p>
+        </p:txBody>
+      </p:sp>
+      <mc:AlternateContent xmlns:mc="http://schemas.openxmlformats.org/markup-compatibility/2006" xmlns:a14="http://schemas.microsoft.com/office/drawing/2010/main">
+        <mc:Choice Requires="a14">
+          <p:sp>
+            <p:nvSpPr>
+              <p:cNvPr id="3" name="Content Placeholder 2"/>
+              <p:cNvSpPr>
+                <a:spLocks noGrp="1"/>
+              </p:cNvSpPr>
+              <p:nvPr>
+                <p:ph idx="1"/>
+              </p:nvPr>
+            </p:nvSpPr>
+            <p:spPr>
+              <a:xfrm>
+                <a:off x="677333" y="1930401"/>
+                <a:ext cx="8815987" cy="4276436"/>
+              </a:xfrm>
+            </p:spPr>
+            <p:txBody>
+              <a:bodyPr>
+                <a:normAutofit/>
+              </a:bodyPr>
+              <a:lstStyle/>
+              <a:p>
+                <a:r>
+                  <a:rPr lang="en-GB" dirty="0"/>
+                  <a:t>Advantages </a:t>
+                </a:r>
+              </a:p>
+              <a:p>
+                <a:pPr lvl="1"/>
+                <a:r>
+                  <a:rPr lang="en-US" dirty="0"/>
+                  <a:t>very intuitive algorithm ; simple implementation </a:t>
+                </a:r>
+              </a:p>
+              <a:p>
+                <a:pPr lvl="1"/>
+                <a:r>
+                  <a:rPr lang="en-US" dirty="0"/>
+                  <a:t>efficient for (quite) small data sets</a:t>
+                </a:r>
+              </a:p>
+              <a:p>
+                <a:pPr lvl="2"/>
+                <a:r>
+                  <a:rPr lang="en-US" dirty="0"/>
+                  <a:t>very efficient for data sets that are already substantially sorted and more efficient in practice than most other simple quadratic (i.e., </a:t>
+                </a:r>
+                <a14:m>
+                  <m:oMath xmlns:m="http://schemas.openxmlformats.org/officeDocument/2006/math">
+                    <m:r>
+                      <a:rPr lang="en-US" i="1" dirty="0" smtClean="0">
+                        <a:latin typeface="Cambria Math" panose="02040503050406030204" pitchFamily="18" charset="0"/>
+                      </a:rPr>
+                      <m:t>𝑂</m:t>
+                    </m:r>
+                    <m:d>
+                      <m:dPr>
+                        <m:ctrlPr>
+                          <a:rPr lang="en-US" i="1" dirty="0" smtClean="0">
+                            <a:latin typeface="Cambria Math" panose="02040503050406030204" pitchFamily="18" charset="0"/>
+                          </a:rPr>
+                        </m:ctrlPr>
+                      </m:dPr>
+                      <m:e>
+                        <m:sSup>
+                          <m:sSupPr>
+                            <m:ctrlPr>
+                              <a:rPr lang="en-GB" b="0" i="1" dirty="0" smtClean="0">
+                                <a:latin typeface="Cambria Math" panose="02040503050406030204" pitchFamily="18" charset="0"/>
+                              </a:rPr>
+                            </m:ctrlPr>
+                          </m:sSupPr>
+                          <m:e>
+                            <m:r>
+                              <a:rPr lang="en-US" i="1" dirty="0" smtClean="0">
+                                <a:latin typeface="Cambria Math" panose="02040503050406030204" pitchFamily="18" charset="0"/>
+                              </a:rPr>
+                              <m:t>𝑛</m:t>
+                            </m:r>
+                          </m:e>
+                          <m:sup>
+                            <m:r>
+                              <a:rPr lang="en-US" i="1" dirty="0" smtClean="0">
+                                <a:latin typeface="Cambria Math" panose="02040503050406030204" pitchFamily="18" charset="0"/>
+                              </a:rPr>
+                              <m:t>2</m:t>
+                            </m:r>
+                          </m:sup>
+                        </m:sSup>
+                      </m:e>
+                    </m:d>
+                  </m:oMath>
+                </a14:m>
+                <a:r>
+                  <a:rPr lang="en-US" dirty="0"/>
+                  <a:t>) algorithms; the best case (nearly sorted input) is </a:t>
+                </a:r>
+                <a14:m>
+                  <m:oMath xmlns:m="http://schemas.openxmlformats.org/officeDocument/2006/math">
+                    <m:r>
+                      <a:rPr lang="en-US" i="1" dirty="0" smtClean="0">
+                        <a:latin typeface="Cambria Math" panose="02040503050406030204" pitchFamily="18" charset="0"/>
+                      </a:rPr>
+                      <m:t>𝑂</m:t>
+                    </m:r>
+                    <m:r>
+                      <a:rPr lang="en-US" i="1" dirty="0" smtClean="0">
+                        <a:latin typeface="Cambria Math" panose="02040503050406030204" pitchFamily="18" charset="0"/>
+                      </a:rPr>
+                      <m:t>(</m:t>
+                    </m:r>
+                    <m:r>
+                      <a:rPr lang="en-US" i="1" dirty="0" smtClean="0">
+                        <a:latin typeface="Cambria Math" panose="02040503050406030204" pitchFamily="18" charset="0"/>
+                      </a:rPr>
+                      <m:t>𝑛</m:t>
+                    </m:r>
+                    <m:r>
+                      <a:rPr lang="en-US" i="1" dirty="0" smtClean="0">
+                        <a:latin typeface="Cambria Math" panose="02040503050406030204" pitchFamily="18" charset="0"/>
+                      </a:rPr>
+                      <m:t>)</m:t>
+                    </m:r>
+                  </m:oMath>
+                </a14:m>
+                <a:endParaRPr lang="en-US" dirty="0"/>
+              </a:p>
+              <a:p>
+                <a:pPr lvl="1"/>
+                <a:r>
+                  <a:rPr lang="en-US" dirty="0"/>
+                  <a:t>stable</a:t>
+                </a:r>
+              </a:p>
+              <a:p>
+                <a:pPr lvl="1"/>
+                <a:r>
+                  <a:rPr lang="en-US" dirty="0"/>
+                  <a:t>in-place</a:t>
+                </a:r>
+              </a:p>
+              <a:p>
+                <a:pPr lvl="1"/>
+                <a:r>
+                  <a:rPr lang="en-US" dirty="0"/>
+                  <a:t>online (can sort a sequence </a:t>
+                </a:r>
+                <a:r>
+                  <a:rPr lang="en-US" i="1" dirty="0"/>
+                  <a:t>as </a:t>
+                </a:r>
+                <a:r>
+                  <a:rPr lang="en-US" dirty="0"/>
+                  <a:t>it receives it, one element at a time)</a:t>
+                </a:r>
+              </a:p>
+              <a:p>
+                <a:pPr lvl="1"/>
+                <a:endParaRPr lang="en-GB" dirty="0"/>
+              </a:p>
+            </p:txBody>
+          </p:sp>
+        </mc:Choice>
+        <mc:Fallback xmlns="">
+          <p:sp>
+            <p:nvSpPr>
+              <p:cNvPr id="3" name="Content Placeholder 2"/>
+              <p:cNvSpPr>
+                <a:spLocks noGrp="1" noRot="1" noChangeAspect="1" noMove="1" noResize="1" noEditPoints="1" noAdjustHandles="1" noChangeArrowheads="1" noChangeShapeType="1" noTextEdit="1"/>
+              </p:cNvSpPr>
+              <p:nvPr>
+                <p:ph idx="1"/>
+              </p:nvPr>
+            </p:nvSpPr>
+            <p:spPr>
+              <a:xfrm>
+                <a:off x="677333" y="1930401"/>
+                <a:ext cx="8815987" cy="4276436"/>
+              </a:xfrm>
+              <a:blipFill>
+                <a:blip r:embed="rId2"/>
+                <a:stretch>
+                  <a:fillRect l="-138" t="-999"/>
+                </a:stretch>
+              </a:blipFill>
+            </p:spPr>
+            <p:txBody>
+              <a:bodyPr/>
+              <a:lstStyle/>
+              <a:p>
+                <a:r>
+                  <a:rPr lang="nl-NL">
+                    <a:noFill/>
+                  </a:rPr>
+                  <a:t> </a:t>
+                </a:r>
+              </a:p>
+            </p:txBody>
+          </p:sp>
+        </mc:Fallback>
+      </mc:AlternateContent>
+      <p:sp>
+        <p:nvSpPr>
+          <p:cNvPr id="4" name="Footer Placeholder 3"/>
+          <p:cNvSpPr>
+            <a:spLocks noGrp="1"/>
+          </p:cNvSpPr>
+          <p:nvPr>
+            <p:ph type="ftr" sz="quarter" idx="11"/>
+          </p:nvPr>
+        </p:nvSpPr>
+        <p:spPr/>
+        <p:txBody>
+          <a:bodyPr/>
+          <a:lstStyle/>
+          <a:p>
+            <a:r>
+              <a:rPr lang="it-IT"/>
+              <a:t>INFDEV036A - G. Costantini, F. Di Giacomo</a:t>
+            </a:r>
+            <a:endParaRPr lang="en-GB"/>
+          </a:p>
+        </p:txBody>
+      </p:sp>
+    </p:spTree>
+    <p:extLst>
+      <p:ext uri="{BB962C8B-B14F-4D97-AF65-F5344CB8AC3E}">
+        <p14:creationId xmlns:p14="http://schemas.microsoft.com/office/powerpoint/2010/main" val="954233014"/>
+      </p:ext>
+    </p:extLst>
+  </p:cSld>
+  <p:clrMapOvr>
+    <a:masterClrMapping/>
+  </p:clrMapOvr>
+</p:sld>
+</file>
+
 <file path=ppt/slides/slide25.xml><?xml version="1.0" encoding="utf-8"?>
 <p:sld xmlns:a="http://schemas.openxmlformats.org/drawingml/2006/main" xmlns:r="http://schemas.openxmlformats.org/officeDocument/2006/relationships" xmlns:p="http://schemas.openxmlformats.org/presentationml/2006/main">
   <p:cSld>
@@ -13605,7 +13610,9 @@
         </p:nvSpPr>
         <p:spPr/>
         <p:txBody>
-          <a:bodyPr/>
+          <a:bodyPr>
+            <a:normAutofit lnSpcReduction="10000"/>
+          </a:bodyPr>
           <a:lstStyle/>
           <a:p>
             <a:r>
@@ -13619,6 +13626,15 @@
                 <a:hlinkClick r:id="rId2"/>
               </a:rPr>
               <a:t>http://www.youtube.com/watch?v=INHF_5RIxTE</a:t>
+            </a:r>
+            <a:endParaRPr lang="en-GB" dirty="0"/>
+          </a:p>
+          <a:p>
+            <a:r>
+              <a:rPr lang="nl-NL" dirty="0">
+                <a:hlinkClick r:id="rId3"/>
+              </a:rPr>
+              <a:t>https://caspervonb.github.io/toneofsorting/</a:t>
             </a:r>
             <a:r>
               <a:rPr lang="en-GB" dirty="0"/>
@@ -20808,6 +20824,19 @@
             </a:r>
           </a:p>
           <a:p>
+            <a:r>
+              <a:rPr lang="en-GB" dirty="0"/>
+              <a:t>Download the practical assignment from N@tschool and try it </a:t>
+            </a:r>
+          </a:p>
+          <a:p>
+            <a:pPr lvl="1"/>
+            <a:r>
+              <a:rPr lang="en-GB" dirty="0"/>
+              <a:t>The first exercise in there is about merge sort</a:t>
+            </a:r>
+          </a:p>
+          <a:p>
             <a:pPr lvl="1"/>
             <a:endParaRPr lang="en-GB" dirty="0"/>
           </a:p>
@@ -20854,6 +20883,137 @@
           </a:p>
         </p:txBody>
       </p:sp>
+      <p:pic>
+        <p:nvPicPr>
+          <p:cNvPr id="1026" name="Picture 2" descr="Related image">
+            <a:extLst>
+              <a:ext uri="{FF2B5EF4-FFF2-40B4-BE49-F238E27FC236}">
+                <a16:creationId xmlns:a16="http://schemas.microsoft.com/office/drawing/2014/main" id="{7FD410FE-C0F1-40CE-8936-E55D7B643857}"/>
+              </a:ext>
+            </a:extLst>
+          </p:cNvPr>
+          <p:cNvPicPr>
+            <a:picLocks noChangeAspect="1" noChangeArrowheads="1"/>
+          </p:cNvPicPr>
+          <p:nvPr/>
+        </p:nvPicPr>
+        <p:blipFill>
+          <a:blip r:embed="rId2" cstate="print">
+            <a:extLst>
+              <a:ext uri="{28A0092B-C50C-407E-A947-70E740481C1C}">
+                <a14:useLocalDpi xmlns:a14="http://schemas.microsoft.com/office/drawing/2010/main" val="0"/>
+              </a:ext>
+            </a:extLst>
+          </a:blip>
+          <a:srcRect/>
+          <a:stretch>
+            <a:fillRect/>
+          </a:stretch>
+        </p:blipFill>
+        <p:spPr bwMode="auto">
+          <a:xfrm>
+            <a:off x="8461935" y="107575"/>
+            <a:ext cx="2652059" cy="3182471"/>
+          </a:xfrm>
+          <a:prstGeom prst="rect">
+            <a:avLst/>
+          </a:prstGeom>
+          <a:noFill/>
+          <a:extLst>
+            <a:ext uri="{909E8E84-426E-40DD-AFC4-6F175D3DCCD1}">
+              <a14:hiddenFill xmlns:a14="http://schemas.microsoft.com/office/drawing/2010/main">
+                <a:solidFill>
+                  <a:srgbClr val="FFFFFF"/>
+                </a:solidFill>
+              </a14:hiddenFill>
+            </a:ext>
+          </a:extLst>
+        </p:spPr>
+      </p:pic>
+      <p:cxnSp>
+        <p:nvCxnSpPr>
+          <p:cNvPr id="6" name="Rechte verbindingslijn met pijl 5">
+            <a:extLst>
+              <a:ext uri="{FF2B5EF4-FFF2-40B4-BE49-F238E27FC236}">
+                <a16:creationId xmlns:a16="http://schemas.microsoft.com/office/drawing/2014/main" id="{4E754CD4-340A-41BB-B200-9BE2DD3EA49F}"/>
+              </a:ext>
+            </a:extLst>
+          </p:cNvPr>
+          <p:cNvCxnSpPr/>
+          <p:nvPr/>
+        </p:nvCxnSpPr>
+        <p:spPr>
+          <a:xfrm flipV="1">
+            <a:off x="5585012" y="2160589"/>
+            <a:ext cx="2662517" cy="546752"/>
+          </a:xfrm>
+          <a:prstGeom prst="straightConnector1">
+            <a:avLst/>
+          </a:prstGeom>
+          <a:ln w="57150">
+            <a:tailEnd type="triangle"/>
+          </a:ln>
+        </p:spPr>
+        <p:style>
+          <a:lnRef idx="1">
+            <a:schemeClr val="accent1"/>
+          </a:lnRef>
+          <a:fillRef idx="0">
+            <a:schemeClr val="accent1"/>
+          </a:fillRef>
+          <a:effectRef idx="0">
+            <a:schemeClr val="accent1"/>
+          </a:effectRef>
+          <a:fontRef idx="minor">
+            <a:schemeClr val="tx1"/>
+          </a:fontRef>
+        </p:style>
+      </p:cxnSp>
+      <p:pic>
+        <p:nvPicPr>
+          <p:cNvPr id="5" name="Picture 2" descr="Image result for eye of sauron">
+            <a:extLst>
+              <a:ext uri="{FF2B5EF4-FFF2-40B4-BE49-F238E27FC236}">
+                <a16:creationId xmlns:a16="http://schemas.microsoft.com/office/drawing/2014/main" id="{6EF8320A-10C2-4ED5-B4DB-D2C13E79D612}"/>
+              </a:ext>
+            </a:extLst>
+          </p:cNvPr>
+          <p:cNvPicPr>
+            <a:picLocks noChangeAspect="1" noChangeArrowheads="1"/>
+          </p:cNvPicPr>
+          <p:nvPr/>
+        </p:nvPicPr>
+        <p:blipFill rotWithShape="1">
+          <a:blip r:embed="rId3" cstate="print">
+            <a:extLst>
+              <a:ext uri="{28A0092B-C50C-407E-A947-70E740481C1C}">
+                <a14:useLocalDpi xmlns:a14="http://schemas.microsoft.com/office/drawing/2010/main" val="0"/>
+              </a:ext>
+            </a:extLst>
+          </a:blip>
+          <a:srcRect t="13420" b="13612"/>
+          <a:stretch/>
+        </p:blipFill>
+        <p:spPr bwMode="auto">
+          <a:xfrm>
+            <a:off x="5121202" y="177093"/>
+            <a:ext cx="3707487" cy="1521717"/>
+          </a:xfrm>
+          <a:prstGeom prst="rect">
+            <a:avLst/>
+          </a:prstGeom>
+          <a:noFill/>
+          <a:extLst>
+            <a:ext uri="{909E8E84-426E-40DD-AFC4-6F175D3DCCD1}">
+              <a14:hiddenFill xmlns:a14="http://schemas.microsoft.com/office/drawing/2010/main">
+                <a:solidFill>
+                  <a:srgbClr val="FFFFFF"/>
+                </a:solidFill>
+              </a14:hiddenFill>
+            </a:ext>
+          </a:extLst>
+        </p:spPr>
+      </p:pic>
     </p:spTree>
     <p:extLst>
       <p:ext uri="{BB962C8B-B14F-4D97-AF65-F5344CB8AC3E}">
@@ -21050,7 +21210,7 @@
 </file>
 
 <file path=ppt/slides/slide6.xml><?xml version="1.0" encoding="utf-8"?>
-<p:sld xmlns:a="http://schemas.openxmlformats.org/drawingml/2006/main" xmlns:r="http://schemas.openxmlformats.org/officeDocument/2006/relationships" xmlns:p="http://schemas.openxmlformats.org/presentationml/2006/main">
+<p:sld xmlns:a="http://schemas.openxmlformats.org/drawingml/2006/main" xmlns:r="http://schemas.openxmlformats.org/officeDocument/2006/relationships" xmlns:p="http://schemas.openxmlformats.org/presentationml/2006/main" show="0">
   <p:cSld>
     <p:spTree>
       <p:nvGrpSpPr>
@@ -21563,14 +21723,14 @@
                           </a:rPr>
                           <m:t>1</m:t>
                         </m:r>
-                        <m:r>
-                          <a:rPr lang="en-GB" b="0" i="1" dirty="0" smtClean="0">
-                            <a:latin typeface="Cambria Math" panose="02040503050406030204" pitchFamily="18" charset="0"/>
-                          </a:rPr>
-                          <m:t>′</m:t>
-                        </m:r>
                       </m:sub>
                     </m:sSub>
+                    <m:r>
+                      <a:rPr lang="nl-NL" b="0" i="1" dirty="0" smtClean="0">
+                        <a:latin typeface="Cambria Math" panose="02040503050406030204" pitchFamily="18" charset="0"/>
+                      </a:rPr>
+                      <m:t>′</m:t>
+                    </m:r>
                     <m:r>
                       <a:rPr lang="en-US" i="1" dirty="0">
                         <a:latin typeface="Cambria Math" panose="02040503050406030204" pitchFamily="18" charset="0"/>
@@ -21600,14 +21760,14 @@
                           </a:rPr>
                           <m:t>𝑛</m:t>
                         </m:r>
-                        <m:r>
-                          <a:rPr lang="en-GB" b="0" i="1" dirty="0" smtClean="0">
-                            <a:latin typeface="Cambria Math" panose="02040503050406030204" pitchFamily="18" charset="0"/>
-                          </a:rPr>
-                          <m:t>′</m:t>
-                        </m:r>
                       </m:sub>
                     </m:sSub>
+                    <m:r>
+                      <a:rPr lang="nl-NL" b="0" i="1" dirty="0" smtClean="0">
+                        <a:latin typeface="Cambria Math" panose="02040503050406030204" pitchFamily="18" charset="0"/>
+                      </a:rPr>
+                      <m:t>′</m:t>
+                    </m:r>
                   </m:oMath>
                 </a14:m>
                 <a:r>
@@ -21646,14 +21806,14 @@
                           </a:rPr>
                           <m:t>1</m:t>
                         </m:r>
-                        <m:r>
-                          <a:rPr lang="en-GB" b="0" i="1" dirty="0" smtClean="0">
-                            <a:latin typeface="Cambria Math" panose="02040503050406030204" pitchFamily="18" charset="0"/>
-                          </a:rPr>
-                          <m:t>′</m:t>
-                        </m:r>
                       </m:sub>
                     </m:sSub>
+                    <m:r>
+                      <a:rPr lang="nl-NL" b="0" i="1" dirty="0" smtClean="0">
+                        <a:latin typeface="Cambria Math" panose="02040503050406030204" pitchFamily="18" charset="0"/>
+                      </a:rPr>
+                      <m:t>′</m:t>
+                    </m:r>
                     <m:r>
                       <a:rPr lang="en-US" i="1" dirty="0">
                         <a:latin typeface="Cambria Math" panose="02040503050406030204" pitchFamily="18" charset="0"/>
@@ -21695,14 +21855,14 @@
                           </a:rPr>
                           <m:t>𝑛</m:t>
                         </m:r>
-                        <m:r>
-                          <a:rPr lang="en-GB" b="0" i="1" dirty="0" smtClean="0">
-                            <a:latin typeface="Cambria Math" panose="02040503050406030204" pitchFamily="18" charset="0"/>
-                          </a:rPr>
-                          <m:t>′</m:t>
-                        </m:r>
                       </m:sub>
                     </m:sSub>
+                    <m:r>
+                      <a:rPr lang="nl-NL" b="0" i="1" dirty="0" smtClean="0">
+                        <a:latin typeface="Cambria Math" panose="02040503050406030204" pitchFamily="18" charset="0"/>
+                      </a:rPr>
+                      <m:t>′</m:t>
+                    </m:r>
                   </m:oMath>
                 </a14:m>
                 <a:r>
@@ -21741,7 +21901,7 @@
               </p:nvPr>
             </p:nvSpPr>
             <p:spPr>
-              <a:blipFill rotWithShape="0">
+              <a:blipFill>
                 <a:blip r:embed="rId2"/>
                 <a:stretch>
                   <a:fillRect l="-142" t="-942"/>
@@ -21753,7 +21913,7 @@
               <a:lstStyle/>
               <a:p>
                 <a:r>
-                  <a:rPr lang="en-GB">
+                  <a:rPr lang="nl-NL">
                     <a:noFill/>
                   </a:rPr>
                   <a:t> </a:t>

--- a/Lesson slides/Unit 2 - Sorting algorithms.pptx
+++ b/Lesson slides/Unit 2 - Sorting algorithms.pptx
@@ -246,7 +246,7 @@
           <a:p>
             <a:fld id="{F314420D-16BA-4EDC-9A71-800590EAD5A3}" type="datetimeFigureOut">
               <a:rPr lang="en-GB" smtClean="0"/>
-              <a:t>23/11/2017</a:t>
+              <a:t>24/11/2017</a:t>
             </a:fld>
             <a:endParaRPr lang="en-GB"/>
           </a:p>
@@ -1551,7 +1551,7 @@
           <a:p>
             <a:fld id="{F684358F-5A8D-46F5-A4F4-9916ECB46847}" type="datetime1">
               <a:rPr lang="en-GB" smtClean="0"/>
-              <a:t>23/11/2017</a:t>
+              <a:t>24/11/2017</a:t>
             </a:fld>
             <a:endParaRPr lang="en-GB"/>
           </a:p>
@@ -1806,7 +1806,7 @@
           <a:p>
             <a:fld id="{194D2BD8-08C5-43F0-A6EA-07187D749947}" type="datetime1">
               <a:rPr lang="en-GB" smtClean="0"/>
-              <a:t>23/11/2017</a:t>
+              <a:t>24/11/2017</a:t>
             </a:fld>
             <a:endParaRPr lang="en-GB"/>
           </a:p>
@@ -2124,7 +2124,7 @@
           <a:p>
             <a:fld id="{2D8D4E04-40DC-4187-B310-DB612C5CED42}" type="datetime1">
               <a:rPr lang="en-GB" smtClean="0"/>
-              <a:t>23/11/2017</a:t>
+              <a:t>24/11/2017</a:t>
             </a:fld>
             <a:endParaRPr lang="en-GB"/>
           </a:p>
@@ -2455,7 +2455,7 @@
           <a:p>
             <a:fld id="{C23C8B5D-CF85-4985-A133-6C1E3B3ED983}" type="datetime1">
               <a:rPr lang="en-GB" smtClean="0"/>
-              <a:t>23/11/2017</a:t>
+              <a:t>24/11/2017</a:t>
             </a:fld>
             <a:endParaRPr lang="en-GB"/>
           </a:p>
@@ -2773,7 +2773,7 @@
           <a:p>
             <a:fld id="{625FC69D-FC2F-49BC-8FD1-A9BA7A58F6ED}" type="datetime1">
               <a:rPr lang="en-GB" smtClean="0"/>
-              <a:t>23/11/2017</a:t>
+              <a:t>24/11/2017</a:t>
             </a:fld>
             <a:endParaRPr lang="en-GB"/>
           </a:p>
@@ -3164,7 +3164,7 @@
           <a:p>
             <a:fld id="{153EB4E7-85E4-4754-9E9F-C3E17A76F11D}" type="datetime1">
               <a:rPr lang="en-GB" smtClean="0"/>
-              <a:t>23/11/2017</a:t>
+              <a:t>24/11/2017</a:t>
             </a:fld>
             <a:endParaRPr lang="en-GB"/>
           </a:p>
@@ -3338,7 +3338,7 @@
           <a:p>
             <a:fld id="{E1F1E81A-ED72-4708-ADB5-2F0283D39A1C}" type="datetime1">
               <a:rPr lang="en-GB" smtClean="0"/>
-              <a:t>23/11/2017</a:t>
+              <a:t>24/11/2017</a:t>
             </a:fld>
             <a:endParaRPr lang="en-GB"/>
           </a:p>
@@ -3522,7 +3522,7 @@
           <a:p>
             <a:fld id="{8B9B4761-69B0-4809-9570-AFF8CB97D952}" type="datetime1">
               <a:rPr lang="en-GB" smtClean="0"/>
-              <a:t>23/11/2017</a:t>
+              <a:t>24/11/2017</a:t>
             </a:fld>
             <a:endParaRPr lang="en-GB"/>
           </a:p>
@@ -3696,7 +3696,7 @@
           <a:p>
             <a:fld id="{956E0577-493C-43D8-A6FA-5BE2C58220B1}" type="datetime1">
               <a:rPr lang="en-GB" smtClean="0"/>
-              <a:t>23/11/2017</a:t>
+              <a:t>24/11/2017</a:t>
             </a:fld>
             <a:endParaRPr lang="en-GB"/>
           </a:p>
@@ -3947,7 +3947,7 @@
           <a:p>
             <a:fld id="{304D6F30-9825-4794-9545-D073367068F8}" type="datetime1">
               <a:rPr lang="en-GB" smtClean="0"/>
-              <a:t>23/11/2017</a:t>
+              <a:t>24/11/2017</a:t>
             </a:fld>
             <a:endParaRPr lang="en-GB"/>
           </a:p>
@@ -4183,7 +4183,7 @@
           <a:p>
             <a:fld id="{DBE2C86E-604C-4D60-828D-D12199E8B306}" type="datetime1">
               <a:rPr lang="en-GB" smtClean="0"/>
-              <a:t>23/11/2017</a:t>
+              <a:t>24/11/2017</a:t>
             </a:fld>
             <a:endParaRPr lang="en-GB"/>
           </a:p>
@@ -4561,7 +4561,7 @@
           <a:p>
             <a:fld id="{13EC04E0-B8AF-408E-9C33-E58446FD7352}" type="datetime1">
               <a:rPr lang="en-GB" smtClean="0"/>
-              <a:t>23/11/2017</a:t>
+              <a:t>24/11/2017</a:t>
             </a:fld>
             <a:endParaRPr lang="en-GB"/>
           </a:p>
@@ -4688,7 +4688,7 @@
           <a:p>
             <a:fld id="{9243573A-0A91-4FB4-8885-1EB4FE5B1E54}" type="datetime1">
               <a:rPr lang="en-GB" smtClean="0"/>
-              <a:t>23/11/2017</a:t>
+              <a:t>24/11/2017</a:t>
             </a:fld>
             <a:endParaRPr lang="en-GB"/>
           </a:p>
@@ -4787,7 +4787,7 @@
           <a:p>
             <a:fld id="{B4710004-43A1-4DBA-A644-554D1059FD1C}" type="datetime1">
               <a:rPr lang="en-GB" smtClean="0"/>
-              <a:t>23/11/2017</a:t>
+              <a:t>24/11/2017</a:t>
             </a:fld>
             <a:endParaRPr lang="en-GB"/>
           </a:p>
@@ -5046,7 +5046,7 @@
           <a:p>
             <a:fld id="{FC9720D1-9F76-4FA1-8657-AC1E8E0981A6}" type="datetime1">
               <a:rPr lang="en-GB" smtClean="0"/>
-              <a:t>23/11/2017</a:t>
+              <a:t>24/11/2017</a:t>
             </a:fld>
             <a:endParaRPr lang="en-GB"/>
           </a:p>
@@ -5313,7 +5313,7 @@
           <a:p>
             <a:fld id="{C8E20631-DE8B-4701-976E-E03410B1997C}" type="datetime1">
               <a:rPr lang="en-GB" smtClean="0"/>
-              <a:t>23/11/2017</a:t>
+              <a:t>24/11/2017</a:t>
             </a:fld>
             <a:endParaRPr lang="en-GB"/>
           </a:p>
@@ -6062,7 +6062,7 @@
           <a:p>
             <a:fld id="{B9424B04-571C-4D6B-BA35-700508E94D99}" type="datetime1">
               <a:rPr lang="en-GB" smtClean="0"/>
-              <a:t>23/11/2017</a:t>
+              <a:t>24/11/2017</a:t>
             </a:fld>
             <a:endParaRPr lang="en-GB"/>
           </a:p>
@@ -6887,6 +6887,116 @@
   <p:clrMapOvr>
     <a:masterClrMapping/>
   </p:clrMapOvr>
+  <p:timing>
+    <p:tnLst>
+      <p:par>
+        <p:cTn id="1" dur="indefinite" restart="never" nodeType="tmRoot">
+          <p:childTnLst>
+            <p:seq concurrent="1" nextAc="seek">
+              <p:cTn id="2" dur="indefinite" nodeType="mainSeq">
+                <p:childTnLst>
+                  <p:par>
+                    <p:cTn id="3" fill="hold">
+                      <p:stCondLst>
+                        <p:cond delay="indefinite"/>
+                      </p:stCondLst>
+                      <p:childTnLst>
+                        <p:par>
+                          <p:cTn id="4" fill="hold">
+                            <p:stCondLst>
+                              <p:cond delay="0"/>
+                            </p:stCondLst>
+                            <p:childTnLst>
+                              <p:par>
+                                <p:cTn id="5" presetID="1" presetClass="entr" presetSubtype="0" fill="hold" nodeType="clickEffect">
+                                  <p:stCondLst>
+                                    <p:cond delay="0"/>
+                                  </p:stCondLst>
+                                  <p:childTnLst>
+                                    <p:set>
+                                      <p:cBhvr>
+                                        <p:cTn id="6" dur="1" fill="hold">
+                                          <p:stCondLst>
+                                            <p:cond delay="0"/>
+                                          </p:stCondLst>
+                                        </p:cTn>
+                                        <p:tgtEl>
+                                          <p:spTgt spid="3">
+                                            <p:txEl>
+                                              <p:pRg st="2" end="2"/>
+                                            </p:txEl>
+                                          </p:spTgt>
+                                        </p:tgtEl>
+                                        <p:attrNameLst>
+                                          <p:attrName>style.visibility</p:attrName>
+                                        </p:attrNameLst>
+                                      </p:cBhvr>
+                                      <p:to>
+                                        <p:strVal val="visible"/>
+                                      </p:to>
+                                    </p:set>
+                                  </p:childTnLst>
+                                </p:cTn>
+                              </p:par>
+                              <p:par>
+                                <p:cTn id="7" presetID="1" presetClass="entr" presetSubtype="0" fill="hold" nodeType="withEffect">
+                                  <p:stCondLst>
+                                    <p:cond delay="0"/>
+                                  </p:stCondLst>
+                                  <p:childTnLst>
+                                    <p:set>
+                                      <p:cBhvr>
+                                        <p:cTn id="8" dur="1" fill="hold">
+                                          <p:stCondLst>
+                                            <p:cond delay="0"/>
+                                          </p:stCondLst>
+                                        </p:cTn>
+                                        <p:tgtEl>
+                                          <p:spTgt spid="3">
+                                            <p:txEl>
+                                              <p:pRg st="3" end="3"/>
+                                            </p:txEl>
+                                          </p:spTgt>
+                                        </p:tgtEl>
+                                        <p:attrNameLst>
+                                          <p:attrName>style.visibility</p:attrName>
+                                        </p:attrNameLst>
+                                      </p:cBhvr>
+                                      <p:to>
+                                        <p:strVal val="visible"/>
+                                      </p:to>
+                                    </p:set>
+                                  </p:childTnLst>
+                                </p:cTn>
+                              </p:par>
+                            </p:childTnLst>
+                          </p:cTn>
+                        </p:par>
+                      </p:childTnLst>
+                    </p:cTn>
+                  </p:par>
+                </p:childTnLst>
+              </p:cTn>
+              <p:prevCondLst>
+                <p:cond evt="onPrev" delay="0">
+                  <p:tgtEl>
+                    <p:sldTgt/>
+                  </p:tgtEl>
+                </p:cond>
+              </p:prevCondLst>
+              <p:nextCondLst>
+                <p:cond evt="onNext" delay="0">
+                  <p:tgtEl>
+                    <p:sldTgt/>
+                  </p:tgtEl>
+                </p:cond>
+              </p:nextCondLst>
+            </p:seq>
+          </p:childTnLst>
+        </p:cTn>
+      </p:par>
+    </p:tnLst>
+  </p:timing>
 </p:sld>
 </file>
 
@@ -7220,6 +7330,183 @@
   <p:clrMapOvr>
     <a:masterClrMapping/>
   </p:clrMapOvr>
+  <p:timing>
+    <p:tnLst>
+      <p:par>
+        <p:cTn id="1" dur="indefinite" restart="never" nodeType="tmRoot">
+          <p:childTnLst>
+            <p:seq concurrent="1" nextAc="seek">
+              <p:cTn id="2" dur="indefinite" nodeType="mainSeq">
+                <p:childTnLst>
+                  <p:par>
+                    <p:cTn id="3" fill="hold">
+                      <p:stCondLst>
+                        <p:cond delay="indefinite"/>
+                      </p:stCondLst>
+                      <p:childTnLst>
+                        <p:par>
+                          <p:cTn id="4" fill="hold">
+                            <p:stCondLst>
+                              <p:cond delay="0"/>
+                            </p:stCondLst>
+                            <p:childTnLst>
+                              <p:par>
+                                <p:cTn id="5" presetID="1" presetClass="entr" presetSubtype="0" fill="hold" nodeType="clickEffect">
+                                  <p:stCondLst>
+                                    <p:cond delay="0"/>
+                                  </p:stCondLst>
+                                  <p:childTnLst>
+                                    <p:set>
+                                      <p:cBhvr>
+                                        <p:cTn id="6" dur="1" fill="hold">
+                                          <p:stCondLst>
+                                            <p:cond delay="0"/>
+                                          </p:stCondLst>
+                                        </p:cTn>
+                                        <p:tgtEl>
+                                          <p:spTgt spid="3">
+                                            <p:txEl>
+                                              <p:pRg st="4" end="4"/>
+                                            </p:txEl>
+                                          </p:spTgt>
+                                        </p:tgtEl>
+                                        <p:attrNameLst>
+                                          <p:attrName>style.visibility</p:attrName>
+                                        </p:attrNameLst>
+                                      </p:cBhvr>
+                                      <p:to>
+                                        <p:strVal val="visible"/>
+                                      </p:to>
+                                    </p:set>
+                                  </p:childTnLst>
+                                </p:cTn>
+                              </p:par>
+                            </p:childTnLst>
+                          </p:cTn>
+                        </p:par>
+                      </p:childTnLst>
+                    </p:cTn>
+                  </p:par>
+                  <p:par>
+                    <p:cTn id="7" fill="hold">
+                      <p:stCondLst>
+                        <p:cond delay="indefinite"/>
+                      </p:stCondLst>
+                      <p:childTnLst>
+                        <p:par>
+                          <p:cTn id="8" fill="hold">
+                            <p:stCondLst>
+                              <p:cond delay="0"/>
+                            </p:stCondLst>
+                            <p:childTnLst>
+                              <p:par>
+                                <p:cTn id="9" presetID="1" presetClass="entr" presetSubtype="0" fill="hold" nodeType="clickEffect">
+                                  <p:stCondLst>
+                                    <p:cond delay="0"/>
+                                  </p:stCondLst>
+                                  <p:childTnLst>
+                                    <p:set>
+                                      <p:cBhvr>
+                                        <p:cTn id="10" dur="1" fill="hold">
+                                          <p:stCondLst>
+                                            <p:cond delay="0"/>
+                                          </p:stCondLst>
+                                        </p:cTn>
+                                        <p:tgtEl>
+                                          <p:spTgt spid="3">
+                                            <p:txEl>
+                                              <p:pRg st="5" end="5"/>
+                                            </p:txEl>
+                                          </p:spTgt>
+                                        </p:tgtEl>
+                                        <p:attrNameLst>
+                                          <p:attrName>style.visibility</p:attrName>
+                                        </p:attrNameLst>
+                                      </p:cBhvr>
+                                      <p:to>
+                                        <p:strVal val="visible"/>
+                                      </p:to>
+                                    </p:set>
+                                  </p:childTnLst>
+                                </p:cTn>
+                              </p:par>
+                            </p:childTnLst>
+                          </p:cTn>
+                        </p:par>
+                      </p:childTnLst>
+                    </p:cTn>
+                  </p:par>
+                  <p:par>
+                    <p:cTn id="11" fill="hold">
+                      <p:stCondLst>
+                        <p:cond delay="indefinite"/>
+                      </p:stCondLst>
+                      <p:childTnLst>
+                        <p:par>
+                          <p:cTn id="12" fill="hold">
+                            <p:stCondLst>
+                              <p:cond delay="0"/>
+                            </p:stCondLst>
+                            <p:childTnLst>
+                              <p:par>
+                                <p:cTn id="13" presetID="1" presetClass="entr" presetSubtype="0" fill="hold" nodeType="clickEffect">
+                                  <p:stCondLst>
+                                    <p:cond delay="0"/>
+                                  </p:stCondLst>
+                                  <p:childTnLst>
+                                    <p:set>
+                                      <p:cBhvr>
+                                        <p:cTn id="14" dur="1" fill="hold">
+                                          <p:stCondLst>
+                                            <p:cond delay="0"/>
+                                          </p:stCondLst>
+                                        </p:cTn>
+                                        <p:tgtEl>
+                                          <p:spTgt spid="3">
+                                            <p:txEl>
+                                              <p:pRg st="6" end="6"/>
+                                            </p:txEl>
+                                          </p:spTgt>
+                                        </p:tgtEl>
+                                        <p:attrNameLst>
+                                          <p:attrName>style.visibility</p:attrName>
+                                        </p:attrNameLst>
+                                      </p:cBhvr>
+                                      <p:to>
+                                        <p:strVal val="visible"/>
+                                      </p:to>
+                                    </p:set>
+                                  </p:childTnLst>
+                                </p:cTn>
+                              </p:par>
+                            </p:childTnLst>
+                          </p:cTn>
+                        </p:par>
+                      </p:childTnLst>
+                    </p:cTn>
+                  </p:par>
+                </p:childTnLst>
+              </p:cTn>
+              <p:prevCondLst>
+                <p:cond evt="onPrev" delay="0">
+                  <p:tgtEl>
+                    <p:sldTgt/>
+                  </p:tgtEl>
+                </p:cond>
+              </p:prevCondLst>
+              <p:nextCondLst>
+                <p:cond evt="onNext" delay="0">
+                  <p:tgtEl>
+                    <p:sldTgt/>
+                  </p:tgtEl>
+                </p:cond>
+              </p:nextCondLst>
+            </p:seq>
+          </p:childTnLst>
+        </p:cTn>
+      </p:par>
+    </p:tnLst>
+  </p:timing>
 </p:sld>
 </file>
 
@@ -8236,6 +8523,379 @@
   <p:clrMapOvr>
     <a:masterClrMapping/>
   </p:clrMapOvr>
+  <p:timing>
+    <p:tnLst>
+      <p:par>
+        <p:cTn id="1" dur="indefinite" restart="never" nodeType="tmRoot">
+          <p:childTnLst>
+            <p:seq concurrent="1" nextAc="seek">
+              <p:cTn id="2" dur="indefinite" nodeType="mainSeq">
+                <p:childTnLst>
+                  <p:par>
+                    <p:cTn id="3" fill="hold">
+                      <p:stCondLst>
+                        <p:cond delay="indefinite"/>
+                      </p:stCondLst>
+                      <p:childTnLst>
+                        <p:par>
+                          <p:cTn id="4" fill="hold">
+                            <p:stCondLst>
+                              <p:cond delay="0"/>
+                            </p:stCondLst>
+                            <p:childTnLst>
+                              <p:par>
+                                <p:cTn id="5" presetID="1" presetClass="entr" presetSubtype="0" fill="hold" nodeType="clickEffect">
+                                  <p:stCondLst>
+                                    <p:cond delay="0"/>
+                                  </p:stCondLst>
+                                  <p:childTnLst>
+                                    <p:set>
+                                      <p:cBhvr>
+                                        <p:cTn id="6" dur="1" fill="hold">
+                                          <p:stCondLst>
+                                            <p:cond delay="0"/>
+                                          </p:stCondLst>
+                                        </p:cTn>
+                                        <p:tgtEl>
+                                          <p:spTgt spid="3">
+                                            <p:txEl>
+                                              <p:pRg st="2" end="2"/>
+                                            </p:txEl>
+                                          </p:spTgt>
+                                        </p:tgtEl>
+                                        <p:attrNameLst>
+                                          <p:attrName>style.visibility</p:attrName>
+                                        </p:attrNameLst>
+                                      </p:cBhvr>
+                                      <p:to>
+                                        <p:strVal val="visible"/>
+                                      </p:to>
+                                    </p:set>
+                                  </p:childTnLst>
+                                </p:cTn>
+                              </p:par>
+                            </p:childTnLst>
+                          </p:cTn>
+                        </p:par>
+                      </p:childTnLst>
+                    </p:cTn>
+                  </p:par>
+                  <p:par>
+                    <p:cTn id="7" fill="hold">
+                      <p:stCondLst>
+                        <p:cond delay="indefinite"/>
+                      </p:stCondLst>
+                      <p:childTnLst>
+                        <p:par>
+                          <p:cTn id="8" fill="hold">
+                            <p:stCondLst>
+                              <p:cond delay="0"/>
+                            </p:stCondLst>
+                            <p:childTnLst>
+                              <p:par>
+                                <p:cTn id="9" presetID="1" presetClass="entr" presetSubtype="0" fill="hold" nodeType="clickEffect">
+                                  <p:stCondLst>
+                                    <p:cond delay="0"/>
+                                  </p:stCondLst>
+                                  <p:childTnLst>
+                                    <p:set>
+                                      <p:cBhvr>
+                                        <p:cTn id="10" dur="1" fill="hold">
+                                          <p:stCondLst>
+                                            <p:cond delay="0"/>
+                                          </p:stCondLst>
+                                        </p:cTn>
+                                        <p:tgtEl>
+                                          <p:spTgt spid="3">
+                                            <p:txEl>
+                                              <p:pRg st="3" end="3"/>
+                                            </p:txEl>
+                                          </p:spTgt>
+                                        </p:tgtEl>
+                                        <p:attrNameLst>
+                                          <p:attrName>style.visibility</p:attrName>
+                                        </p:attrNameLst>
+                                      </p:cBhvr>
+                                      <p:to>
+                                        <p:strVal val="visible"/>
+                                      </p:to>
+                                    </p:set>
+                                  </p:childTnLst>
+                                </p:cTn>
+                              </p:par>
+                            </p:childTnLst>
+                          </p:cTn>
+                        </p:par>
+                      </p:childTnLst>
+                    </p:cTn>
+                  </p:par>
+                  <p:par>
+                    <p:cTn id="11" fill="hold">
+                      <p:stCondLst>
+                        <p:cond delay="indefinite"/>
+                      </p:stCondLst>
+                      <p:childTnLst>
+                        <p:par>
+                          <p:cTn id="12" fill="hold">
+                            <p:stCondLst>
+                              <p:cond delay="0"/>
+                            </p:stCondLst>
+                            <p:childTnLst>
+                              <p:par>
+                                <p:cTn id="13" presetID="1" presetClass="entr" presetSubtype="0" fill="hold" nodeType="clickEffect">
+                                  <p:stCondLst>
+                                    <p:cond delay="0"/>
+                                  </p:stCondLst>
+                                  <p:childTnLst>
+                                    <p:set>
+                                      <p:cBhvr>
+                                        <p:cTn id="14" dur="1" fill="hold">
+                                          <p:stCondLst>
+                                            <p:cond delay="0"/>
+                                          </p:stCondLst>
+                                        </p:cTn>
+                                        <p:tgtEl>
+                                          <p:spTgt spid="3">
+                                            <p:txEl>
+                                              <p:pRg st="4" end="4"/>
+                                            </p:txEl>
+                                          </p:spTgt>
+                                        </p:tgtEl>
+                                        <p:attrNameLst>
+                                          <p:attrName>style.visibility</p:attrName>
+                                        </p:attrNameLst>
+                                      </p:cBhvr>
+                                      <p:to>
+                                        <p:strVal val="visible"/>
+                                      </p:to>
+                                    </p:set>
+                                  </p:childTnLst>
+                                </p:cTn>
+                              </p:par>
+                            </p:childTnLst>
+                          </p:cTn>
+                        </p:par>
+                      </p:childTnLst>
+                    </p:cTn>
+                  </p:par>
+                  <p:par>
+                    <p:cTn id="15" fill="hold">
+                      <p:stCondLst>
+                        <p:cond delay="indefinite"/>
+                      </p:stCondLst>
+                      <p:childTnLst>
+                        <p:par>
+                          <p:cTn id="16" fill="hold">
+                            <p:stCondLst>
+                              <p:cond delay="0"/>
+                            </p:stCondLst>
+                            <p:childTnLst>
+                              <p:par>
+                                <p:cTn id="17" presetID="1" presetClass="entr" presetSubtype="0" fill="hold" nodeType="clickEffect">
+                                  <p:stCondLst>
+                                    <p:cond delay="0"/>
+                                  </p:stCondLst>
+                                  <p:childTnLst>
+                                    <p:set>
+                                      <p:cBhvr>
+                                        <p:cTn id="18" dur="1" fill="hold">
+                                          <p:stCondLst>
+                                            <p:cond delay="0"/>
+                                          </p:stCondLst>
+                                        </p:cTn>
+                                        <p:tgtEl>
+                                          <p:spTgt spid="3">
+                                            <p:txEl>
+                                              <p:pRg st="5" end="5"/>
+                                            </p:txEl>
+                                          </p:spTgt>
+                                        </p:tgtEl>
+                                        <p:attrNameLst>
+                                          <p:attrName>style.visibility</p:attrName>
+                                        </p:attrNameLst>
+                                      </p:cBhvr>
+                                      <p:to>
+                                        <p:strVal val="visible"/>
+                                      </p:to>
+                                    </p:set>
+                                  </p:childTnLst>
+                                </p:cTn>
+                              </p:par>
+                            </p:childTnLst>
+                          </p:cTn>
+                        </p:par>
+                      </p:childTnLst>
+                    </p:cTn>
+                  </p:par>
+                  <p:par>
+                    <p:cTn id="19" fill="hold">
+                      <p:stCondLst>
+                        <p:cond delay="indefinite"/>
+                      </p:stCondLst>
+                      <p:childTnLst>
+                        <p:par>
+                          <p:cTn id="20" fill="hold">
+                            <p:stCondLst>
+                              <p:cond delay="0"/>
+                            </p:stCondLst>
+                            <p:childTnLst>
+                              <p:par>
+                                <p:cTn id="21" presetID="1" presetClass="entr" presetSubtype="0" fill="hold" nodeType="clickEffect">
+                                  <p:stCondLst>
+                                    <p:cond delay="0"/>
+                                  </p:stCondLst>
+                                  <p:childTnLst>
+                                    <p:set>
+                                      <p:cBhvr>
+                                        <p:cTn id="22" dur="1" fill="hold">
+                                          <p:stCondLst>
+                                            <p:cond delay="0"/>
+                                          </p:stCondLst>
+                                        </p:cTn>
+                                        <p:tgtEl>
+                                          <p:spTgt spid="3">
+                                            <p:txEl>
+                                              <p:pRg st="6" end="6"/>
+                                            </p:txEl>
+                                          </p:spTgt>
+                                        </p:tgtEl>
+                                        <p:attrNameLst>
+                                          <p:attrName>style.visibility</p:attrName>
+                                        </p:attrNameLst>
+                                      </p:cBhvr>
+                                      <p:to>
+                                        <p:strVal val="visible"/>
+                                      </p:to>
+                                    </p:set>
+                                  </p:childTnLst>
+                                </p:cTn>
+                              </p:par>
+                            </p:childTnLst>
+                          </p:cTn>
+                        </p:par>
+                      </p:childTnLst>
+                    </p:cTn>
+                  </p:par>
+                  <p:par>
+                    <p:cTn id="23" fill="hold">
+                      <p:stCondLst>
+                        <p:cond delay="indefinite"/>
+                      </p:stCondLst>
+                      <p:childTnLst>
+                        <p:par>
+                          <p:cTn id="24" fill="hold">
+                            <p:stCondLst>
+                              <p:cond delay="0"/>
+                            </p:stCondLst>
+                            <p:childTnLst>
+                              <p:par>
+                                <p:cTn id="25" presetID="1" presetClass="entr" presetSubtype="0" fill="hold" nodeType="clickEffect">
+                                  <p:stCondLst>
+                                    <p:cond delay="0"/>
+                                  </p:stCondLst>
+                                  <p:childTnLst>
+                                    <p:set>
+                                      <p:cBhvr>
+                                        <p:cTn id="26" dur="1" fill="hold">
+                                          <p:stCondLst>
+                                            <p:cond delay="0"/>
+                                          </p:stCondLst>
+                                        </p:cTn>
+                                        <p:tgtEl>
+                                          <p:spTgt spid="3">
+                                            <p:txEl>
+                                              <p:pRg st="7" end="7"/>
+                                            </p:txEl>
+                                          </p:spTgt>
+                                        </p:tgtEl>
+                                        <p:attrNameLst>
+                                          <p:attrName>style.visibility</p:attrName>
+                                        </p:attrNameLst>
+                                      </p:cBhvr>
+                                      <p:to>
+                                        <p:strVal val="visible"/>
+                                      </p:to>
+                                    </p:set>
+                                  </p:childTnLst>
+                                </p:cTn>
+                              </p:par>
+                            </p:childTnLst>
+                          </p:cTn>
+                        </p:par>
+                      </p:childTnLst>
+                    </p:cTn>
+                  </p:par>
+                  <p:par>
+                    <p:cTn id="27" fill="hold">
+                      <p:stCondLst>
+                        <p:cond delay="indefinite"/>
+                      </p:stCondLst>
+                      <p:childTnLst>
+                        <p:par>
+                          <p:cTn id="28" fill="hold">
+                            <p:stCondLst>
+                              <p:cond delay="0"/>
+                            </p:stCondLst>
+                            <p:childTnLst>
+                              <p:par>
+                                <p:cTn id="29" presetID="1" presetClass="entr" presetSubtype="0" fill="hold" nodeType="clickEffect">
+                                  <p:stCondLst>
+                                    <p:cond delay="0"/>
+                                  </p:stCondLst>
+                                  <p:childTnLst>
+                                    <p:set>
+                                      <p:cBhvr>
+                                        <p:cTn id="30" dur="1" fill="hold">
+                                          <p:stCondLst>
+                                            <p:cond delay="0"/>
+                                          </p:stCondLst>
+                                        </p:cTn>
+                                        <p:tgtEl>
+                                          <p:spTgt spid="3">
+                                            <p:txEl>
+                                              <p:pRg st="8" end="8"/>
+                                            </p:txEl>
+                                          </p:spTgt>
+                                        </p:tgtEl>
+                                        <p:attrNameLst>
+                                          <p:attrName>style.visibility</p:attrName>
+                                        </p:attrNameLst>
+                                      </p:cBhvr>
+                                      <p:to>
+                                        <p:strVal val="visible"/>
+                                      </p:to>
+                                    </p:set>
+                                  </p:childTnLst>
+                                </p:cTn>
+                              </p:par>
+                            </p:childTnLst>
+                          </p:cTn>
+                        </p:par>
+                      </p:childTnLst>
+                    </p:cTn>
+                  </p:par>
+                </p:childTnLst>
+              </p:cTn>
+              <p:prevCondLst>
+                <p:cond evt="onPrev" delay="0">
+                  <p:tgtEl>
+                    <p:sldTgt/>
+                  </p:tgtEl>
+                </p:cond>
+              </p:prevCondLst>
+              <p:nextCondLst>
+                <p:cond evt="onNext" delay="0">
+                  <p:tgtEl>
+                    <p:sldTgt/>
+                  </p:tgtEl>
+                </p:cond>
+              </p:nextCondLst>
+            </p:seq>
+          </p:childTnLst>
+        </p:cTn>
+      </p:par>
+    </p:tnLst>
+  </p:timing>
 </p:sld>
 </file>
 
@@ -9777,6 +10437,116 @@
   <p:clrMapOvr>
     <a:masterClrMapping/>
   </p:clrMapOvr>
+  <p:timing>
+    <p:tnLst>
+      <p:par>
+        <p:cTn id="1" dur="indefinite" restart="never" nodeType="tmRoot">
+          <p:childTnLst>
+            <p:seq concurrent="1" nextAc="seek">
+              <p:cTn id="2" dur="indefinite" nodeType="mainSeq">
+                <p:childTnLst>
+                  <p:par>
+                    <p:cTn id="3" fill="hold">
+                      <p:stCondLst>
+                        <p:cond delay="indefinite"/>
+                      </p:stCondLst>
+                      <p:childTnLst>
+                        <p:par>
+                          <p:cTn id="4" fill="hold">
+                            <p:stCondLst>
+                              <p:cond delay="0"/>
+                            </p:stCondLst>
+                            <p:childTnLst>
+                              <p:par>
+                                <p:cTn id="5" presetID="1" presetClass="entr" presetSubtype="0" fill="hold" nodeType="clickEffect">
+                                  <p:stCondLst>
+                                    <p:cond delay="0"/>
+                                  </p:stCondLst>
+                                  <p:childTnLst>
+                                    <p:set>
+                                      <p:cBhvr>
+                                        <p:cTn id="6" dur="1" fill="hold">
+                                          <p:stCondLst>
+                                            <p:cond delay="0"/>
+                                          </p:stCondLst>
+                                        </p:cTn>
+                                        <p:tgtEl>
+                                          <p:spTgt spid="3">
+                                            <p:txEl>
+                                              <p:pRg st="8" end="8"/>
+                                            </p:txEl>
+                                          </p:spTgt>
+                                        </p:tgtEl>
+                                        <p:attrNameLst>
+                                          <p:attrName>style.visibility</p:attrName>
+                                        </p:attrNameLst>
+                                      </p:cBhvr>
+                                      <p:to>
+                                        <p:strVal val="visible"/>
+                                      </p:to>
+                                    </p:set>
+                                  </p:childTnLst>
+                                </p:cTn>
+                              </p:par>
+                              <p:par>
+                                <p:cTn id="7" presetID="1" presetClass="entr" presetSubtype="0" fill="hold" nodeType="withEffect">
+                                  <p:stCondLst>
+                                    <p:cond delay="0"/>
+                                  </p:stCondLst>
+                                  <p:childTnLst>
+                                    <p:set>
+                                      <p:cBhvr>
+                                        <p:cTn id="8" dur="1" fill="hold">
+                                          <p:stCondLst>
+                                            <p:cond delay="0"/>
+                                          </p:stCondLst>
+                                        </p:cTn>
+                                        <p:tgtEl>
+                                          <p:spTgt spid="3">
+                                            <p:txEl>
+                                              <p:pRg st="9" end="9"/>
+                                            </p:txEl>
+                                          </p:spTgt>
+                                        </p:tgtEl>
+                                        <p:attrNameLst>
+                                          <p:attrName>style.visibility</p:attrName>
+                                        </p:attrNameLst>
+                                      </p:cBhvr>
+                                      <p:to>
+                                        <p:strVal val="visible"/>
+                                      </p:to>
+                                    </p:set>
+                                  </p:childTnLst>
+                                </p:cTn>
+                              </p:par>
+                            </p:childTnLst>
+                          </p:cTn>
+                        </p:par>
+                      </p:childTnLst>
+                    </p:cTn>
+                  </p:par>
+                </p:childTnLst>
+              </p:cTn>
+              <p:prevCondLst>
+                <p:cond evt="onPrev" delay="0">
+                  <p:tgtEl>
+                    <p:sldTgt/>
+                  </p:tgtEl>
+                </p:cond>
+              </p:prevCondLst>
+              <p:nextCondLst>
+                <p:cond evt="onNext" delay="0">
+                  <p:tgtEl>
+                    <p:sldTgt/>
+                  </p:tgtEl>
+                </p:cond>
+              </p:nextCondLst>
+            </p:seq>
+          </p:childTnLst>
+        </p:cTn>
+      </p:par>
+    </p:tnLst>
+  </p:timing>
 </p:sld>
 </file>
 
@@ -9989,160 +10759,90 @@
           </a:p>
         </p:txBody>
       </p:sp>
-      <mc:AlternateContent xmlns:mc="http://schemas.openxmlformats.org/markup-compatibility/2006" xmlns:a14="http://schemas.microsoft.com/office/drawing/2010/main">
-        <mc:Choice Requires="a14">
-          <p:sp>
-            <p:nvSpPr>
-              <p:cNvPr id="3" name="Content Placeholder 2"/>
-              <p:cNvSpPr>
-                <a:spLocks noGrp="1"/>
-              </p:cNvSpPr>
-              <p:nvPr>
-                <p:ph idx="1"/>
-              </p:nvPr>
-            </p:nvSpPr>
-            <p:spPr/>
-            <p:txBody>
-              <a:bodyPr/>
-              <a:lstStyle/>
-              <a:p>
-                <a:r>
-                  <a:rPr lang="en-GB" b="1" dirty="0"/>
-                  <a:t>Performance</a:t>
-                </a:r>
-              </a:p>
-              <a:p>
-                <a:endParaRPr lang="en-GB" dirty="0"/>
-              </a:p>
-              <a:p>
-                <a:r>
-                  <a:rPr lang="en-GB" b="0" dirty="0"/>
-                  <a:t>Even with the same input </a:t>
-                </a:r>
-                <a:r>
-                  <a:rPr lang="en-GB" b="0" i="1" dirty="0"/>
-                  <a:t>size</a:t>
-                </a:r>
-                <a:r>
-                  <a:rPr lang="en-GB" b="0" dirty="0"/>
-                  <a:t>, runtime may differ</a:t>
-                </a:r>
-              </a:p>
-              <a:p>
-                <a:pPr lvl="1"/>
-                <a:r>
-                  <a:rPr lang="en-GB" dirty="0"/>
-                  <a:t>Depends on the </a:t>
-                </a:r>
-                <a:r>
-                  <a:rPr lang="en-GB" i="1" u="sng" dirty="0"/>
-                  <a:t>shape</a:t>
-                </a:r>
-                <a:r>
-                  <a:rPr lang="en-GB" dirty="0"/>
-                  <a:t> of the data!</a:t>
-                </a:r>
-              </a:p>
-              <a:p>
-                <a:pPr lvl="2"/>
-                <a:r>
-                  <a:rPr lang="en-GB" dirty="0"/>
-                  <a:t>what varies is how many times we execute the loop test (</a:t>
-                </a:r>
-                <a14:m>
-                  <m:oMath xmlns:m="http://schemas.openxmlformats.org/officeDocument/2006/math">
-                    <m:sSub>
-                      <m:sSubPr>
-                        <m:ctrlPr>
-                          <a:rPr lang="en-GB" i="1">
-                            <a:latin typeface="Cambria Math" panose="02040503050406030204" pitchFamily="18" charset="0"/>
-                          </a:rPr>
-                        </m:ctrlPr>
-                      </m:sSubPr>
-                      <m:e>
-                        <m:r>
-                          <a:rPr lang="en-GB" i="1">
-                            <a:latin typeface="Cambria Math" panose="02040503050406030204" pitchFamily="18" charset="0"/>
-                          </a:rPr>
-                          <m:t>𝑡</m:t>
-                        </m:r>
-                      </m:e>
-                      <m:sub>
-                        <m:r>
-                          <a:rPr lang="en-GB" i="1">
-                            <a:latin typeface="Cambria Math" panose="02040503050406030204" pitchFamily="18" charset="0"/>
-                          </a:rPr>
-                          <m:t>𝑗</m:t>
-                        </m:r>
-                      </m:sub>
-                    </m:sSub>
-                  </m:oMath>
-                </a14:m>
-                <a:r>
-                  <a:rPr lang="en-GB" dirty="0"/>
-                  <a:t>)</a:t>
-                </a:r>
-              </a:p>
-              <a:p>
-                <a:pPr lvl="2"/>
-                <a:r>
-                  <a:rPr lang="en-GB" b="0" dirty="0"/>
-                  <a:t>we can distinguish best, </a:t>
-                </a:r>
-                <a:r>
-                  <a:rPr lang="en-GB" b="1" dirty="0"/>
-                  <a:t>worst</a:t>
-                </a:r>
-                <a:r>
-                  <a:rPr lang="en-GB" b="0" dirty="0"/>
-                  <a:t>, average case</a:t>
-                </a:r>
-              </a:p>
-              <a:p>
-                <a:pPr lvl="2"/>
-                <a:r>
-                  <a:rPr lang="en-GB" dirty="0"/>
-                  <a:t>for each one, we can use the Big O notation (upper bound)</a:t>
-                </a:r>
-                <a:endParaRPr lang="en-GB" b="0" dirty="0"/>
-              </a:p>
-            </p:txBody>
-          </p:sp>
-        </mc:Choice>
-        <mc:Fallback xmlns="">
-          <p:sp>
-            <p:nvSpPr>
-              <p:cNvPr id="3" name="Content Placeholder 2"/>
-              <p:cNvSpPr>
-                <a:spLocks noGrp="1" noRot="1" noChangeAspect="1" noMove="1" noResize="1" noEditPoints="1" noAdjustHandles="1" noChangeArrowheads="1" noChangeShapeType="1" noTextEdit="1"/>
-              </p:cNvSpPr>
-              <p:nvPr>
-                <p:ph idx="1"/>
-              </p:nvPr>
-            </p:nvSpPr>
-            <p:spPr>
-              <a:blipFill rotWithShape="0">
-                <a:blip r:embed="rId2"/>
-                <a:stretch>
-                  <a:fillRect l="-142" t="-942"/>
-                </a:stretch>
-              </a:blipFill>
-            </p:spPr>
-            <p:txBody>
-              <a:bodyPr/>
-              <a:lstStyle/>
-              <a:p>
-                <a:r>
-                  <a:rPr lang="en-GB">
-                    <a:noFill/>
-                  </a:rPr>
-                  <a:t> </a:t>
-                </a:r>
-              </a:p>
-            </p:txBody>
-          </p:sp>
-        </mc:Fallback>
-      </mc:AlternateContent>
+      <p:sp>
+        <p:nvSpPr>
+          <p:cNvPr id="3" name="Content Placeholder 2"/>
+          <p:cNvSpPr>
+            <a:spLocks noGrp="1"/>
+          </p:cNvSpPr>
+          <p:nvPr>
+            <p:ph idx="1"/>
+          </p:nvPr>
+        </p:nvSpPr>
+        <p:spPr/>
+        <p:txBody>
+          <a:bodyPr/>
+          <a:lstStyle/>
+          <a:p>
+            <a:r>
+              <a:rPr lang="en-GB" b="1" dirty="0"/>
+              <a:t>Performance</a:t>
+            </a:r>
+          </a:p>
+          <a:p>
+            <a:endParaRPr lang="en-GB" dirty="0"/>
+          </a:p>
+          <a:p>
+            <a:r>
+              <a:rPr lang="en-GB" b="0" dirty="0"/>
+              <a:t>Even with the same input </a:t>
+            </a:r>
+            <a:r>
+              <a:rPr lang="en-GB" b="0" i="1" dirty="0"/>
+              <a:t>size</a:t>
+            </a:r>
+            <a:r>
+              <a:rPr lang="en-GB" b="0" dirty="0"/>
+              <a:t>, runtime may differ</a:t>
+            </a:r>
+          </a:p>
+          <a:p>
+            <a:pPr lvl="1"/>
+            <a:r>
+              <a:rPr lang="en-GB" dirty="0"/>
+              <a:t>Depends on the </a:t>
+            </a:r>
+            <a:r>
+              <a:rPr lang="en-GB" i="1" u="sng" dirty="0"/>
+              <a:t>shape</a:t>
+            </a:r>
+            <a:r>
+              <a:rPr lang="en-GB" dirty="0"/>
+              <a:t> of the data!</a:t>
+            </a:r>
+          </a:p>
+          <a:p>
+            <a:pPr lvl="2"/>
+            <a:r>
+              <a:rPr lang="en-GB" dirty="0"/>
+              <a:t>what varies is how many times we execute the loop test</a:t>
+            </a:r>
+          </a:p>
+          <a:p>
+            <a:pPr lvl="2"/>
+            <a:r>
+              <a:rPr lang="en-GB" b="0" dirty="0"/>
+              <a:t>we can distinguish best, </a:t>
+            </a:r>
+            <a:r>
+              <a:rPr lang="en-GB" b="1" dirty="0"/>
+              <a:t>worst</a:t>
+            </a:r>
+            <a:r>
+              <a:rPr lang="en-GB" b="0" dirty="0"/>
+              <a:t>, average case</a:t>
+            </a:r>
+          </a:p>
+          <a:p>
+            <a:pPr lvl="2"/>
+            <a:r>
+              <a:rPr lang="en-GB" dirty="0"/>
+              <a:t>for each one, we can use the Big O notation (upper bound)</a:t>
+            </a:r>
+            <a:endParaRPr lang="en-GB" b="0" dirty="0"/>
+          </a:p>
+        </p:txBody>
+      </p:sp>
       <p:sp>
         <p:nvSpPr>
           <p:cNvPr id="4" name="Footer Placeholder 3"/>
@@ -10765,6 +11465,85 @@
   <p:clrMapOvr>
     <a:masterClrMapping/>
   </p:clrMapOvr>
+  <p:timing>
+    <p:tnLst>
+      <p:par>
+        <p:cTn id="1" dur="indefinite" restart="never" nodeType="tmRoot">
+          <p:childTnLst>
+            <p:seq concurrent="1" nextAc="seek">
+              <p:cTn id="2" dur="indefinite" nodeType="mainSeq">
+                <p:childTnLst>
+                  <p:par>
+                    <p:cTn id="3" fill="hold">
+                      <p:stCondLst>
+                        <p:cond delay="indefinite"/>
+                      </p:stCondLst>
+                      <p:childTnLst>
+                        <p:par>
+                          <p:cTn id="4" fill="hold">
+                            <p:stCondLst>
+                              <p:cond delay="0"/>
+                            </p:stCondLst>
+                            <p:childTnLst>
+                              <p:par>
+                                <p:cTn id="5" presetID="1" presetClass="entr" presetSubtype="0" fill="hold" nodeType="clickEffect">
+                                  <p:stCondLst>
+                                    <p:cond delay="0"/>
+                                  </p:stCondLst>
+                                  <p:childTnLst>
+                                    <p:set>
+                                      <p:cBhvr>
+                                        <p:cTn id="6" dur="1" fill="hold">
+                                          <p:stCondLst>
+                                            <p:cond delay="0"/>
+                                          </p:stCondLst>
+                                        </p:cTn>
+                                        <p:tgtEl>
+                                          <p:spTgt spid="3">
+                                            <p:txEl>
+                                              <p:pRg st="6" end="6"/>
+                                            </p:txEl>
+                                          </p:spTgt>
+                                        </p:tgtEl>
+                                        <p:attrNameLst>
+                                          <p:attrName>style.visibility</p:attrName>
+                                        </p:attrNameLst>
+                                      </p:cBhvr>
+                                      <p:to>
+                                        <p:strVal val="visible"/>
+                                      </p:to>
+                                    </p:set>
+                                  </p:childTnLst>
+                                </p:cTn>
+                              </p:par>
+                            </p:childTnLst>
+                          </p:cTn>
+                        </p:par>
+                      </p:childTnLst>
+                    </p:cTn>
+                  </p:par>
+                </p:childTnLst>
+              </p:cTn>
+              <p:prevCondLst>
+                <p:cond evt="onPrev" delay="0">
+                  <p:tgtEl>
+                    <p:sldTgt/>
+                  </p:tgtEl>
+                </p:cond>
+              </p:prevCondLst>
+              <p:nextCondLst>
+                <p:cond evt="onNext" delay="0">
+                  <p:tgtEl>
+                    <p:sldTgt/>
+                  </p:tgtEl>
+                </p:cond>
+              </p:nextCondLst>
+            </p:seq>
+          </p:childTnLst>
+        </p:cTn>
+      </p:par>
+    </p:tnLst>
+  </p:timing>
 </p:sld>
 </file>
 
@@ -11378,6 +12157,85 @@
   <p:clrMapOvr>
     <a:masterClrMapping/>
   </p:clrMapOvr>
+  <p:timing>
+    <p:tnLst>
+      <p:par>
+        <p:cTn id="1" dur="indefinite" restart="never" nodeType="tmRoot">
+          <p:childTnLst>
+            <p:seq concurrent="1" nextAc="seek">
+              <p:cTn id="2" dur="indefinite" nodeType="mainSeq">
+                <p:childTnLst>
+                  <p:par>
+                    <p:cTn id="3" fill="hold">
+                      <p:stCondLst>
+                        <p:cond delay="indefinite"/>
+                      </p:stCondLst>
+                      <p:childTnLst>
+                        <p:par>
+                          <p:cTn id="4" fill="hold">
+                            <p:stCondLst>
+                              <p:cond delay="0"/>
+                            </p:stCondLst>
+                            <p:childTnLst>
+                              <p:par>
+                                <p:cTn id="5" presetID="1" presetClass="entr" presetSubtype="0" fill="hold" nodeType="clickEffect">
+                                  <p:stCondLst>
+                                    <p:cond delay="0"/>
+                                  </p:stCondLst>
+                                  <p:childTnLst>
+                                    <p:set>
+                                      <p:cBhvr>
+                                        <p:cTn id="6" dur="1" fill="hold">
+                                          <p:stCondLst>
+                                            <p:cond delay="0"/>
+                                          </p:stCondLst>
+                                        </p:cTn>
+                                        <p:tgtEl>
+                                          <p:spTgt spid="3">
+                                            <p:txEl>
+                                              <p:pRg st="6" end="6"/>
+                                            </p:txEl>
+                                          </p:spTgt>
+                                        </p:tgtEl>
+                                        <p:attrNameLst>
+                                          <p:attrName>style.visibility</p:attrName>
+                                        </p:attrNameLst>
+                                      </p:cBhvr>
+                                      <p:to>
+                                        <p:strVal val="visible"/>
+                                      </p:to>
+                                    </p:set>
+                                  </p:childTnLst>
+                                </p:cTn>
+                              </p:par>
+                            </p:childTnLst>
+                          </p:cTn>
+                        </p:par>
+                      </p:childTnLst>
+                    </p:cTn>
+                  </p:par>
+                </p:childTnLst>
+              </p:cTn>
+              <p:prevCondLst>
+                <p:cond evt="onPrev" delay="0">
+                  <p:tgtEl>
+                    <p:sldTgt/>
+                  </p:tgtEl>
+                </p:cond>
+              </p:prevCondLst>
+              <p:nextCondLst>
+                <p:cond evt="onNext" delay="0">
+                  <p:tgtEl>
+                    <p:sldTgt/>
+                  </p:tgtEl>
+                </p:cond>
+              </p:nextCondLst>
+            </p:seq>
+          </p:childTnLst>
+        </p:cTn>
+      </p:par>
+    </p:tnLst>
+  </p:timing>
 </p:sld>
 </file>
 
@@ -12888,6 +13746,214 @@
   <p:clrMapOvr>
     <a:masterClrMapping/>
   </p:clrMapOvr>
+  <p:timing>
+    <p:tnLst>
+      <p:par>
+        <p:cTn id="1" dur="indefinite" restart="never" nodeType="tmRoot">
+          <p:childTnLst>
+            <p:seq concurrent="1" nextAc="seek">
+              <p:cTn id="2" dur="indefinite" nodeType="mainSeq">
+                <p:childTnLst>
+                  <p:par>
+                    <p:cTn id="3" fill="hold">
+                      <p:stCondLst>
+                        <p:cond delay="indefinite"/>
+                      </p:stCondLst>
+                      <p:childTnLst>
+                        <p:par>
+                          <p:cTn id="4" fill="hold">
+                            <p:stCondLst>
+                              <p:cond delay="0"/>
+                            </p:stCondLst>
+                            <p:childTnLst>
+                              <p:par>
+                                <p:cTn id="5" presetID="1" presetClass="entr" presetSubtype="0" fill="hold" nodeType="clickEffect">
+                                  <p:stCondLst>
+                                    <p:cond delay="0"/>
+                                  </p:stCondLst>
+                                  <p:childTnLst>
+                                    <p:set>
+                                      <p:cBhvr>
+                                        <p:cTn id="6" dur="1" fill="hold">
+                                          <p:stCondLst>
+                                            <p:cond delay="0"/>
+                                          </p:stCondLst>
+                                        </p:cTn>
+                                        <p:tgtEl>
+                                          <p:spTgt spid="3">
+                                            <p:txEl>
+                                              <p:pRg st="1" end="1"/>
+                                            </p:txEl>
+                                          </p:spTgt>
+                                        </p:tgtEl>
+                                        <p:attrNameLst>
+                                          <p:attrName>style.visibility</p:attrName>
+                                        </p:attrNameLst>
+                                      </p:cBhvr>
+                                      <p:to>
+                                        <p:strVal val="visible"/>
+                                      </p:to>
+                                    </p:set>
+                                  </p:childTnLst>
+                                </p:cTn>
+                              </p:par>
+                            </p:childTnLst>
+                          </p:cTn>
+                        </p:par>
+                      </p:childTnLst>
+                    </p:cTn>
+                  </p:par>
+                  <p:par>
+                    <p:cTn id="7" fill="hold">
+                      <p:stCondLst>
+                        <p:cond delay="indefinite"/>
+                      </p:stCondLst>
+                      <p:childTnLst>
+                        <p:par>
+                          <p:cTn id="8" fill="hold">
+                            <p:stCondLst>
+                              <p:cond delay="0"/>
+                            </p:stCondLst>
+                            <p:childTnLst>
+                              <p:par>
+                                <p:cTn id="9" presetID="1" presetClass="entr" presetSubtype="0" fill="hold" nodeType="clickEffect">
+                                  <p:stCondLst>
+                                    <p:cond delay="0"/>
+                                  </p:stCondLst>
+                                  <p:childTnLst>
+                                    <p:set>
+                                      <p:cBhvr>
+                                        <p:cTn id="10" dur="1" fill="hold">
+                                          <p:stCondLst>
+                                            <p:cond delay="0"/>
+                                          </p:stCondLst>
+                                        </p:cTn>
+                                        <p:tgtEl>
+                                          <p:spTgt spid="3">
+                                            <p:txEl>
+                                              <p:pRg st="2" end="2"/>
+                                            </p:txEl>
+                                          </p:spTgt>
+                                        </p:tgtEl>
+                                        <p:attrNameLst>
+                                          <p:attrName>style.visibility</p:attrName>
+                                        </p:attrNameLst>
+                                      </p:cBhvr>
+                                      <p:to>
+                                        <p:strVal val="visible"/>
+                                      </p:to>
+                                    </p:set>
+                                  </p:childTnLst>
+                                </p:cTn>
+                              </p:par>
+                              <p:par>
+                                <p:cTn id="11" presetID="1" presetClass="entr" presetSubtype="0" fill="hold" nodeType="withEffect">
+                                  <p:stCondLst>
+                                    <p:cond delay="0"/>
+                                  </p:stCondLst>
+                                  <p:childTnLst>
+                                    <p:set>
+                                      <p:cBhvr>
+                                        <p:cTn id="12" dur="1" fill="hold">
+                                          <p:stCondLst>
+                                            <p:cond delay="0"/>
+                                          </p:stCondLst>
+                                        </p:cTn>
+                                        <p:tgtEl>
+                                          <p:spTgt spid="3">
+                                            <p:txEl>
+                                              <p:pRg st="3" end="3"/>
+                                            </p:txEl>
+                                          </p:spTgt>
+                                        </p:tgtEl>
+                                        <p:attrNameLst>
+                                          <p:attrName>style.visibility</p:attrName>
+                                        </p:attrNameLst>
+                                      </p:cBhvr>
+                                      <p:to>
+                                        <p:strVal val="visible"/>
+                                      </p:to>
+                                    </p:set>
+                                  </p:childTnLst>
+                                </p:cTn>
+                              </p:par>
+                            </p:childTnLst>
+                          </p:cTn>
+                        </p:par>
+                      </p:childTnLst>
+                    </p:cTn>
+                  </p:par>
+                  <p:par>
+                    <p:cTn id="13" fill="hold">
+                      <p:stCondLst>
+                        <p:cond delay="indefinite"/>
+                      </p:stCondLst>
+                      <p:childTnLst>
+                        <p:par>
+                          <p:cTn id="14" fill="hold">
+                            <p:stCondLst>
+                              <p:cond delay="0"/>
+                            </p:stCondLst>
+                            <p:childTnLst>
+                              <p:par>
+                                <p:cTn id="15" presetID="1" presetClass="entr" presetSubtype="0" fill="hold" nodeType="clickEffect">
+                                  <p:stCondLst>
+                                    <p:cond delay="0"/>
+                                  </p:stCondLst>
+                                  <p:childTnLst>
+                                    <p:set>
+                                      <p:cBhvr>
+                                        <p:cTn id="16" dur="1" fill="hold">
+                                          <p:stCondLst>
+                                            <p:cond delay="0"/>
+                                          </p:stCondLst>
+                                        </p:cTn>
+                                        <p:tgtEl>
+                                          <p:spTgt spid="3">
+                                            <p:txEl>
+                                              <p:pRg st="4" end="4"/>
+                                            </p:txEl>
+                                          </p:spTgt>
+                                        </p:tgtEl>
+                                        <p:attrNameLst>
+                                          <p:attrName>style.visibility</p:attrName>
+                                        </p:attrNameLst>
+                                      </p:cBhvr>
+                                      <p:to>
+                                        <p:strVal val="visible"/>
+                                      </p:to>
+                                    </p:set>
+                                  </p:childTnLst>
+                                </p:cTn>
+                              </p:par>
+                            </p:childTnLst>
+                          </p:cTn>
+                        </p:par>
+                      </p:childTnLst>
+                    </p:cTn>
+                  </p:par>
+                </p:childTnLst>
+              </p:cTn>
+              <p:prevCondLst>
+                <p:cond evt="onPrev" delay="0">
+                  <p:tgtEl>
+                    <p:sldTgt/>
+                  </p:tgtEl>
+                </p:cond>
+              </p:prevCondLst>
+              <p:nextCondLst>
+                <p:cond evt="onNext" delay="0">
+                  <p:tgtEl>
+                    <p:sldTgt/>
+                  </p:tgtEl>
+                </p:cond>
+              </p:nextCondLst>
+            </p:seq>
+          </p:childTnLst>
+        </p:cTn>
+      </p:par>
+    </p:tnLst>
+  </p:timing>
 </p:sld>
 </file>
 
@@ -13176,6 +14242,183 @@
   <p:clrMapOvr>
     <a:masterClrMapping/>
   </p:clrMapOvr>
+  <p:timing>
+    <p:tnLst>
+      <p:par>
+        <p:cTn id="1" dur="indefinite" restart="never" nodeType="tmRoot">
+          <p:childTnLst>
+            <p:seq concurrent="1" nextAc="seek">
+              <p:cTn id="2" dur="indefinite" nodeType="mainSeq">
+                <p:childTnLst>
+                  <p:par>
+                    <p:cTn id="3" fill="hold">
+                      <p:stCondLst>
+                        <p:cond delay="indefinite"/>
+                      </p:stCondLst>
+                      <p:childTnLst>
+                        <p:par>
+                          <p:cTn id="4" fill="hold">
+                            <p:stCondLst>
+                              <p:cond delay="0"/>
+                            </p:stCondLst>
+                            <p:childTnLst>
+                              <p:par>
+                                <p:cTn id="5" presetID="1" presetClass="entr" presetSubtype="0" fill="hold" nodeType="clickEffect">
+                                  <p:stCondLst>
+                                    <p:cond delay="0"/>
+                                  </p:stCondLst>
+                                  <p:childTnLst>
+                                    <p:set>
+                                      <p:cBhvr>
+                                        <p:cTn id="6" dur="1" fill="hold">
+                                          <p:stCondLst>
+                                            <p:cond delay="0"/>
+                                          </p:stCondLst>
+                                        </p:cTn>
+                                        <p:tgtEl>
+                                          <p:spTgt spid="3">
+                                            <p:txEl>
+                                              <p:pRg st="8" end="8"/>
+                                            </p:txEl>
+                                          </p:spTgt>
+                                        </p:tgtEl>
+                                        <p:attrNameLst>
+                                          <p:attrName>style.visibility</p:attrName>
+                                        </p:attrNameLst>
+                                      </p:cBhvr>
+                                      <p:to>
+                                        <p:strVal val="visible"/>
+                                      </p:to>
+                                    </p:set>
+                                  </p:childTnLst>
+                                </p:cTn>
+                              </p:par>
+                            </p:childTnLst>
+                          </p:cTn>
+                        </p:par>
+                      </p:childTnLst>
+                    </p:cTn>
+                  </p:par>
+                  <p:par>
+                    <p:cTn id="7" fill="hold">
+                      <p:stCondLst>
+                        <p:cond delay="indefinite"/>
+                      </p:stCondLst>
+                      <p:childTnLst>
+                        <p:par>
+                          <p:cTn id="8" fill="hold">
+                            <p:stCondLst>
+                              <p:cond delay="0"/>
+                            </p:stCondLst>
+                            <p:childTnLst>
+                              <p:par>
+                                <p:cTn id="9" presetID="1" presetClass="entr" presetSubtype="0" fill="hold" nodeType="clickEffect">
+                                  <p:stCondLst>
+                                    <p:cond delay="0"/>
+                                  </p:stCondLst>
+                                  <p:childTnLst>
+                                    <p:set>
+                                      <p:cBhvr>
+                                        <p:cTn id="10" dur="1" fill="hold">
+                                          <p:stCondLst>
+                                            <p:cond delay="0"/>
+                                          </p:stCondLst>
+                                        </p:cTn>
+                                        <p:tgtEl>
+                                          <p:spTgt spid="3">
+                                            <p:txEl>
+                                              <p:pRg st="9" end="9"/>
+                                            </p:txEl>
+                                          </p:spTgt>
+                                        </p:tgtEl>
+                                        <p:attrNameLst>
+                                          <p:attrName>style.visibility</p:attrName>
+                                        </p:attrNameLst>
+                                      </p:cBhvr>
+                                      <p:to>
+                                        <p:strVal val="visible"/>
+                                      </p:to>
+                                    </p:set>
+                                  </p:childTnLst>
+                                </p:cTn>
+                              </p:par>
+                            </p:childTnLst>
+                          </p:cTn>
+                        </p:par>
+                      </p:childTnLst>
+                    </p:cTn>
+                  </p:par>
+                  <p:par>
+                    <p:cTn id="11" fill="hold">
+                      <p:stCondLst>
+                        <p:cond delay="indefinite"/>
+                      </p:stCondLst>
+                      <p:childTnLst>
+                        <p:par>
+                          <p:cTn id="12" fill="hold">
+                            <p:stCondLst>
+                              <p:cond delay="0"/>
+                            </p:stCondLst>
+                            <p:childTnLst>
+                              <p:par>
+                                <p:cTn id="13" presetID="1" presetClass="entr" presetSubtype="0" fill="hold" nodeType="clickEffect">
+                                  <p:stCondLst>
+                                    <p:cond delay="0"/>
+                                  </p:stCondLst>
+                                  <p:childTnLst>
+                                    <p:set>
+                                      <p:cBhvr>
+                                        <p:cTn id="14" dur="1" fill="hold">
+                                          <p:stCondLst>
+                                            <p:cond delay="0"/>
+                                          </p:stCondLst>
+                                        </p:cTn>
+                                        <p:tgtEl>
+                                          <p:spTgt spid="3">
+                                            <p:txEl>
+                                              <p:pRg st="10" end="10"/>
+                                            </p:txEl>
+                                          </p:spTgt>
+                                        </p:tgtEl>
+                                        <p:attrNameLst>
+                                          <p:attrName>style.visibility</p:attrName>
+                                        </p:attrNameLst>
+                                      </p:cBhvr>
+                                      <p:to>
+                                        <p:strVal val="visible"/>
+                                      </p:to>
+                                    </p:set>
+                                  </p:childTnLst>
+                                </p:cTn>
+                              </p:par>
+                            </p:childTnLst>
+                          </p:cTn>
+                        </p:par>
+                      </p:childTnLst>
+                    </p:cTn>
+                  </p:par>
+                </p:childTnLst>
+              </p:cTn>
+              <p:prevCondLst>
+                <p:cond evt="onPrev" delay="0">
+                  <p:tgtEl>
+                    <p:sldTgt/>
+                  </p:tgtEl>
+                </p:cond>
+              </p:prevCondLst>
+              <p:nextCondLst>
+                <p:cond evt="onNext" delay="0">
+                  <p:tgtEl>
+                    <p:sldTgt/>
+                  </p:tgtEl>
+                </p:cond>
+              </p:nextCondLst>
+            </p:seq>
+          </p:childTnLst>
+        </p:cTn>
+      </p:par>
+    </p:tnLst>
+  </p:timing>
 </p:sld>
 </file>
 
@@ -17675,6 +18918,196 @@
   <p:clrMapOvr>
     <a:masterClrMapping/>
   </p:clrMapOvr>
+  <p:timing>
+    <p:tnLst>
+      <p:par>
+        <p:cTn id="1" dur="indefinite" restart="never" nodeType="tmRoot">
+          <p:childTnLst>
+            <p:seq concurrent="1" nextAc="seek">
+              <p:cTn id="2" dur="indefinite" nodeType="mainSeq">
+                <p:childTnLst>
+                  <p:par>
+                    <p:cTn id="3" fill="hold">
+                      <p:stCondLst>
+                        <p:cond delay="indefinite"/>
+                      </p:stCondLst>
+                      <p:childTnLst>
+                        <p:par>
+                          <p:cTn id="4" fill="hold">
+                            <p:stCondLst>
+                              <p:cond delay="0"/>
+                            </p:stCondLst>
+                            <p:childTnLst>
+                              <p:par>
+                                <p:cTn id="5" presetID="1" presetClass="entr" presetSubtype="0" fill="hold" nodeType="clickEffect">
+                                  <p:stCondLst>
+                                    <p:cond delay="0"/>
+                                  </p:stCondLst>
+                                  <p:childTnLst>
+                                    <p:set>
+                                      <p:cBhvr>
+                                        <p:cTn id="6" dur="1" fill="hold">
+                                          <p:stCondLst>
+                                            <p:cond delay="0"/>
+                                          </p:stCondLst>
+                                        </p:cTn>
+                                        <p:tgtEl>
+                                          <p:spTgt spid="3">
+                                            <p:txEl>
+                                              <p:pRg st="1" end="1"/>
+                                            </p:txEl>
+                                          </p:spTgt>
+                                        </p:tgtEl>
+                                        <p:attrNameLst>
+                                          <p:attrName>style.visibility</p:attrName>
+                                        </p:attrNameLst>
+                                      </p:cBhvr>
+                                      <p:to>
+                                        <p:strVal val="visible"/>
+                                      </p:to>
+                                    </p:set>
+                                  </p:childTnLst>
+                                </p:cTn>
+                              </p:par>
+                              <p:par>
+                                <p:cTn id="7" presetID="1" presetClass="entr" presetSubtype="0" fill="hold" nodeType="withEffect">
+                                  <p:stCondLst>
+                                    <p:cond delay="0"/>
+                                  </p:stCondLst>
+                                  <p:childTnLst>
+                                    <p:set>
+                                      <p:cBhvr>
+                                        <p:cTn id="8" dur="1" fill="hold">
+                                          <p:stCondLst>
+                                            <p:cond delay="0"/>
+                                          </p:stCondLst>
+                                        </p:cTn>
+                                        <p:tgtEl>
+                                          <p:spTgt spid="3">
+                                            <p:txEl>
+                                              <p:pRg st="2" end="2"/>
+                                            </p:txEl>
+                                          </p:spTgt>
+                                        </p:tgtEl>
+                                        <p:attrNameLst>
+                                          <p:attrName>style.visibility</p:attrName>
+                                        </p:attrNameLst>
+                                      </p:cBhvr>
+                                      <p:to>
+                                        <p:strVal val="visible"/>
+                                      </p:to>
+                                    </p:set>
+                                  </p:childTnLst>
+                                </p:cTn>
+                              </p:par>
+                              <p:par>
+                                <p:cTn id="9" presetID="1" presetClass="entr" presetSubtype="0" fill="hold" nodeType="withEffect">
+                                  <p:stCondLst>
+                                    <p:cond delay="0"/>
+                                  </p:stCondLst>
+                                  <p:childTnLst>
+                                    <p:set>
+                                      <p:cBhvr>
+                                        <p:cTn id="10" dur="1" fill="hold">
+                                          <p:stCondLst>
+                                            <p:cond delay="0"/>
+                                          </p:stCondLst>
+                                        </p:cTn>
+                                        <p:tgtEl>
+                                          <p:spTgt spid="3">
+                                            <p:txEl>
+                                              <p:pRg st="3" end="3"/>
+                                            </p:txEl>
+                                          </p:spTgt>
+                                        </p:tgtEl>
+                                        <p:attrNameLst>
+                                          <p:attrName>style.visibility</p:attrName>
+                                        </p:attrNameLst>
+                                      </p:cBhvr>
+                                      <p:to>
+                                        <p:strVal val="visible"/>
+                                      </p:to>
+                                    </p:set>
+                                  </p:childTnLst>
+                                </p:cTn>
+                              </p:par>
+                            </p:childTnLst>
+                          </p:cTn>
+                        </p:par>
+                      </p:childTnLst>
+                    </p:cTn>
+                  </p:par>
+                  <p:par>
+                    <p:cTn id="11" fill="hold">
+                      <p:stCondLst>
+                        <p:cond delay="indefinite"/>
+                      </p:stCondLst>
+                      <p:childTnLst>
+                        <p:par>
+                          <p:cTn id="12" fill="hold">
+                            <p:stCondLst>
+                              <p:cond delay="0"/>
+                            </p:stCondLst>
+                            <p:childTnLst>
+                              <p:par>
+                                <p:cTn id="13" presetID="1" presetClass="entr" presetSubtype="0" fill="hold" nodeType="clickEffect">
+                                  <p:stCondLst>
+                                    <p:cond delay="0"/>
+                                  </p:stCondLst>
+                                  <p:childTnLst>
+                                    <p:set>
+                                      <p:cBhvr>
+                                        <p:cTn id="14" dur="1" fill="hold">
+                                          <p:stCondLst>
+                                            <p:cond delay="0"/>
+                                          </p:stCondLst>
+                                        </p:cTn>
+                                        <p:tgtEl>
+                                          <p:spTgt spid="3">
+                                            <p:txEl>
+                                              <p:pRg st="4" end="4"/>
+                                            </p:txEl>
+                                          </p:spTgt>
+                                        </p:tgtEl>
+                                        <p:attrNameLst>
+                                          <p:attrName>style.visibility</p:attrName>
+                                        </p:attrNameLst>
+                                      </p:cBhvr>
+                                      <p:to>
+                                        <p:strVal val="visible"/>
+                                      </p:to>
+                                    </p:set>
+                                  </p:childTnLst>
+                                </p:cTn>
+                              </p:par>
+                            </p:childTnLst>
+                          </p:cTn>
+                        </p:par>
+                      </p:childTnLst>
+                    </p:cTn>
+                  </p:par>
+                </p:childTnLst>
+              </p:cTn>
+              <p:prevCondLst>
+                <p:cond evt="onPrev" delay="0">
+                  <p:tgtEl>
+                    <p:sldTgt/>
+                  </p:tgtEl>
+                </p:cond>
+              </p:prevCondLst>
+              <p:nextCondLst>
+                <p:cond evt="onNext" delay="0">
+                  <p:tgtEl>
+                    <p:sldTgt/>
+                  </p:tgtEl>
+                </p:cond>
+              </p:nextCondLst>
+            </p:seq>
+          </p:childTnLst>
+        </p:cTn>
+      </p:par>
+    </p:tnLst>
+  </p:timing>
 </p:sld>
 </file>
 
@@ -19141,6 +20574,134 @@
   <p:clrMapOvr>
     <a:masterClrMapping/>
   </p:clrMapOvr>
+  <p:timing>
+    <p:tnLst>
+      <p:par>
+        <p:cTn id="1" dur="indefinite" restart="never" nodeType="tmRoot">
+          <p:childTnLst>
+            <p:seq concurrent="1" nextAc="seek">
+              <p:cTn id="2" dur="indefinite" nodeType="mainSeq">
+                <p:childTnLst>
+                  <p:par>
+                    <p:cTn id="3" fill="hold">
+                      <p:stCondLst>
+                        <p:cond delay="indefinite"/>
+                      </p:stCondLst>
+                      <p:childTnLst>
+                        <p:par>
+                          <p:cTn id="4" fill="hold">
+                            <p:stCondLst>
+                              <p:cond delay="0"/>
+                            </p:stCondLst>
+                            <p:childTnLst>
+                              <p:par>
+                                <p:cTn id="5" presetID="1" presetClass="entr" presetSubtype="0" fill="hold" nodeType="clickEffect">
+                                  <p:stCondLst>
+                                    <p:cond delay="0"/>
+                                  </p:stCondLst>
+                                  <p:childTnLst>
+                                    <p:set>
+                                      <p:cBhvr>
+                                        <p:cTn id="6" dur="1" fill="hold">
+                                          <p:stCondLst>
+                                            <p:cond delay="0"/>
+                                          </p:stCondLst>
+                                        </p:cTn>
+                                        <p:tgtEl>
+                                          <p:spTgt spid="3">
+                                            <p:txEl>
+                                              <p:pRg st="7" end="7"/>
+                                            </p:txEl>
+                                          </p:spTgt>
+                                        </p:tgtEl>
+                                        <p:attrNameLst>
+                                          <p:attrName>style.visibility</p:attrName>
+                                        </p:attrNameLst>
+                                      </p:cBhvr>
+                                      <p:to>
+                                        <p:strVal val="visible"/>
+                                      </p:to>
+                                    </p:set>
+                                  </p:childTnLst>
+                                </p:cTn>
+                              </p:par>
+                            </p:childTnLst>
+                          </p:cTn>
+                        </p:par>
+                      </p:childTnLst>
+                    </p:cTn>
+                  </p:par>
+                  <p:par>
+                    <p:cTn id="7" fill="hold">
+                      <p:stCondLst>
+                        <p:cond delay="indefinite"/>
+                      </p:stCondLst>
+                      <p:childTnLst>
+                        <p:par>
+                          <p:cTn id="8" fill="hold">
+                            <p:stCondLst>
+                              <p:cond delay="0"/>
+                            </p:stCondLst>
+                            <p:childTnLst>
+                              <p:par>
+                                <p:cTn id="9" presetID="1" presetClass="entr" presetSubtype="0" fill="hold" nodeType="clickEffect">
+                                  <p:stCondLst>
+                                    <p:cond delay="0"/>
+                                  </p:stCondLst>
+                                  <p:childTnLst>
+                                    <p:set>
+                                      <p:cBhvr>
+                                        <p:cTn id="10" dur="1" fill="hold">
+                                          <p:stCondLst>
+                                            <p:cond delay="0"/>
+                                          </p:stCondLst>
+                                        </p:cTn>
+                                        <p:tgtEl>
+                                          <p:spTgt spid="3">
+                                            <p:txEl>
+                                              <p:pRg st="9" end="9"/>
+                                            </p:txEl>
+                                          </p:spTgt>
+                                        </p:tgtEl>
+                                        <p:attrNameLst>
+                                          <p:attrName>style.visibility</p:attrName>
+                                        </p:attrNameLst>
+                                      </p:cBhvr>
+                                      <p:to>
+                                        <p:strVal val="visible"/>
+                                      </p:to>
+                                    </p:set>
+                                  </p:childTnLst>
+                                </p:cTn>
+                              </p:par>
+                            </p:childTnLst>
+                          </p:cTn>
+                        </p:par>
+                      </p:childTnLst>
+                    </p:cTn>
+                  </p:par>
+                </p:childTnLst>
+              </p:cTn>
+              <p:prevCondLst>
+                <p:cond evt="onPrev" delay="0">
+                  <p:tgtEl>
+                    <p:sldTgt/>
+                  </p:tgtEl>
+                </p:cond>
+              </p:prevCondLst>
+              <p:nextCondLst>
+                <p:cond evt="onNext" delay="0">
+                  <p:tgtEl>
+                    <p:sldTgt/>
+                  </p:tgtEl>
+                </p:cond>
+              </p:nextCondLst>
+            </p:seq>
+          </p:childTnLst>
+        </p:cTn>
+      </p:par>
+    </p:tnLst>
+  </p:timing>
 </p:sld>
 </file>
 
@@ -22006,8 +23567,8 @@
           </a:p>
         </p:txBody>
       </p:sp>
-      <mc:AlternateContent xmlns:mc="http://schemas.openxmlformats.org/markup-compatibility/2006" xmlns:a14="http://schemas.microsoft.com/office/drawing/2010/main">
-        <mc:Choice Requires="a14">
+      <mc:AlternateContent xmlns:mc="http://schemas.openxmlformats.org/markup-compatibility/2006">
+        <mc:Choice xmlns:a14="http://schemas.microsoft.com/office/drawing/2010/main" Requires="a14">
           <p:sp>
             <p:nvSpPr>
               <p:cNvPr id="3" name="Tijdelijke aanduiding voor inhoud 2"/>
@@ -22206,15 +23767,6 @@
               <a:p>
                 <a:pPr lvl="1"/>
                 <a:r>
-                  <a:rPr lang="en-US" dirty="0">
-                    <a:sym typeface="Wingdings" panose="05000000000000000000" pitchFamily="2" charset="2"/>
-                  </a:rPr>
-                  <a:t>RECURSION  recursive or not</a:t>
-                </a:r>
-              </a:p>
-              <a:p>
-                <a:pPr lvl="1"/>
-                <a:r>
                   <a:rPr lang="nl-NL" dirty="0">
                     <a:sym typeface="Wingdings" panose="05000000000000000000" pitchFamily="2" charset="2"/>
                   </a:rPr>
@@ -22249,7 +23801,7 @@
             </p:txBody>
           </p:sp>
         </mc:Choice>
-        <mc:Fallback xmlns="">
+        <mc:Fallback>
           <p:sp>
             <p:nvSpPr>
               <p:cNvPr id="3" name="Tijdelijke aanduiding voor inhoud 2"/>
@@ -22261,7 +23813,7 @@
               </p:nvPr>
             </p:nvSpPr>
             <p:spPr>
-              <a:blipFill rotWithShape="0">
+              <a:blipFill>
                 <a:blip r:embed="rId2"/>
                 <a:stretch>
                   <a:fillRect l="-142" t="-942"/>
@@ -22357,6 +23909,263 @@
   <p:clrMapOvr>
     <a:masterClrMapping/>
   </p:clrMapOvr>
+  <p:timing>
+    <p:tnLst>
+      <p:par>
+        <p:cTn id="1" dur="indefinite" restart="never" nodeType="tmRoot">
+          <p:childTnLst>
+            <p:seq concurrent="1" nextAc="seek">
+              <p:cTn id="2" dur="indefinite" nodeType="mainSeq">
+                <p:childTnLst>
+                  <p:par>
+                    <p:cTn id="3" fill="hold">
+                      <p:stCondLst>
+                        <p:cond delay="indefinite"/>
+                      </p:stCondLst>
+                      <p:childTnLst>
+                        <p:par>
+                          <p:cTn id="4" fill="hold">
+                            <p:stCondLst>
+                              <p:cond delay="0"/>
+                            </p:stCondLst>
+                            <p:childTnLst>
+                              <p:par>
+                                <p:cTn id="5" presetID="1" presetClass="entr" presetSubtype="0" fill="hold" nodeType="clickEffect">
+                                  <p:stCondLst>
+                                    <p:cond delay="0"/>
+                                  </p:stCondLst>
+                                  <p:childTnLst>
+                                    <p:set>
+                                      <p:cBhvr>
+                                        <p:cTn id="6" dur="1" fill="hold">
+                                          <p:stCondLst>
+                                            <p:cond delay="0"/>
+                                          </p:stCondLst>
+                                        </p:cTn>
+                                        <p:tgtEl>
+                                          <p:spTgt spid="3">
+                                            <p:txEl>
+                                              <p:pRg st="1" end="1"/>
+                                            </p:txEl>
+                                          </p:spTgt>
+                                        </p:tgtEl>
+                                        <p:attrNameLst>
+                                          <p:attrName>style.visibility</p:attrName>
+                                        </p:attrNameLst>
+                                      </p:cBhvr>
+                                      <p:to>
+                                        <p:strVal val="visible"/>
+                                      </p:to>
+                                    </p:set>
+                                  </p:childTnLst>
+                                </p:cTn>
+                              </p:par>
+                            </p:childTnLst>
+                          </p:cTn>
+                        </p:par>
+                      </p:childTnLst>
+                    </p:cTn>
+                  </p:par>
+                  <p:par>
+                    <p:cTn id="7" fill="hold">
+                      <p:stCondLst>
+                        <p:cond delay="indefinite"/>
+                      </p:stCondLst>
+                      <p:childTnLst>
+                        <p:par>
+                          <p:cTn id="8" fill="hold">
+                            <p:stCondLst>
+                              <p:cond delay="0"/>
+                            </p:stCondLst>
+                            <p:childTnLst>
+                              <p:par>
+                                <p:cTn id="9" presetID="1" presetClass="entr" presetSubtype="0" fill="hold" nodeType="clickEffect">
+                                  <p:stCondLst>
+                                    <p:cond delay="0"/>
+                                  </p:stCondLst>
+                                  <p:childTnLst>
+                                    <p:set>
+                                      <p:cBhvr>
+                                        <p:cTn id="10" dur="1" fill="hold">
+                                          <p:stCondLst>
+                                            <p:cond delay="0"/>
+                                          </p:stCondLst>
+                                        </p:cTn>
+                                        <p:tgtEl>
+                                          <p:spTgt spid="3">
+                                            <p:txEl>
+                                              <p:pRg st="2" end="2"/>
+                                            </p:txEl>
+                                          </p:spTgt>
+                                        </p:tgtEl>
+                                        <p:attrNameLst>
+                                          <p:attrName>style.visibility</p:attrName>
+                                        </p:attrNameLst>
+                                      </p:cBhvr>
+                                      <p:to>
+                                        <p:strVal val="visible"/>
+                                      </p:to>
+                                    </p:set>
+                                  </p:childTnLst>
+                                </p:cTn>
+                              </p:par>
+                              <p:par>
+                                <p:cTn id="11" presetID="1" presetClass="entr" presetSubtype="0" fill="hold" nodeType="withEffect">
+                                  <p:stCondLst>
+                                    <p:cond delay="0"/>
+                                  </p:stCondLst>
+                                  <p:childTnLst>
+                                    <p:set>
+                                      <p:cBhvr>
+                                        <p:cTn id="12" dur="1" fill="hold">
+                                          <p:stCondLst>
+                                            <p:cond delay="0"/>
+                                          </p:stCondLst>
+                                        </p:cTn>
+                                        <p:tgtEl>
+                                          <p:spTgt spid="3">
+                                            <p:txEl>
+                                              <p:pRg st="3" end="3"/>
+                                            </p:txEl>
+                                          </p:spTgt>
+                                        </p:tgtEl>
+                                        <p:attrNameLst>
+                                          <p:attrName>style.visibility</p:attrName>
+                                        </p:attrNameLst>
+                                      </p:cBhvr>
+                                      <p:to>
+                                        <p:strVal val="visible"/>
+                                      </p:to>
+                                    </p:set>
+                                  </p:childTnLst>
+                                </p:cTn>
+                              </p:par>
+                            </p:childTnLst>
+                          </p:cTn>
+                        </p:par>
+                      </p:childTnLst>
+                    </p:cTn>
+                  </p:par>
+                  <p:par>
+                    <p:cTn id="13" fill="hold">
+                      <p:stCondLst>
+                        <p:cond delay="indefinite"/>
+                      </p:stCondLst>
+                      <p:childTnLst>
+                        <p:par>
+                          <p:cTn id="14" fill="hold">
+                            <p:stCondLst>
+                              <p:cond delay="0"/>
+                            </p:stCondLst>
+                            <p:childTnLst>
+                              <p:par>
+                                <p:cTn id="15" presetID="1" presetClass="entr" presetSubtype="0" fill="hold" nodeType="clickEffect">
+                                  <p:stCondLst>
+                                    <p:cond delay="0"/>
+                                  </p:stCondLst>
+                                  <p:childTnLst>
+                                    <p:set>
+                                      <p:cBhvr>
+                                        <p:cTn id="16" dur="1" fill="hold">
+                                          <p:stCondLst>
+                                            <p:cond delay="0"/>
+                                          </p:stCondLst>
+                                        </p:cTn>
+                                        <p:tgtEl>
+                                          <p:spTgt spid="3">
+                                            <p:txEl>
+                                              <p:pRg st="4" end="4"/>
+                                            </p:txEl>
+                                          </p:spTgt>
+                                        </p:tgtEl>
+                                        <p:attrNameLst>
+                                          <p:attrName>style.visibility</p:attrName>
+                                        </p:attrNameLst>
+                                      </p:cBhvr>
+                                      <p:to>
+                                        <p:strVal val="visible"/>
+                                      </p:to>
+                                    </p:set>
+                                  </p:childTnLst>
+                                </p:cTn>
+                              </p:par>
+                            </p:childTnLst>
+                          </p:cTn>
+                        </p:par>
+                      </p:childTnLst>
+                    </p:cTn>
+                  </p:par>
+                  <p:par>
+                    <p:cTn id="17" fill="hold">
+                      <p:stCondLst>
+                        <p:cond delay="indefinite"/>
+                      </p:stCondLst>
+                      <p:childTnLst>
+                        <p:par>
+                          <p:cTn id="18" fill="hold">
+                            <p:stCondLst>
+                              <p:cond delay="0"/>
+                            </p:stCondLst>
+                            <p:childTnLst>
+                              <p:par>
+                                <p:cTn id="19" presetID="1" presetClass="entr" presetSubtype="0" fill="hold" nodeType="clickEffect">
+                                  <p:stCondLst>
+                                    <p:cond delay="0"/>
+                                  </p:stCondLst>
+                                  <p:childTnLst>
+                                    <p:set>
+                                      <p:cBhvr>
+                                        <p:cTn id="20" dur="1" fill="hold">
+                                          <p:stCondLst>
+                                            <p:cond delay="0"/>
+                                          </p:stCondLst>
+                                        </p:cTn>
+                                        <p:tgtEl>
+                                          <p:spTgt spid="3">
+                                            <p:txEl>
+                                              <p:pRg st="5" end="5"/>
+                                            </p:txEl>
+                                          </p:spTgt>
+                                        </p:tgtEl>
+                                        <p:attrNameLst>
+                                          <p:attrName>style.visibility</p:attrName>
+                                        </p:attrNameLst>
+                                      </p:cBhvr>
+                                      <p:to>
+                                        <p:strVal val="visible"/>
+                                      </p:to>
+                                    </p:set>
+                                  </p:childTnLst>
+                                </p:cTn>
+                              </p:par>
+                            </p:childTnLst>
+                          </p:cTn>
+                        </p:par>
+                      </p:childTnLst>
+                    </p:cTn>
+                  </p:par>
+                </p:childTnLst>
+              </p:cTn>
+              <p:prevCondLst>
+                <p:cond evt="onPrev" delay="0">
+                  <p:tgtEl>
+                    <p:sldTgt/>
+                  </p:tgtEl>
+                </p:cond>
+              </p:prevCondLst>
+              <p:nextCondLst>
+                <p:cond evt="onNext" delay="0">
+                  <p:tgtEl>
+                    <p:sldTgt/>
+                  </p:tgtEl>
+                </p:cond>
+              </p:nextCondLst>
+            </p:seq>
+          </p:childTnLst>
+        </p:cTn>
+      </p:par>
+    </p:tnLst>
+  </p:timing>
 </p:sld>
 </file>
 

--- a/Lesson slides/Unit 2 - Sorting algorithms.pptx
+++ b/Lesson slides/Unit 2 - Sorting algorithms.pptx
@@ -160,10 +160,6 @@
 </p:presentation>
 </file>
 
-<file path=ppt/revisionInfo.xml><?xml version="1.0" encoding="utf-8"?>
-<p1510:revInfo xmlns:a="http://schemas.openxmlformats.org/drawingml/2006/main" xmlns:r="http://schemas.openxmlformats.org/officeDocument/2006/relationships" xmlns:p1510="http://schemas.microsoft.com/office/powerpoint/2015/10/main"/>
-</file>
-
 <file path=ppt/notesMasters/notesMaster1.xml><?xml version="1.0" encoding="utf-8"?>
 <p:notesMaster xmlns:a="http://schemas.openxmlformats.org/drawingml/2006/main" xmlns:r="http://schemas.openxmlformats.org/officeDocument/2006/relationships" xmlns:p="http://schemas.openxmlformats.org/presentationml/2006/main">
   <p:cSld>
@@ -246,7 +242,7 @@
           <a:p>
             <a:fld id="{F314420D-16BA-4EDC-9A71-800590EAD5A3}" type="datetimeFigureOut">
               <a:rPr lang="en-GB" smtClean="0"/>
-              <a:t>24/11/2017</a:t>
+              <a:t>26/11/2018</a:t>
             </a:fld>
             <a:endParaRPr lang="en-GB"/>
           </a:p>
@@ -1551,7 +1547,7 @@
           <a:p>
             <a:fld id="{F684358F-5A8D-46F5-A4F4-9916ECB46847}" type="datetime1">
               <a:rPr lang="en-GB" smtClean="0"/>
-              <a:t>24/11/2017</a:t>
+              <a:t>26/11/2018</a:t>
             </a:fld>
             <a:endParaRPr lang="en-GB"/>
           </a:p>
@@ -1806,7 +1802,7 @@
           <a:p>
             <a:fld id="{194D2BD8-08C5-43F0-A6EA-07187D749947}" type="datetime1">
               <a:rPr lang="en-GB" smtClean="0"/>
-              <a:t>24/11/2017</a:t>
+              <a:t>26/11/2018</a:t>
             </a:fld>
             <a:endParaRPr lang="en-GB"/>
           </a:p>
@@ -2124,7 +2120,7 @@
           <a:p>
             <a:fld id="{2D8D4E04-40DC-4187-B310-DB612C5CED42}" type="datetime1">
               <a:rPr lang="en-GB" smtClean="0"/>
-              <a:t>24/11/2017</a:t>
+              <a:t>26/11/2018</a:t>
             </a:fld>
             <a:endParaRPr lang="en-GB"/>
           </a:p>
@@ -2455,7 +2451,7 @@
           <a:p>
             <a:fld id="{C23C8B5D-CF85-4985-A133-6C1E3B3ED983}" type="datetime1">
               <a:rPr lang="en-GB" smtClean="0"/>
-              <a:t>24/11/2017</a:t>
+              <a:t>26/11/2018</a:t>
             </a:fld>
             <a:endParaRPr lang="en-GB"/>
           </a:p>
@@ -2773,7 +2769,7 @@
           <a:p>
             <a:fld id="{625FC69D-FC2F-49BC-8FD1-A9BA7A58F6ED}" type="datetime1">
               <a:rPr lang="en-GB" smtClean="0"/>
-              <a:t>24/11/2017</a:t>
+              <a:t>26/11/2018</a:t>
             </a:fld>
             <a:endParaRPr lang="en-GB"/>
           </a:p>
@@ -3164,7 +3160,7 @@
           <a:p>
             <a:fld id="{153EB4E7-85E4-4754-9E9F-C3E17A76F11D}" type="datetime1">
               <a:rPr lang="en-GB" smtClean="0"/>
-              <a:t>24/11/2017</a:t>
+              <a:t>26/11/2018</a:t>
             </a:fld>
             <a:endParaRPr lang="en-GB"/>
           </a:p>
@@ -3338,7 +3334,7 @@
           <a:p>
             <a:fld id="{E1F1E81A-ED72-4708-ADB5-2F0283D39A1C}" type="datetime1">
               <a:rPr lang="en-GB" smtClean="0"/>
-              <a:t>24/11/2017</a:t>
+              <a:t>26/11/2018</a:t>
             </a:fld>
             <a:endParaRPr lang="en-GB"/>
           </a:p>
@@ -3522,7 +3518,7 @@
           <a:p>
             <a:fld id="{8B9B4761-69B0-4809-9570-AFF8CB97D952}" type="datetime1">
               <a:rPr lang="en-GB" smtClean="0"/>
-              <a:t>24/11/2017</a:t>
+              <a:t>26/11/2018</a:t>
             </a:fld>
             <a:endParaRPr lang="en-GB"/>
           </a:p>
@@ -3696,7 +3692,7 @@
           <a:p>
             <a:fld id="{956E0577-493C-43D8-A6FA-5BE2C58220B1}" type="datetime1">
               <a:rPr lang="en-GB" smtClean="0"/>
-              <a:t>24/11/2017</a:t>
+              <a:t>26/11/2018</a:t>
             </a:fld>
             <a:endParaRPr lang="en-GB"/>
           </a:p>
@@ -3947,7 +3943,7 @@
           <a:p>
             <a:fld id="{304D6F30-9825-4794-9545-D073367068F8}" type="datetime1">
               <a:rPr lang="en-GB" smtClean="0"/>
-              <a:t>24/11/2017</a:t>
+              <a:t>26/11/2018</a:t>
             </a:fld>
             <a:endParaRPr lang="en-GB"/>
           </a:p>
@@ -4183,7 +4179,7 @@
           <a:p>
             <a:fld id="{DBE2C86E-604C-4D60-828D-D12199E8B306}" type="datetime1">
               <a:rPr lang="en-GB" smtClean="0"/>
-              <a:t>24/11/2017</a:t>
+              <a:t>26/11/2018</a:t>
             </a:fld>
             <a:endParaRPr lang="en-GB"/>
           </a:p>
@@ -4561,7 +4557,7 @@
           <a:p>
             <a:fld id="{13EC04E0-B8AF-408E-9C33-E58446FD7352}" type="datetime1">
               <a:rPr lang="en-GB" smtClean="0"/>
-              <a:t>24/11/2017</a:t>
+              <a:t>26/11/2018</a:t>
             </a:fld>
             <a:endParaRPr lang="en-GB"/>
           </a:p>
@@ -4688,7 +4684,7 @@
           <a:p>
             <a:fld id="{9243573A-0A91-4FB4-8885-1EB4FE5B1E54}" type="datetime1">
               <a:rPr lang="en-GB" smtClean="0"/>
-              <a:t>24/11/2017</a:t>
+              <a:t>26/11/2018</a:t>
             </a:fld>
             <a:endParaRPr lang="en-GB"/>
           </a:p>
@@ -4787,7 +4783,7 @@
           <a:p>
             <a:fld id="{B4710004-43A1-4DBA-A644-554D1059FD1C}" type="datetime1">
               <a:rPr lang="en-GB" smtClean="0"/>
-              <a:t>24/11/2017</a:t>
+              <a:t>26/11/2018</a:t>
             </a:fld>
             <a:endParaRPr lang="en-GB"/>
           </a:p>
@@ -5046,7 +5042,7 @@
           <a:p>
             <a:fld id="{FC9720D1-9F76-4FA1-8657-AC1E8E0981A6}" type="datetime1">
               <a:rPr lang="en-GB" smtClean="0"/>
-              <a:t>24/11/2017</a:t>
+              <a:t>26/11/2018</a:t>
             </a:fld>
             <a:endParaRPr lang="en-GB"/>
           </a:p>
@@ -5313,7 +5309,7 @@
           <a:p>
             <a:fld id="{C8E20631-DE8B-4701-976E-E03410B1997C}" type="datetime1">
               <a:rPr lang="en-GB" smtClean="0"/>
-              <a:t>24/11/2017</a:t>
+              <a:t>26/11/2018</a:t>
             </a:fld>
             <a:endParaRPr lang="en-GB"/>
           </a:p>
@@ -6062,7 +6058,7 @@
           <a:p>
             <a:fld id="{B9424B04-571C-4D6B-BA35-700508E94D99}" type="datetime1">
               <a:rPr lang="en-GB" smtClean="0"/>
-              <a:t>24/11/2017</a:t>
+              <a:t>26/11/2018</a:t>
             </a:fld>
             <a:endParaRPr lang="en-GB"/>
           </a:p>
@@ -22378,23 +22374,17 @@
             </a:r>
           </a:p>
           <a:p>
-            <a:pPr lvl="1"/>
             <a:r>
               <a:rPr lang="en-GB" dirty="0"/>
-              <a:t>Implement also Bubble sort</a:t>
-            </a:r>
-          </a:p>
-          <a:p>
+              <a:t>Implement </a:t>
+            </a:r>
+            <a:r>
+              <a:rPr lang="en-GB"/>
+              <a:t>also the </a:t>
+            </a:r>
             <a:r>
               <a:rPr lang="en-GB" dirty="0"/>
-              <a:t>Download the practical assignment from N@tschool and try it </a:t>
-            </a:r>
-          </a:p>
-          <a:p>
-            <a:pPr lvl="1"/>
-            <a:r>
-              <a:rPr lang="en-GB" dirty="0"/>
-              <a:t>The first exercise in there is about merge sort</a:t>
+              <a:t>Bubble sort</a:t>
             </a:r>
           </a:p>
           <a:p>
@@ -23567,8 +23557,8 @@
           </a:p>
         </p:txBody>
       </p:sp>
-      <mc:AlternateContent xmlns:mc="http://schemas.openxmlformats.org/markup-compatibility/2006">
-        <mc:Choice xmlns:a14="http://schemas.microsoft.com/office/drawing/2010/main" Requires="a14">
+      <mc:AlternateContent xmlns:mc="http://schemas.openxmlformats.org/markup-compatibility/2006" xmlns:a14="http://schemas.microsoft.com/office/drawing/2010/main">
+        <mc:Choice Requires="a14">
           <p:sp>
             <p:nvSpPr>
               <p:cNvPr id="3" name="Tijdelijke aanduiding voor inhoud 2"/>
@@ -23801,7 +23791,7 @@
             </p:txBody>
           </p:sp>
         </mc:Choice>
-        <mc:Fallback>
+        <mc:Fallback xmlns="">
           <p:sp>
             <p:nvSpPr>
               <p:cNvPr id="3" name="Tijdelijke aanduiding voor inhoud 2"/>

--- a/Lesson slides/Unit 2 - Sorting algorithms.pptx
+++ b/Lesson slides/Unit 2 - Sorting algorithms.pptx
@@ -242,7 +242,7 @@
           <a:p>
             <a:fld id="{F314420D-16BA-4EDC-9A71-800590EAD5A3}" type="datetimeFigureOut">
               <a:rPr lang="en-GB" smtClean="0"/>
-              <a:t>26/11/2018</a:t>
+              <a:t>29/11/2018</a:t>
             </a:fld>
             <a:endParaRPr lang="en-GB"/>
           </a:p>
@@ -1547,7 +1547,7 @@
           <a:p>
             <a:fld id="{F684358F-5A8D-46F5-A4F4-9916ECB46847}" type="datetime1">
               <a:rPr lang="en-GB" smtClean="0"/>
-              <a:t>26/11/2018</a:t>
+              <a:t>29/11/2018</a:t>
             </a:fld>
             <a:endParaRPr lang="en-GB"/>
           </a:p>
@@ -1802,7 +1802,7 @@
           <a:p>
             <a:fld id="{194D2BD8-08C5-43F0-A6EA-07187D749947}" type="datetime1">
               <a:rPr lang="en-GB" smtClean="0"/>
-              <a:t>26/11/2018</a:t>
+              <a:t>29/11/2018</a:t>
             </a:fld>
             <a:endParaRPr lang="en-GB"/>
           </a:p>
@@ -2120,7 +2120,7 @@
           <a:p>
             <a:fld id="{2D8D4E04-40DC-4187-B310-DB612C5CED42}" type="datetime1">
               <a:rPr lang="en-GB" smtClean="0"/>
-              <a:t>26/11/2018</a:t>
+              <a:t>29/11/2018</a:t>
             </a:fld>
             <a:endParaRPr lang="en-GB"/>
           </a:p>
@@ -2451,7 +2451,7 @@
           <a:p>
             <a:fld id="{C23C8B5D-CF85-4985-A133-6C1E3B3ED983}" type="datetime1">
               <a:rPr lang="en-GB" smtClean="0"/>
-              <a:t>26/11/2018</a:t>
+              <a:t>29/11/2018</a:t>
             </a:fld>
             <a:endParaRPr lang="en-GB"/>
           </a:p>
@@ -2769,7 +2769,7 @@
           <a:p>
             <a:fld id="{625FC69D-FC2F-49BC-8FD1-A9BA7A58F6ED}" type="datetime1">
               <a:rPr lang="en-GB" smtClean="0"/>
-              <a:t>26/11/2018</a:t>
+              <a:t>29/11/2018</a:t>
             </a:fld>
             <a:endParaRPr lang="en-GB"/>
           </a:p>
@@ -3160,7 +3160,7 @@
           <a:p>
             <a:fld id="{153EB4E7-85E4-4754-9E9F-C3E17A76F11D}" type="datetime1">
               <a:rPr lang="en-GB" smtClean="0"/>
-              <a:t>26/11/2018</a:t>
+              <a:t>29/11/2018</a:t>
             </a:fld>
             <a:endParaRPr lang="en-GB"/>
           </a:p>
@@ -3334,7 +3334,7 @@
           <a:p>
             <a:fld id="{E1F1E81A-ED72-4708-ADB5-2F0283D39A1C}" type="datetime1">
               <a:rPr lang="en-GB" smtClean="0"/>
-              <a:t>26/11/2018</a:t>
+              <a:t>29/11/2018</a:t>
             </a:fld>
             <a:endParaRPr lang="en-GB"/>
           </a:p>
@@ -3518,7 +3518,7 @@
           <a:p>
             <a:fld id="{8B9B4761-69B0-4809-9570-AFF8CB97D952}" type="datetime1">
               <a:rPr lang="en-GB" smtClean="0"/>
-              <a:t>26/11/2018</a:t>
+              <a:t>29/11/2018</a:t>
             </a:fld>
             <a:endParaRPr lang="en-GB"/>
           </a:p>
@@ -3692,7 +3692,7 @@
           <a:p>
             <a:fld id="{956E0577-493C-43D8-A6FA-5BE2C58220B1}" type="datetime1">
               <a:rPr lang="en-GB" smtClean="0"/>
-              <a:t>26/11/2018</a:t>
+              <a:t>29/11/2018</a:t>
             </a:fld>
             <a:endParaRPr lang="en-GB"/>
           </a:p>
@@ -3943,7 +3943,7 @@
           <a:p>
             <a:fld id="{304D6F30-9825-4794-9545-D073367068F8}" type="datetime1">
               <a:rPr lang="en-GB" smtClean="0"/>
-              <a:t>26/11/2018</a:t>
+              <a:t>29/11/2018</a:t>
             </a:fld>
             <a:endParaRPr lang="en-GB"/>
           </a:p>
@@ -4179,7 +4179,7 @@
           <a:p>
             <a:fld id="{DBE2C86E-604C-4D60-828D-D12199E8B306}" type="datetime1">
               <a:rPr lang="en-GB" smtClean="0"/>
-              <a:t>26/11/2018</a:t>
+              <a:t>29/11/2018</a:t>
             </a:fld>
             <a:endParaRPr lang="en-GB"/>
           </a:p>
@@ -4557,7 +4557,7 @@
           <a:p>
             <a:fld id="{13EC04E0-B8AF-408E-9C33-E58446FD7352}" type="datetime1">
               <a:rPr lang="en-GB" smtClean="0"/>
-              <a:t>26/11/2018</a:t>
+              <a:t>29/11/2018</a:t>
             </a:fld>
             <a:endParaRPr lang="en-GB"/>
           </a:p>
@@ -4684,7 +4684,7 @@
           <a:p>
             <a:fld id="{9243573A-0A91-4FB4-8885-1EB4FE5B1E54}" type="datetime1">
               <a:rPr lang="en-GB" smtClean="0"/>
-              <a:t>26/11/2018</a:t>
+              <a:t>29/11/2018</a:t>
             </a:fld>
             <a:endParaRPr lang="en-GB"/>
           </a:p>
@@ -4783,7 +4783,7 @@
           <a:p>
             <a:fld id="{B4710004-43A1-4DBA-A644-554D1059FD1C}" type="datetime1">
               <a:rPr lang="en-GB" smtClean="0"/>
-              <a:t>26/11/2018</a:t>
+              <a:t>29/11/2018</a:t>
             </a:fld>
             <a:endParaRPr lang="en-GB"/>
           </a:p>
@@ -5042,7 +5042,7 @@
           <a:p>
             <a:fld id="{FC9720D1-9F76-4FA1-8657-AC1E8E0981A6}" type="datetime1">
               <a:rPr lang="en-GB" smtClean="0"/>
-              <a:t>26/11/2018</a:t>
+              <a:t>29/11/2018</a:t>
             </a:fld>
             <a:endParaRPr lang="en-GB"/>
           </a:p>
@@ -5309,7 +5309,7 @@
           <a:p>
             <a:fld id="{C8E20631-DE8B-4701-976E-E03410B1997C}" type="datetime1">
               <a:rPr lang="en-GB" smtClean="0"/>
-              <a:t>26/11/2018</a:t>
+              <a:t>29/11/2018</a:t>
             </a:fld>
             <a:endParaRPr lang="en-GB"/>
           </a:p>
@@ -6058,7 +6058,7 @@
           <a:p>
             <a:fld id="{B9424B04-571C-4D6B-BA35-700508E94D99}" type="datetime1">
               <a:rPr lang="en-GB" smtClean="0"/>
-              <a:t>26/11/2018</a:t>
+              <a:t>29/11/2018</a:t>
             </a:fld>
             <a:endParaRPr lang="en-GB"/>
           </a:p>
@@ -17854,8 +17854,8 @@
           </a:p>
         </p:txBody>
       </p:sp>
-      <mc:AlternateContent xmlns:mc="http://schemas.openxmlformats.org/markup-compatibility/2006" xmlns:a14="http://schemas.microsoft.com/office/drawing/2010/main">
-        <mc:Choice Requires="a14">
+      <mc:AlternateContent xmlns:mc="http://schemas.openxmlformats.org/markup-compatibility/2006">
+        <mc:Choice xmlns:a14="http://schemas.microsoft.com/office/drawing/2010/main" Requires="a14">
           <p:sp>
             <p:nvSpPr>
               <p:cNvPr id="5" name="Rectangle 4"/>
@@ -18015,7 +18015,7 @@
                     <a:latin typeface="Consolas" panose="020B0609020204030204" pitchFamily="49" charset="0"/>
                     <a:cs typeface="Consolas" panose="020B0609020204030204" pitchFamily="49" charset="0"/>
                   </a:rPr>
-                  <a:t>+ 1 ] and L[1..n</a:t>
+                  <a:t>+ 1 ] and R[1..n</a:t>
                 </a:r>
                 <a:r>
                   <a:rPr lang="pt-BR" baseline="-25000" dirty="0">
@@ -18345,7 +18345,7 @@
             </p:txBody>
           </p:sp>
         </mc:Choice>
-        <mc:Fallback xmlns="">
+        <mc:Fallback>
           <p:sp>
             <p:nvSpPr>
               <p:cNvPr id="5" name="Rectangle 4"/>
@@ -18362,7 +18362,7 @@
               <a:prstGeom prst="rect">
                 <a:avLst/>
               </a:prstGeom>
-              <a:blipFill rotWithShape="0">
+              <a:blipFill>
                 <a:blip r:embed="rId3"/>
                 <a:stretch>
                   <a:fillRect l="-777" t="-568" b="-795"/>
@@ -22339,10 +22339,16 @@
           </a:p>
           <a:p>
             <a:r>
+              <a:rPr lang="en-GB" b="1" dirty="0">
+                <a:sym typeface="Wingdings" panose="05000000000000000000" pitchFamily="2" charset="2"/>
+              </a:rPr>
+              <a:t>Multiple choice questions </a:t>
+            </a:r>
+            <a:r>
               <a:rPr lang="en-GB" dirty="0">
                 <a:sym typeface="Wingdings" panose="05000000000000000000" pitchFamily="2" charset="2"/>
               </a:rPr>
-              <a:t>Multiple choice questions on </a:t>
+              <a:t>on </a:t>
             </a:r>
             <a:r>
               <a:rPr lang="en-GB" dirty="0" err="1">
@@ -22359,7 +22365,31 @@
               <a:rPr lang="en-GB" dirty="0">
                 <a:sym typeface="Wingdings" panose="05000000000000000000" pitchFamily="2" charset="2"/>
               </a:rPr>
-              <a:t>Implement the two sorting algorithms (Insertion sort and Merge sort)</a:t>
+              <a:t>Implement the two sorting algorithms (</a:t>
+            </a:r>
+            <a:r>
+              <a:rPr lang="en-GB" b="1" dirty="0">
+                <a:sym typeface="Wingdings" panose="05000000000000000000" pitchFamily="2" charset="2"/>
+              </a:rPr>
+              <a:t>Insertion sort </a:t>
+            </a:r>
+            <a:r>
+              <a:rPr lang="en-GB" dirty="0">
+                <a:sym typeface="Wingdings" panose="05000000000000000000" pitchFamily="2" charset="2"/>
+              </a:rPr>
+              <a:t>and </a:t>
+            </a:r>
+            <a:r>
+              <a:rPr lang="en-GB" b="1" dirty="0">
+                <a:sym typeface="Wingdings" panose="05000000000000000000" pitchFamily="2" charset="2"/>
+              </a:rPr>
+              <a:t>Merge sort</a:t>
+            </a:r>
+            <a:r>
+              <a:rPr lang="en-GB" dirty="0">
+                <a:sym typeface="Wingdings" panose="05000000000000000000" pitchFamily="2" charset="2"/>
+              </a:rPr>
+              <a:t>)</a:t>
             </a:r>
           </a:p>
           <a:p>
@@ -22376,14 +22406,10 @@
           <a:p>
             <a:r>
               <a:rPr lang="en-GB" dirty="0"/>
-              <a:t>Implement </a:t>
-            </a:r>
-            <a:r>
-              <a:rPr lang="en-GB"/>
-              <a:t>also the </a:t>
-            </a:r>
-            <a:r>
-              <a:rPr lang="en-GB" dirty="0"/>
+              <a:t>Implement also the </a:t>
+            </a:r>
+            <a:r>
+              <a:rPr lang="en-GB" b="1" dirty="0"/>
               <a:t>Bubble sort</a:t>
             </a:r>
           </a:p>

--- a/Lesson slides/Unit 2 - Sorting algorithms.pptx
+++ b/Lesson slides/Unit 2 - Sorting algorithms.pptx
@@ -17854,8 +17854,8 @@
           </a:p>
         </p:txBody>
       </p:sp>
-      <mc:AlternateContent xmlns:mc="http://schemas.openxmlformats.org/markup-compatibility/2006">
-        <mc:Choice xmlns:a14="http://schemas.microsoft.com/office/drawing/2010/main" Requires="a14">
+      <mc:AlternateContent xmlns:mc="http://schemas.openxmlformats.org/markup-compatibility/2006" xmlns:a14="http://schemas.microsoft.com/office/drawing/2010/main">
+        <mc:Choice Requires="a14">
           <p:sp>
             <p:nvSpPr>
               <p:cNvPr id="5" name="Rectangle 4"/>
@@ -18345,7 +18345,7 @@
             </p:txBody>
           </p:sp>
         </mc:Choice>
-        <mc:Fallback>
+        <mc:Fallback xmlns="">
           <p:sp>
             <p:nvSpPr>
               <p:cNvPr id="5" name="Rectangle 4"/>
@@ -22395,12 +22395,8 @@
           <a:p>
             <a:pPr lvl="1"/>
             <a:r>
-              <a:rPr lang="en-GB" i="1" dirty="0"/>
-              <a:t>Facultative</a:t>
-            </a:r>
-            <a:r>
               <a:rPr lang="en-GB" dirty="0"/>
-              <a:t>: try to make it generic with respect to the type of the elements being sorted (using a comparator)</a:t>
+              <a:t>Try to make it generic with respect to the type of the elements being sorted (using a comparator)</a:t>
             </a:r>
           </a:p>
           <a:p>
@@ -22589,6 +22585,36 @@
               </a14:hiddenFill>
             </a:ext>
           </a:extLst>
+        </p:spPr>
+      </p:pic>
+      <p:pic>
+        <p:nvPicPr>
+          <p:cNvPr id="7" name="Afbeelding 6">
+            <a:extLst>
+              <a:ext uri="{FF2B5EF4-FFF2-40B4-BE49-F238E27FC236}">
+                <a16:creationId xmlns:a16="http://schemas.microsoft.com/office/drawing/2014/main" id="{74736BF9-5593-4D32-AAB0-5A45372DC08E}"/>
+              </a:ext>
+            </a:extLst>
+          </p:cNvPr>
+          <p:cNvPicPr>
+            <a:picLocks noChangeAspect="1"/>
+          </p:cNvPicPr>
+          <p:nvPr/>
+        </p:nvPicPr>
+        <p:blipFill>
+          <a:blip r:embed="rId4"/>
+          <a:stretch>
+            <a:fillRect/>
+          </a:stretch>
+        </p:blipFill>
+        <p:spPr>
+          <a:xfrm>
+            <a:off x="3669797" y="3644996"/>
+            <a:ext cx="6610296" cy="308744"/>
+          </a:xfrm>
+          <a:prstGeom prst="rect">
+            <a:avLst/>
+          </a:prstGeom>
         </p:spPr>
       </p:pic>
     </p:spTree>
